--- a/LapTrinhWeb.pptx
+++ b/LapTrinhWeb.pptx
@@ -2,11 +2,19 @@
 <file path=ppt/presentation.xml><?xml version="1.0" encoding="utf-8"?>
 <p:presentation xmlns:a="http://schemas.openxmlformats.org/drawingml/2006/main" xmlns:r="http://schemas.openxmlformats.org/officeDocument/2006/relationships" xmlns:p="http://schemas.openxmlformats.org/presentationml/2006/main" saveSubsetFonts="1">
   <p:sldMasterIdLst>
-    <p:sldMasterId id="2147483660" r:id="rId1"/>
+    <p:sldMasterId id="2147483675" r:id="rId1"/>
   </p:sldMasterIdLst>
   <p:sldIdLst>
     <p:sldId id="256" r:id="rId2"/>
-    <p:sldId id="258" r:id="rId3"/>
+    <p:sldId id="257" r:id="rId3"/>
+    <p:sldId id="260" r:id="rId4"/>
+    <p:sldId id="265" r:id="rId5"/>
+    <p:sldId id="261" r:id="rId6"/>
+    <p:sldId id="262" r:id="rId7"/>
+    <p:sldId id="258" r:id="rId8"/>
+    <p:sldId id="259" r:id="rId9"/>
+    <p:sldId id="263" r:id="rId10"/>
+    <p:sldId id="264" r:id="rId11"/>
   </p:sldIdLst>
   <p:sldSz cx="12192000" cy="6858000"/>
   <p:notesSz cx="6858000" cy="9144000"/>
@@ -108,38 +116,39 @@
   <p:extLst>
     <p:ext uri="{521415D9-36F7-43E2-AB2F-B90AF26B5E84}">
       <p14:sectionLst xmlns:p14="http://schemas.microsoft.com/office/powerpoint/2010/main">
-        <p14:section name="Untitled Section" id="{A7B285E8-410B-4C6E-8258-6896EC3B2F16}">
+        <p14:section name="Phần 1" id="{A7B285E8-410B-4C6E-8258-6896EC3B2F16}">
           <p14:sldIdLst>
             <p14:sldId id="256"/>
+            <p14:sldId id="257"/>
+            <p14:sldId id="260"/>
+            <p14:sldId id="265"/>
+            <p14:sldId id="261"/>
+            <p14:sldId id="262"/>
             <p14:sldId id="258"/>
+            <p14:sldId id="259"/>
+          </p14:sldIdLst>
+        </p14:section>
+        <p14:section name="Phần 2" id="{DD4366EC-3DAC-403A-83A3-5FB13E0979C5}">
+          <p14:sldIdLst>
+            <p14:sldId id="263"/>
+            <p14:sldId id="264"/>
           </p14:sldIdLst>
         </p14:section>
       </p14:sectionLst>
+    </p:ext>
+    <p:ext uri="{EFAFB233-063F-42B5-8137-9DF3F51BA10A}">
+      <p15:sldGuideLst xmlns:p15="http://schemas.microsoft.com/office/powerpoint/2012/main"/>
     </p:ext>
   </p:extLst>
 </p:presentation>
 </file>
 
 <file path=ppt/slideLayouts/slideLayout1.xml><?xml version="1.0" encoding="utf-8"?>
-<p:sldLayout xmlns:a="http://schemas.openxmlformats.org/drawingml/2006/main" xmlns:r="http://schemas.openxmlformats.org/officeDocument/2006/relationships" xmlns:p="http://schemas.openxmlformats.org/presentationml/2006/main" preserve="1">
-  <p:cSld name="Title Slide">
-    <p:bg>
-      <p:bgPr>
-        <a:blipFill dpi="0" rotWithShape="1">
-          <a:blip r:embed="rId2">
-            <a:lum/>
-          </a:blip>
-          <a:srcRect/>
-          <a:stretch>
-            <a:fillRect/>
-          </a:stretch>
-        </a:blipFill>
-        <a:effectLst/>
-      </p:bgPr>
-    </p:bg>
+<p:sldLayout xmlns:a="http://schemas.openxmlformats.org/drawingml/2006/main" xmlns:r="http://schemas.openxmlformats.org/officeDocument/2006/relationships" xmlns:p="http://schemas.openxmlformats.org/presentationml/2006/main" matchingName="Title slide" type="title">
+  <p:cSld name="Title slide">
     <p:spTree>
       <p:nvGrpSpPr>
-        <p:cNvPr id="1" name=""/>
+        <p:cNvPr id="1" name="Shape 8"/>
         <p:cNvGrpSpPr/>
         <p:nvPr/>
       </p:nvGrpSpPr>
@@ -151,10 +160,609 @@
           <a:chExt cx="0" cy="0"/>
         </a:xfrm>
       </p:grpSpPr>
+      <p:sp>
+        <p:nvSpPr>
+          <p:cNvPr id="9" name="Google Shape;9;p2"/>
+          <p:cNvSpPr/>
+          <p:nvPr/>
+        </p:nvSpPr>
+        <p:spPr>
+          <a:xfrm>
+            <a:off x="-939567" y="-310167"/>
+            <a:ext cx="10658800" cy="5485200"/>
+          </a:xfrm>
+          <a:prstGeom prst="roundRect">
+            <a:avLst>
+              <a:gd name="adj" fmla="val 16667"/>
+            </a:avLst>
+          </a:prstGeom>
+          <a:solidFill>
+            <a:srgbClr val="EE8C94">
+              <a:alpha val="60670"/>
+            </a:srgbClr>
+          </a:solidFill>
+          <a:ln>
+            <a:noFill/>
+          </a:ln>
+        </p:spPr>
+        <p:txBody>
+          <a:bodyPr spcFirstLastPara="1" wrap="square" lIns="121900" tIns="121900" rIns="121900" bIns="121900" anchor="ctr" anchorCtr="0">
+            <a:noAutofit/>
+          </a:bodyPr>
+          <a:lstStyle/>
+          <a:p>
+            <a:pPr marL="0" lvl="0" indent="0" algn="l" rtl="0">
+              <a:spcBef>
+                <a:spcPts val="0"/>
+              </a:spcBef>
+              <a:spcAft>
+                <a:spcPts val="0"/>
+              </a:spcAft>
+              <a:buNone/>
+            </a:pPr>
+            <a:endParaRPr sz="2400"/>
+          </a:p>
+        </p:txBody>
+      </p:sp>
+      <p:sp>
+        <p:nvSpPr>
+          <p:cNvPr id="10" name="Google Shape;10;p2"/>
+          <p:cNvSpPr/>
+          <p:nvPr/>
+        </p:nvSpPr>
+        <p:spPr>
+          <a:xfrm>
+            <a:off x="7218533" y="3763467"/>
+            <a:ext cx="3884400" cy="3480000"/>
+          </a:xfrm>
+          <a:prstGeom prst="roundRect">
+            <a:avLst>
+              <a:gd name="adj" fmla="val 16667"/>
+            </a:avLst>
+          </a:prstGeom>
+          <a:solidFill>
+            <a:srgbClr val="AED7E8">
+              <a:alpha val="52810"/>
+            </a:srgbClr>
+          </a:solidFill>
+          <a:ln>
+            <a:noFill/>
+          </a:ln>
+        </p:spPr>
+        <p:txBody>
+          <a:bodyPr spcFirstLastPara="1" wrap="square" lIns="121900" tIns="121900" rIns="121900" bIns="121900" anchor="ctr" anchorCtr="0">
+            <a:noAutofit/>
+          </a:bodyPr>
+          <a:lstStyle/>
+          <a:p>
+            <a:pPr marL="0" lvl="0" indent="0" algn="l" rtl="0">
+              <a:spcBef>
+                <a:spcPts val="0"/>
+              </a:spcBef>
+              <a:spcAft>
+                <a:spcPts val="0"/>
+              </a:spcAft>
+              <a:buNone/>
+            </a:pPr>
+            <a:endParaRPr sz="2400"/>
+          </a:p>
+        </p:txBody>
+      </p:sp>
+      <p:sp>
+        <p:nvSpPr>
+          <p:cNvPr id="11" name="Google Shape;11;p2"/>
+          <p:cNvSpPr/>
+          <p:nvPr/>
+        </p:nvSpPr>
+        <p:spPr>
+          <a:xfrm rot="5400000">
+            <a:off x="10531767" y="543600"/>
+            <a:ext cx="2815200" cy="2603200"/>
+          </a:xfrm>
+          <a:prstGeom prst="roundRect">
+            <a:avLst>
+              <a:gd name="adj" fmla="val 16667"/>
+            </a:avLst>
+          </a:prstGeom>
+          <a:solidFill>
+            <a:srgbClr val="AED7E8">
+              <a:alpha val="52810"/>
+            </a:srgbClr>
+          </a:solidFill>
+          <a:ln>
+            <a:noFill/>
+          </a:ln>
+        </p:spPr>
+        <p:txBody>
+          <a:bodyPr spcFirstLastPara="1" wrap="square" lIns="121900" tIns="121900" rIns="121900" bIns="121900" anchor="ctr" anchorCtr="0">
+            <a:noAutofit/>
+          </a:bodyPr>
+          <a:lstStyle/>
+          <a:p>
+            <a:pPr marL="0" lvl="0" indent="0" algn="l" rtl="0">
+              <a:spcBef>
+                <a:spcPts val="0"/>
+              </a:spcBef>
+              <a:spcAft>
+                <a:spcPts val="0"/>
+              </a:spcAft>
+              <a:buNone/>
+            </a:pPr>
+            <a:endParaRPr sz="2400"/>
+          </a:p>
+        </p:txBody>
+      </p:sp>
+      <p:sp>
+        <p:nvSpPr>
+          <p:cNvPr id="12" name="Google Shape;12;p2"/>
+          <p:cNvSpPr txBox="1">
+            <a:spLocks noGrp="1"/>
+          </p:cNvSpPr>
+          <p:nvPr>
+            <p:ph type="ctrTitle"/>
+          </p:nvPr>
+        </p:nvSpPr>
+        <p:spPr>
+          <a:xfrm rot="896">
+            <a:off x="1391601" y="1210400"/>
+            <a:ext cx="9205600" cy="2736800"/>
+          </a:xfrm>
+          <a:prstGeom prst="rect">
+            <a:avLst/>
+          </a:prstGeom>
+        </p:spPr>
+        <p:txBody>
+          <a:bodyPr spcFirstLastPara="1" wrap="square" lIns="91425" tIns="91425" rIns="91425" bIns="91425" anchor="t" anchorCtr="0">
+            <a:noAutofit/>
+          </a:bodyPr>
+          <a:lstStyle>
+            <a:lvl1pPr lvl="0">
+              <a:spcBef>
+                <a:spcPts val="0"/>
+              </a:spcBef>
+              <a:spcAft>
+                <a:spcPts val="0"/>
+              </a:spcAft>
+              <a:buSzPts val="5200"/>
+              <a:buNone/>
+              <a:defRPr sz="8000">
+                <a:solidFill>
+                  <a:schemeClr val="lt1"/>
+                </a:solidFill>
+                <a:latin typeface="Times New Roman" panose="02020603050405020304" pitchFamily="18" charset="0"/>
+                <a:cs typeface="Times New Roman" panose="02020603050405020304" pitchFamily="18" charset="0"/>
+              </a:defRPr>
+            </a:lvl1pPr>
+            <a:lvl2pPr lvl="1" algn="ctr">
+              <a:spcBef>
+                <a:spcPts val="0"/>
+              </a:spcBef>
+              <a:spcAft>
+                <a:spcPts val="0"/>
+              </a:spcAft>
+              <a:buSzPts val="5200"/>
+              <a:buFont typeface="Thasadith"/>
+              <a:buNone/>
+              <a:defRPr sz="6933">
+                <a:latin typeface="Thasadith"/>
+                <a:ea typeface="Thasadith"/>
+                <a:cs typeface="Thasadith"/>
+                <a:sym typeface="Thasadith"/>
+              </a:defRPr>
+            </a:lvl2pPr>
+            <a:lvl3pPr lvl="2" algn="ctr">
+              <a:spcBef>
+                <a:spcPts val="0"/>
+              </a:spcBef>
+              <a:spcAft>
+                <a:spcPts val="0"/>
+              </a:spcAft>
+              <a:buSzPts val="5200"/>
+              <a:buFont typeface="Thasadith"/>
+              <a:buNone/>
+              <a:defRPr sz="6933">
+                <a:latin typeface="Thasadith"/>
+                <a:ea typeface="Thasadith"/>
+                <a:cs typeface="Thasadith"/>
+                <a:sym typeface="Thasadith"/>
+              </a:defRPr>
+            </a:lvl3pPr>
+            <a:lvl4pPr lvl="3" algn="ctr">
+              <a:spcBef>
+                <a:spcPts val="0"/>
+              </a:spcBef>
+              <a:spcAft>
+                <a:spcPts val="0"/>
+              </a:spcAft>
+              <a:buSzPts val="5200"/>
+              <a:buFont typeface="Thasadith"/>
+              <a:buNone/>
+              <a:defRPr sz="6933">
+                <a:latin typeface="Thasadith"/>
+                <a:ea typeface="Thasadith"/>
+                <a:cs typeface="Thasadith"/>
+                <a:sym typeface="Thasadith"/>
+              </a:defRPr>
+            </a:lvl4pPr>
+            <a:lvl5pPr lvl="4" algn="ctr">
+              <a:spcBef>
+                <a:spcPts val="0"/>
+              </a:spcBef>
+              <a:spcAft>
+                <a:spcPts val="0"/>
+              </a:spcAft>
+              <a:buSzPts val="5200"/>
+              <a:buFont typeface="Thasadith"/>
+              <a:buNone/>
+              <a:defRPr sz="6933">
+                <a:latin typeface="Thasadith"/>
+                <a:ea typeface="Thasadith"/>
+                <a:cs typeface="Thasadith"/>
+                <a:sym typeface="Thasadith"/>
+              </a:defRPr>
+            </a:lvl5pPr>
+            <a:lvl6pPr lvl="5" algn="ctr">
+              <a:spcBef>
+                <a:spcPts val="0"/>
+              </a:spcBef>
+              <a:spcAft>
+                <a:spcPts val="0"/>
+              </a:spcAft>
+              <a:buSzPts val="5200"/>
+              <a:buFont typeface="Thasadith"/>
+              <a:buNone/>
+              <a:defRPr sz="6933">
+                <a:latin typeface="Thasadith"/>
+                <a:ea typeface="Thasadith"/>
+                <a:cs typeface="Thasadith"/>
+                <a:sym typeface="Thasadith"/>
+              </a:defRPr>
+            </a:lvl6pPr>
+            <a:lvl7pPr lvl="6" algn="ctr">
+              <a:spcBef>
+                <a:spcPts val="0"/>
+              </a:spcBef>
+              <a:spcAft>
+                <a:spcPts val="0"/>
+              </a:spcAft>
+              <a:buSzPts val="5200"/>
+              <a:buFont typeface="Thasadith"/>
+              <a:buNone/>
+              <a:defRPr sz="6933">
+                <a:latin typeface="Thasadith"/>
+                <a:ea typeface="Thasadith"/>
+                <a:cs typeface="Thasadith"/>
+                <a:sym typeface="Thasadith"/>
+              </a:defRPr>
+            </a:lvl7pPr>
+            <a:lvl8pPr lvl="7" algn="ctr">
+              <a:spcBef>
+                <a:spcPts val="0"/>
+              </a:spcBef>
+              <a:spcAft>
+                <a:spcPts val="0"/>
+              </a:spcAft>
+              <a:buSzPts val="5200"/>
+              <a:buFont typeface="Thasadith"/>
+              <a:buNone/>
+              <a:defRPr sz="6933">
+                <a:latin typeface="Thasadith"/>
+                <a:ea typeface="Thasadith"/>
+                <a:cs typeface="Thasadith"/>
+                <a:sym typeface="Thasadith"/>
+              </a:defRPr>
+            </a:lvl8pPr>
+            <a:lvl9pPr lvl="8" algn="ctr">
+              <a:spcBef>
+                <a:spcPts val="0"/>
+              </a:spcBef>
+              <a:spcAft>
+                <a:spcPts val="0"/>
+              </a:spcAft>
+              <a:buSzPts val="5200"/>
+              <a:buFont typeface="Thasadith"/>
+              <a:buNone/>
+              <a:defRPr sz="6933">
+                <a:latin typeface="Thasadith"/>
+                <a:ea typeface="Thasadith"/>
+                <a:cs typeface="Thasadith"/>
+                <a:sym typeface="Thasadith"/>
+              </a:defRPr>
+            </a:lvl9pPr>
+          </a:lstStyle>
+          <a:p>
+            <a:r>
+              <a:rPr lang="en-US" smtClean="0"/>
+              <a:t>Click to edit Master title style</a:t>
+            </a:r>
+            <a:endParaRPr/>
+          </a:p>
+        </p:txBody>
+      </p:sp>
+      <p:sp>
+        <p:nvSpPr>
+          <p:cNvPr id="13" name="Google Shape;13;p2"/>
+          <p:cNvSpPr txBox="1">
+            <a:spLocks noGrp="1"/>
+          </p:cNvSpPr>
+          <p:nvPr>
+            <p:ph type="subTitle" idx="1"/>
+          </p:nvPr>
+        </p:nvSpPr>
+        <p:spPr>
+          <a:xfrm rot="1416">
+            <a:off x="7275949" y="5254433"/>
+            <a:ext cx="3884400" cy="1056800"/>
+          </a:xfrm>
+          <a:prstGeom prst="rect">
+            <a:avLst/>
+          </a:prstGeom>
+        </p:spPr>
+        <p:txBody>
+          <a:bodyPr spcFirstLastPara="1" wrap="square" lIns="91425" tIns="91425" rIns="91425" bIns="91425" anchor="ctr" anchorCtr="0">
+            <a:noAutofit/>
+          </a:bodyPr>
+          <a:lstStyle>
+            <a:lvl1pPr lvl="0" algn="ctr">
+              <a:lnSpc>
+                <a:spcPct val="100000"/>
+              </a:lnSpc>
+              <a:spcBef>
+                <a:spcPts val="0"/>
+              </a:spcBef>
+              <a:spcAft>
+                <a:spcPts val="0"/>
+              </a:spcAft>
+              <a:buSzPts val="2800"/>
+              <a:buFont typeface="PT Serif"/>
+              <a:buNone/>
+              <a:defRPr/>
+            </a:lvl1pPr>
+            <a:lvl2pPr lvl="1" algn="ctr">
+              <a:lnSpc>
+                <a:spcPct val="100000"/>
+              </a:lnSpc>
+              <a:spcBef>
+                <a:spcPts val="0"/>
+              </a:spcBef>
+              <a:spcAft>
+                <a:spcPts val="0"/>
+              </a:spcAft>
+              <a:buSzPts val="2800"/>
+              <a:buFont typeface="PT Serif"/>
+              <a:buNone/>
+              <a:defRPr sz="3733">
+                <a:latin typeface="PT Serif"/>
+                <a:ea typeface="PT Serif"/>
+                <a:cs typeface="PT Serif"/>
+                <a:sym typeface="PT Serif"/>
+              </a:defRPr>
+            </a:lvl2pPr>
+            <a:lvl3pPr lvl="2" algn="ctr">
+              <a:lnSpc>
+                <a:spcPct val="100000"/>
+              </a:lnSpc>
+              <a:spcBef>
+                <a:spcPts val="0"/>
+              </a:spcBef>
+              <a:spcAft>
+                <a:spcPts val="0"/>
+              </a:spcAft>
+              <a:buSzPts val="2800"/>
+              <a:buFont typeface="PT Serif"/>
+              <a:buNone/>
+              <a:defRPr sz="3733">
+                <a:latin typeface="PT Serif"/>
+                <a:ea typeface="PT Serif"/>
+                <a:cs typeface="PT Serif"/>
+                <a:sym typeface="PT Serif"/>
+              </a:defRPr>
+            </a:lvl3pPr>
+            <a:lvl4pPr lvl="3" algn="ctr">
+              <a:lnSpc>
+                <a:spcPct val="100000"/>
+              </a:lnSpc>
+              <a:spcBef>
+                <a:spcPts val="0"/>
+              </a:spcBef>
+              <a:spcAft>
+                <a:spcPts val="0"/>
+              </a:spcAft>
+              <a:buSzPts val="2800"/>
+              <a:buFont typeface="PT Serif"/>
+              <a:buNone/>
+              <a:defRPr sz="3733">
+                <a:latin typeface="PT Serif"/>
+                <a:ea typeface="PT Serif"/>
+                <a:cs typeface="PT Serif"/>
+                <a:sym typeface="PT Serif"/>
+              </a:defRPr>
+            </a:lvl4pPr>
+            <a:lvl5pPr lvl="4" algn="ctr">
+              <a:lnSpc>
+                <a:spcPct val="100000"/>
+              </a:lnSpc>
+              <a:spcBef>
+                <a:spcPts val="0"/>
+              </a:spcBef>
+              <a:spcAft>
+                <a:spcPts val="0"/>
+              </a:spcAft>
+              <a:buSzPts val="2800"/>
+              <a:buFont typeface="PT Serif"/>
+              <a:buNone/>
+              <a:defRPr sz="3733">
+                <a:latin typeface="PT Serif"/>
+                <a:ea typeface="PT Serif"/>
+                <a:cs typeface="PT Serif"/>
+                <a:sym typeface="PT Serif"/>
+              </a:defRPr>
+            </a:lvl5pPr>
+            <a:lvl6pPr lvl="5" algn="ctr">
+              <a:lnSpc>
+                <a:spcPct val="100000"/>
+              </a:lnSpc>
+              <a:spcBef>
+                <a:spcPts val="0"/>
+              </a:spcBef>
+              <a:spcAft>
+                <a:spcPts val="0"/>
+              </a:spcAft>
+              <a:buSzPts val="2800"/>
+              <a:buFont typeface="PT Serif"/>
+              <a:buNone/>
+              <a:defRPr sz="3733">
+                <a:latin typeface="PT Serif"/>
+                <a:ea typeface="PT Serif"/>
+                <a:cs typeface="PT Serif"/>
+                <a:sym typeface="PT Serif"/>
+              </a:defRPr>
+            </a:lvl6pPr>
+            <a:lvl7pPr lvl="6" algn="ctr">
+              <a:lnSpc>
+                <a:spcPct val="100000"/>
+              </a:lnSpc>
+              <a:spcBef>
+                <a:spcPts val="0"/>
+              </a:spcBef>
+              <a:spcAft>
+                <a:spcPts val="0"/>
+              </a:spcAft>
+              <a:buSzPts val="2800"/>
+              <a:buFont typeface="PT Serif"/>
+              <a:buNone/>
+              <a:defRPr sz="3733">
+                <a:latin typeface="PT Serif"/>
+                <a:ea typeface="PT Serif"/>
+                <a:cs typeface="PT Serif"/>
+                <a:sym typeface="PT Serif"/>
+              </a:defRPr>
+            </a:lvl7pPr>
+            <a:lvl8pPr lvl="7" algn="ctr">
+              <a:lnSpc>
+                <a:spcPct val="100000"/>
+              </a:lnSpc>
+              <a:spcBef>
+                <a:spcPts val="0"/>
+              </a:spcBef>
+              <a:spcAft>
+                <a:spcPts val="0"/>
+              </a:spcAft>
+              <a:buSzPts val="2800"/>
+              <a:buFont typeface="PT Serif"/>
+              <a:buNone/>
+              <a:defRPr sz="3733">
+                <a:latin typeface="PT Serif"/>
+                <a:ea typeface="PT Serif"/>
+                <a:cs typeface="PT Serif"/>
+                <a:sym typeface="PT Serif"/>
+              </a:defRPr>
+            </a:lvl8pPr>
+            <a:lvl9pPr lvl="8" algn="ctr">
+              <a:lnSpc>
+                <a:spcPct val="100000"/>
+              </a:lnSpc>
+              <a:spcBef>
+                <a:spcPts val="0"/>
+              </a:spcBef>
+              <a:spcAft>
+                <a:spcPts val="0"/>
+              </a:spcAft>
+              <a:buSzPts val="2800"/>
+              <a:buFont typeface="PT Serif"/>
+              <a:buNone/>
+              <a:defRPr sz="3733">
+                <a:latin typeface="PT Serif"/>
+                <a:ea typeface="PT Serif"/>
+                <a:cs typeface="PT Serif"/>
+                <a:sym typeface="PT Serif"/>
+              </a:defRPr>
+            </a:lvl9pPr>
+          </a:lstStyle>
+          <a:p>
+            <a:r>
+              <a:rPr lang="en-US" smtClean="0"/>
+              <a:t>Click to edit Master subtitle style</a:t>
+            </a:r>
+            <a:endParaRPr/>
+          </a:p>
+        </p:txBody>
+      </p:sp>
+      <p:sp>
+        <p:nvSpPr>
+          <p:cNvPr id="2" name="Rectangle 1"/>
+          <p:cNvSpPr/>
+          <p:nvPr userDrawn="1"/>
+        </p:nvSpPr>
+        <p:spPr>
+          <a:xfrm>
+            <a:off x="0" y="6581001"/>
+            <a:ext cx="2443746" cy="276999"/>
+          </a:xfrm>
+          <a:prstGeom prst="rect">
+            <a:avLst/>
+          </a:prstGeom>
+          <a:noFill/>
+        </p:spPr>
+        <p:txBody>
+          <a:bodyPr wrap="none" lIns="91440" tIns="45720" rIns="91440" bIns="45720">
+            <a:spAutoFit/>
+          </a:bodyPr>
+          <a:lstStyle/>
+          <a:p>
+            <a:pPr algn="ctr"/>
+            <a:r>
+              <a:rPr lang="en-US" sz="1200" b="0" cap="none" spc="0" smtClean="0">
+                <a:ln w="0"/>
+                <a:solidFill>
+                  <a:schemeClr val="accent1"/>
+                </a:solidFill>
+                <a:effectLst>
+                  <a:outerShdw blurRad="38100" dist="25400" dir="5400000" algn="ctr" rotWithShape="0">
+                    <a:srgbClr val="6E747A">
+                      <a:alpha val="43000"/>
+                    </a:srgbClr>
+                  </a:outerShdw>
+                </a:effectLst>
+              </a:rPr>
+              <a:t>Coppyright</a:t>
+            </a:r>
+            <a:r>
+              <a:rPr lang="en-US" sz="1200" b="0" cap="none" spc="0" baseline="0" smtClean="0">
+                <a:ln w="0"/>
+                <a:solidFill>
+                  <a:schemeClr val="accent1"/>
+                </a:solidFill>
+                <a:effectLst>
+                  <a:outerShdw blurRad="38100" dist="25400" dir="5400000" algn="ctr" rotWithShape="0">
+                    <a:srgbClr val="6E747A">
+                      <a:alpha val="43000"/>
+                    </a:srgbClr>
+                  </a:outerShdw>
+                </a:effectLst>
+              </a:rPr>
+              <a:t> © Nguyen Thanh Huy</a:t>
+            </a:r>
+            <a:endParaRPr lang="en-US" sz="1200" b="0" cap="none" spc="0">
+              <a:ln w="0"/>
+              <a:solidFill>
+                <a:schemeClr val="accent1"/>
+              </a:solidFill>
+              <a:effectLst>
+                <a:outerShdw blurRad="38100" dist="25400" dir="5400000" algn="ctr" rotWithShape="0">
+                  <a:srgbClr val="6E747A">
+                    <a:alpha val="43000"/>
+                  </a:srgbClr>
+                </a:outerShdw>
+              </a:effectLst>
+            </a:endParaRPr>
+          </a:p>
+        </p:txBody>
+      </p:sp>
     </p:spTree>
     <p:extLst>
       <p:ext uri="{BB962C8B-B14F-4D97-AF65-F5344CB8AC3E}">
-        <p14:creationId xmlns:p14="http://schemas.microsoft.com/office/powerpoint/2010/main" val="2396645549"/>
+        <p14:creationId xmlns:p14="http://schemas.microsoft.com/office/powerpoint/2010/main" val="1806370815"/>
       </p:ext>
     </p:extLst>
   </p:cSld>
@@ -172,25 +780,11 @@
 </file>
 
 <file path=ppt/slideLayouts/slideLayout2.xml><?xml version="1.0" encoding="utf-8"?>
-<p:sldLayout xmlns:a="http://schemas.openxmlformats.org/drawingml/2006/main" xmlns:r="http://schemas.openxmlformats.org/officeDocument/2006/relationships" xmlns:p="http://schemas.openxmlformats.org/presentationml/2006/main" type="obj" preserve="1">
-  <p:cSld name="Title and Content">
-    <p:bg>
-      <p:bgPr>
-        <a:blipFill dpi="0" rotWithShape="1">
-          <a:blip r:embed="rId2">
-            <a:lum/>
-          </a:blip>
-          <a:srcRect/>
-          <a:stretch>
-            <a:fillRect/>
-          </a:stretch>
-        </a:blipFill>
-        <a:effectLst/>
-      </p:bgPr>
-    </p:bg>
+<p:sldLayout xmlns:a="http://schemas.openxmlformats.org/drawingml/2006/main" xmlns:r="http://schemas.openxmlformats.org/officeDocument/2006/relationships" xmlns:p="http://schemas.openxmlformats.org/presentationml/2006/main" matchingName="One column text">
+  <p:cSld name="One column text">
     <p:spTree>
       <p:nvGrpSpPr>
-        <p:cNvPr id="1" name=""/>
+        <p:cNvPr id="1" name="Shape 34"/>
         <p:cNvGrpSpPr/>
         <p:nvPr/>
       </p:nvGrpSpPr>
@@ -204,135 +798,903 @@
       </p:grpSpPr>
       <p:sp>
         <p:nvSpPr>
-          <p:cNvPr id="2" name="Title 1"/>
-          <p:cNvSpPr>
+          <p:cNvPr id="35" name="Google Shape;35;p7"/>
+          <p:cNvSpPr/>
+          <p:nvPr/>
+        </p:nvSpPr>
+        <p:spPr>
+          <a:xfrm>
+            <a:off x="-165000" y="-54567"/>
+            <a:ext cx="2019200" cy="1410800"/>
+          </a:xfrm>
+          <a:prstGeom prst="roundRect">
+            <a:avLst>
+              <a:gd name="adj" fmla="val 16667"/>
+            </a:avLst>
+          </a:prstGeom>
+          <a:solidFill>
+            <a:srgbClr val="EE8C94">
+              <a:alpha val="25279"/>
+            </a:srgbClr>
+          </a:solidFill>
+          <a:ln>
+            <a:noFill/>
+          </a:ln>
+        </p:spPr>
+        <p:txBody>
+          <a:bodyPr spcFirstLastPara="1" wrap="square" lIns="121900" tIns="121900" rIns="121900" bIns="121900" anchor="ctr" anchorCtr="0">
+            <a:noAutofit/>
+          </a:bodyPr>
+          <a:lstStyle/>
+          <a:p>
+            <a:pPr marL="0" lvl="0" indent="0" algn="l" rtl="0">
+              <a:spcBef>
+                <a:spcPts val="0"/>
+              </a:spcBef>
+              <a:spcAft>
+                <a:spcPts val="0"/>
+              </a:spcAft>
+              <a:buNone/>
+            </a:pPr>
+            <a:endParaRPr sz="2400"/>
+          </a:p>
+        </p:txBody>
+      </p:sp>
+      <p:sp>
+        <p:nvSpPr>
+          <p:cNvPr id="36" name="Google Shape;36;p7"/>
+          <p:cNvSpPr txBox="1">
             <a:spLocks noGrp="1"/>
           </p:cNvSpPr>
           <p:nvPr>
-            <p:ph type="title" hasCustomPrompt="1"/>
+            <p:ph type="subTitle" idx="1"/>
           </p:nvPr>
         </p:nvSpPr>
         <p:spPr>
-          <a:xfrm>
-            <a:off x="0" y="16778"/>
-            <a:ext cx="12192000" cy="1069514"/>
+          <a:xfrm flipH="1">
+            <a:off x="833000" y="1762400"/>
+            <a:ext cx="10272000" cy="4480800"/>
           </a:xfrm>
           <a:prstGeom prst="rect">
             <a:avLst/>
           </a:prstGeom>
         </p:spPr>
         <p:txBody>
-          <a:bodyPr anchor="ctr"/>
+          <a:bodyPr spcFirstLastPara="1" wrap="square" lIns="91425" tIns="91425" rIns="91425" bIns="91425" anchor="t" anchorCtr="0">
+            <a:noAutofit/>
+          </a:bodyPr>
           <a:lstStyle>
-            <a:lvl1pPr>
-              <a:defRPr b="1" baseline="0">
-                <a:solidFill>
-                  <a:schemeClr val="bg1"/>
-                </a:solidFill>
-                <a:latin typeface="Arial" pitchFamily="34" charset="0"/>
-                <a:cs typeface="Arial" pitchFamily="34" charset="0"/>
-              </a:defRPr>
+            <a:lvl1pPr lvl="0" rtl="0">
+              <a:lnSpc>
+                <a:spcPct val="100000"/>
+              </a:lnSpc>
+              <a:spcBef>
+                <a:spcPts val="0"/>
+              </a:spcBef>
+              <a:spcAft>
+                <a:spcPts val="0"/>
+              </a:spcAft>
+              <a:buClr>
+                <a:srgbClr val="434343"/>
+              </a:buClr>
+              <a:buSzPts val="1200"/>
+              <a:buAutoNum type="arabicPeriod"/>
+              <a:defRPr sz="3200"/>
             </a:lvl1pPr>
+            <a:lvl2pPr lvl="1" algn="ctr" rtl="0">
+              <a:lnSpc>
+                <a:spcPct val="100000"/>
+              </a:lnSpc>
+              <a:spcBef>
+                <a:spcPts val="0"/>
+              </a:spcBef>
+              <a:spcAft>
+                <a:spcPts val="0"/>
+              </a:spcAft>
+              <a:buClr>
+                <a:srgbClr val="434343"/>
+              </a:buClr>
+              <a:buSzPts val="1200"/>
+              <a:buFont typeface="Roboto Condensed Light"/>
+              <a:buAutoNum type="alphaLcPeriod"/>
+              <a:defRPr sz="1600"/>
+            </a:lvl2pPr>
+            <a:lvl3pPr lvl="2" algn="ctr" rtl="0">
+              <a:lnSpc>
+                <a:spcPct val="100000"/>
+              </a:lnSpc>
+              <a:spcBef>
+                <a:spcPts val="0"/>
+              </a:spcBef>
+              <a:spcAft>
+                <a:spcPts val="0"/>
+              </a:spcAft>
+              <a:buClr>
+                <a:srgbClr val="434343"/>
+              </a:buClr>
+              <a:buSzPts val="1200"/>
+              <a:buFont typeface="Roboto Condensed Light"/>
+              <a:buAutoNum type="romanLcPeriod"/>
+              <a:defRPr sz="1600"/>
+            </a:lvl3pPr>
+            <a:lvl4pPr lvl="3" algn="ctr" rtl="0">
+              <a:lnSpc>
+                <a:spcPct val="100000"/>
+              </a:lnSpc>
+              <a:spcBef>
+                <a:spcPts val="0"/>
+              </a:spcBef>
+              <a:spcAft>
+                <a:spcPts val="0"/>
+              </a:spcAft>
+              <a:buClr>
+                <a:srgbClr val="434343"/>
+              </a:buClr>
+              <a:buSzPts val="1200"/>
+              <a:buFont typeface="Roboto Condensed Light"/>
+              <a:buAutoNum type="arabicPeriod"/>
+              <a:defRPr sz="1600"/>
+            </a:lvl4pPr>
+            <a:lvl5pPr lvl="4" algn="ctr" rtl="0">
+              <a:lnSpc>
+                <a:spcPct val="100000"/>
+              </a:lnSpc>
+              <a:spcBef>
+                <a:spcPts val="0"/>
+              </a:spcBef>
+              <a:spcAft>
+                <a:spcPts val="0"/>
+              </a:spcAft>
+              <a:buClr>
+                <a:srgbClr val="434343"/>
+              </a:buClr>
+              <a:buSzPts val="1200"/>
+              <a:buFont typeface="Roboto Condensed Light"/>
+              <a:buAutoNum type="alphaLcPeriod"/>
+              <a:defRPr sz="1600"/>
+            </a:lvl5pPr>
+            <a:lvl6pPr lvl="5" algn="ctr" rtl="0">
+              <a:lnSpc>
+                <a:spcPct val="100000"/>
+              </a:lnSpc>
+              <a:spcBef>
+                <a:spcPts val="0"/>
+              </a:spcBef>
+              <a:spcAft>
+                <a:spcPts val="0"/>
+              </a:spcAft>
+              <a:buClr>
+                <a:srgbClr val="434343"/>
+              </a:buClr>
+              <a:buSzPts val="1200"/>
+              <a:buFont typeface="Roboto Condensed Light"/>
+              <a:buAutoNum type="romanLcPeriod"/>
+              <a:defRPr sz="1600"/>
+            </a:lvl6pPr>
+            <a:lvl7pPr lvl="6" algn="ctr" rtl="0">
+              <a:lnSpc>
+                <a:spcPct val="100000"/>
+              </a:lnSpc>
+              <a:spcBef>
+                <a:spcPts val="0"/>
+              </a:spcBef>
+              <a:spcAft>
+                <a:spcPts val="0"/>
+              </a:spcAft>
+              <a:buClr>
+                <a:srgbClr val="434343"/>
+              </a:buClr>
+              <a:buSzPts val="1200"/>
+              <a:buFont typeface="Roboto Condensed Light"/>
+              <a:buAutoNum type="arabicPeriod"/>
+              <a:defRPr sz="1600"/>
+            </a:lvl7pPr>
+            <a:lvl8pPr lvl="7" algn="ctr" rtl="0">
+              <a:lnSpc>
+                <a:spcPct val="100000"/>
+              </a:lnSpc>
+              <a:spcBef>
+                <a:spcPts val="0"/>
+              </a:spcBef>
+              <a:spcAft>
+                <a:spcPts val="0"/>
+              </a:spcAft>
+              <a:buClr>
+                <a:srgbClr val="434343"/>
+              </a:buClr>
+              <a:buSzPts val="1200"/>
+              <a:buFont typeface="Roboto Condensed Light"/>
+              <a:buAutoNum type="alphaLcPeriod"/>
+              <a:defRPr sz="1600"/>
+            </a:lvl8pPr>
+            <a:lvl9pPr lvl="8" algn="ctr" rtl="0">
+              <a:lnSpc>
+                <a:spcPct val="100000"/>
+              </a:lnSpc>
+              <a:spcBef>
+                <a:spcPts val="0"/>
+              </a:spcBef>
+              <a:spcAft>
+                <a:spcPts val="0"/>
+              </a:spcAft>
+              <a:buClr>
+                <a:srgbClr val="434343"/>
+              </a:buClr>
+              <a:buSzPts val="1200"/>
+              <a:buFont typeface="Roboto Condensed Light"/>
+              <a:buAutoNum type="romanLcPeriod"/>
+              <a:defRPr sz="1600"/>
+            </a:lvl9pPr>
           </a:lstStyle>
           <a:p>
             <a:r>
-              <a:rPr lang="en-US" altLang="ko-KR" dirty="0" smtClean="0"/>
-              <a:t> Click to add title</a:t>
-            </a:r>
-            <a:endParaRPr lang="ko-KR" altLang="en-US" dirty="0"/>
+              <a:rPr lang="en-US" smtClean="0"/>
+              <a:t>Click to edit Master subtitle style</a:t>
+            </a:r>
+            <a:endParaRPr/>
           </a:p>
         </p:txBody>
       </p:sp>
       <p:sp>
         <p:nvSpPr>
-          <p:cNvPr id="3" name="Content Placeholder 2"/>
-          <p:cNvSpPr>
+          <p:cNvPr id="37" name="Google Shape;37;p7"/>
+          <p:cNvSpPr txBox="1">
             <a:spLocks noGrp="1"/>
           </p:cNvSpPr>
           <p:nvPr>
-            <p:ph idx="1"/>
+            <p:ph type="title"/>
           </p:nvPr>
         </p:nvSpPr>
         <p:spPr>
           <a:xfrm>
-            <a:off x="609600" y="1600201"/>
-            <a:ext cx="10972800" cy="460648"/>
+            <a:off x="792876" y="474188"/>
+            <a:ext cx="4207200" cy="1682400"/>
           </a:xfrm>
           <a:prstGeom prst="rect">
             <a:avLst/>
           </a:prstGeom>
         </p:spPr>
         <p:txBody>
-          <a:bodyPr anchor="ctr"/>
+          <a:bodyPr spcFirstLastPara="1" wrap="square" lIns="91425" tIns="91425" rIns="91425" bIns="91425" anchor="t" anchorCtr="0">
+            <a:noAutofit/>
+          </a:bodyPr>
           <a:lstStyle>
-            <a:lvl1pPr marL="0" indent="0">
-              <a:buNone/>
-              <a:defRPr sz="6000">
-                <a:solidFill>
-                  <a:schemeClr val="tx1">
-                    <a:lumMod val="75000"/>
-                    <a:lumOff val="25000"/>
-                  </a:schemeClr>
-                </a:solidFill>
+            <a:lvl1pPr lvl="0" rtl="0">
+              <a:spcBef>
+                <a:spcPts val="0"/>
+              </a:spcBef>
+              <a:spcAft>
+                <a:spcPts val="0"/>
+              </a:spcAft>
+              <a:buNone/>
+              <a:defRPr sz="4000">
+                <a:latin typeface="Times New Roman" panose="02020603050405020304" pitchFamily="18" charset="0"/>
+                <a:cs typeface="Times New Roman" panose="02020603050405020304" pitchFamily="18" charset="0"/>
               </a:defRPr>
             </a:lvl1pPr>
+            <a:lvl2pPr lvl="1" rtl="0">
+              <a:spcBef>
+                <a:spcPts val="0"/>
+              </a:spcBef>
+              <a:spcAft>
+                <a:spcPts val="0"/>
+              </a:spcAft>
+              <a:buNone/>
+              <a:defRPr sz="4000"/>
+            </a:lvl2pPr>
+            <a:lvl3pPr lvl="2" rtl="0">
+              <a:spcBef>
+                <a:spcPts val="0"/>
+              </a:spcBef>
+              <a:spcAft>
+                <a:spcPts val="0"/>
+              </a:spcAft>
+              <a:buNone/>
+              <a:defRPr sz="4000"/>
+            </a:lvl3pPr>
+            <a:lvl4pPr lvl="3" rtl="0">
+              <a:spcBef>
+                <a:spcPts val="0"/>
+              </a:spcBef>
+              <a:spcAft>
+                <a:spcPts val="0"/>
+              </a:spcAft>
+              <a:buNone/>
+              <a:defRPr sz="4000"/>
+            </a:lvl4pPr>
+            <a:lvl5pPr lvl="4" rtl="0">
+              <a:spcBef>
+                <a:spcPts val="0"/>
+              </a:spcBef>
+              <a:spcAft>
+                <a:spcPts val="0"/>
+              </a:spcAft>
+              <a:buNone/>
+              <a:defRPr sz="4000"/>
+            </a:lvl5pPr>
+            <a:lvl6pPr lvl="5" rtl="0">
+              <a:spcBef>
+                <a:spcPts val="0"/>
+              </a:spcBef>
+              <a:spcAft>
+                <a:spcPts val="0"/>
+              </a:spcAft>
+              <a:buNone/>
+              <a:defRPr sz="4000"/>
+            </a:lvl6pPr>
+            <a:lvl7pPr lvl="6" rtl="0">
+              <a:spcBef>
+                <a:spcPts val="0"/>
+              </a:spcBef>
+              <a:spcAft>
+                <a:spcPts val="0"/>
+              </a:spcAft>
+              <a:buNone/>
+              <a:defRPr sz="4000"/>
+            </a:lvl7pPr>
+            <a:lvl8pPr lvl="7" rtl="0">
+              <a:spcBef>
+                <a:spcPts val="0"/>
+              </a:spcBef>
+              <a:spcAft>
+                <a:spcPts val="0"/>
+              </a:spcAft>
+              <a:buNone/>
+              <a:defRPr sz="4000"/>
+            </a:lvl8pPr>
+            <a:lvl9pPr lvl="8" rtl="0">
+              <a:spcBef>
+                <a:spcPts val="0"/>
+              </a:spcBef>
+              <a:spcAft>
+                <a:spcPts val="0"/>
+              </a:spcAft>
+              <a:buNone/>
+              <a:defRPr sz="4000"/>
+            </a:lvl9pPr>
           </a:lstStyle>
           <a:p>
-            <a:pPr lvl="0"/>
-            <a:r>
-              <a:rPr lang="en-US" altLang="ko-KR" dirty="0" smtClean="0"/>
-              <a:t>Edit Master text styles</a:t>
-            </a:r>
+            <a:r>
+              <a:rPr lang="en-US" smtClean="0"/>
+              <a:t>Click to edit Master title style</a:t>
+            </a:r>
+            <a:endParaRPr/>
           </a:p>
         </p:txBody>
       </p:sp>
       <p:sp>
         <p:nvSpPr>
-          <p:cNvPr id="4" name="Content Placeholder 2"/>
-          <p:cNvSpPr>
+          <p:cNvPr id="3" name="Rectangle 2"/>
+          <p:cNvSpPr/>
+          <p:nvPr userDrawn="1"/>
+        </p:nvSpPr>
+        <p:spPr>
+          <a:xfrm>
+            <a:off x="0" y="6550223"/>
+            <a:ext cx="2725425" cy="307777"/>
+          </a:xfrm>
+          <a:prstGeom prst="rect">
+            <a:avLst/>
+          </a:prstGeom>
+          <a:solidFill>
+            <a:schemeClr val="tx1">
+              <a:lumMod val="20000"/>
+              <a:lumOff val="80000"/>
+            </a:schemeClr>
+          </a:solidFill>
+        </p:spPr>
+        <p:txBody>
+          <a:bodyPr wrap="none">
+            <a:spAutoFit/>
+          </a:bodyPr>
+          <a:lstStyle/>
+          <a:p>
+            <a:pPr algn="ctr"/>
+            <a:r>
+              <a:rPr lang="en-US" sz="1400" b="0" cap="none" spc="0" smtClean="0">
+                <a:ln w="0"/>
+                <a:solidFill>
+                  <a:schemeClr val="accent1"/>
+                </a:solidFill>
+                <a:effectLst>
+                  <a:outerShdw blurRad="38100" dist="25400" dir="5400000" algn="ctr" rotWithShape="0">
+                    <a:srgbClr val="6E747A">
+                      <a:alpha val="43000"/>
+                    </a:srgbClr>
+                  </a:outerShdw>
+                </a:effectLst>
+              </a:rPr>
+              <a:t>Coppyright © Nguyen</a:t>
+            </a:r>
+            <a:r>
+              <a:rPr lang="en-US" sz="1400" b="0" cap="none" spc="0" baseline="0" smtClean="0">
+                <a:ln w="0"/>
+                <a:solidFill>
+                  <a:schemeClr val="accent1"/>
+                </a:solidFill>
+                <a:effectLst>
+                  <a:outerShdw blurRad="38100" dist="25400" dir="5400000" algn="ctr" rotWithShape="0">
+                    <a:srgbClr val="6E747A">
+                      <a:alpha val="43000"/>
+                    </a:srgbClr>
+                  </a:outerShdw>
+                </a:effectLst>
+              </a:rPr>
+              <a:t>ThanhHuy</a:t>
+            </a:r>
+            <a:endParaRPr lang="en-US" sz="1400" b="0" cap="none" spc="0">
+              <a:ln w="0"/>
+              <a:solidFill>
+                <a:schemeClr val="accent1"/>
+              </a:solidFill>
+              <a:effectLst>
+                <a:outerShdw blurRad="38100" dist="25400" dir="5400000" algn="ctr" rotWithShape="0">
+                  <a:srgbClr val="6E747A">
+                    <a:alpha val="43000"/>
+                  </a:srgbClr>
+                </a:outerShdw>
+              </a:effectLst>
+            </a:endParaRPr>
+          </a:p>
+        </p:txBody>
+      </p:sp>
+    </p:spTree>
+    <p:extLst>
+      <p:ext uri="{BB962C8B-B14F-4D97-AF65-F5344CB8AC3E}">
+        <p14:creationId xmlns:p14="http://schemas.microsoft.com/office/powerpoint/2010/main" val="1670930986"/>
+      </p:ext>
+    </p:extLst>
+  </p:cSld>
+  <p:clrMapOvr>
+    <a:masterClrMapping/>
+  </p:clrMapOvr>
+  <p:timing>
+    <p:tnLst>
+      <p:par>
+        <p:cTn id="1" dur="indefinite" restart="never" nodeType="tmRoot"/>
+      </p:par>
+    </p:tnLst>
+  </p:timing>
+</p:sldLayout>
+</file>
+
+<file path=ppt/slideLayouts/slideLayout3.xml><?xml version="1.0" encoding="utf-8"?>
+<p:sldLayout xmlns:a="http://schemas.openxmlformats.org/drawingml/2006/main" xmlns:r="http://schemas.openxmlformats.org/officeDocument/2006/relationships" xmlns:p="http://schemas.openxmlformats.org/presentationml/2006/main" matchingName="Caption">
+  <p:cSld name="Caption">
+    <p:spTree>
+      <p:nvGrpSpPr>
+        <p:cNvPr id="1" name="Shape 46"/>
+        <p:cNvGrpSpPr/>
+        <p:nvPr/>
+      </p:nvGrpSpPr>
+      <p:grpSpPr>
+        <a:xfrm>
+          <a:off x="0" y="0"/>
+          <a:ext cx="0" cy="0"/>
+          <a:chOff x="0" y="0"/>
+          <a:chExt cx="0" cy="0"/>
+        </a:xfrm>
+      </p:grpSpPr>
+      <p:sp>
+        <p:nvSpPr>
+          <p:cNvPr id="47" name="Google Shape;47;p10"/>
+          <p:cNvSpPr/>
+          <p:nvPr/>
+        </p:nvSpPr>
+        <p:spPr>
+          <a:xfrm>
+            <a:off x="-165000" y="-54567"/>
+            <a:ext cx="2019200" cy="1410800"/>
+          </a:xfrm>
+          <a:prstGeom prst="roundRect">
+            <a:avLst>
+              <a:gd name="adj" fmla="val 16667"/>
+            </a:avLst>
+          </a:prstGeom>
+          <a:solidFill>
+            <a:srgbClr val="EE8C94">
+              <a:alpha val="25279"/>
+            </a:srgbClr>
+          </a:solidFill>
+          <a:ln>
+            <a:noFill/>
+          </a:ln>
+        </p:spPr>
+        <p:txBody>
+          <a:bodyPr spcFirstLastPara="1" wrap="square" lIns="121900" tIns="121900" rIns="121900" bIns="121900" anchor="ctr" anchorCtr="0">
+            <a:noAutofit/>
+          </a:bodyPr>
+          <a:lstStyle/>
+          <a:p>
+            <a:pPr marL="0" lvl="0" indent="0" algn="l" rtl="0">
+              <a:spcBef>
+                <a:spcPts val="0"/>
+              </a:spcBef>
+              <a:spcAft>
+                <a:spcPts val="0"/>
+              </a:spcAft>
+              <a:buNone/>
+            </a:pPr>
+            <a:endParaRPr sz="2400"/>
+          </a:p>
+        </p:txBody>
+      </p:sp>
+      <p:sp>
+        <p:nvSpPr>
+          <p:cNvPr id="48" name="Google Shape;48;p10"/>
+          <p:cNvSpPr txBox="1">
             <a:spLocks noGrp="1"/>
           </p:cNvSpPr>
           <p:nvPr>
-            <p:ph idx="10"/>
+            <p:ph type="subTitle" idx="1"/>
           </p:nvPr>
         </p:nvSpPr>
         <p:spPr>
-          <a:xfrm>
-            <a:off x="623392" y="2276872"/>
-            <a:ext cx="10972800" cy="3600400"/>
+          <a:xfrm flipH="1">
+            <a:off x="812773" y="1648373"/>
+            <a:ext cx="2982800" cy="3394800"/>
           </a:xfrm>
           <a:prstGeom prst="rect">
             <a:avLst/>
           </a:prstGeom>
         </p:spPr>
         <p:txBody>
-          <a:bodyPr lIns="396000" anchor="t"/>
+          <a:bodyPr spcFirstLastPara="1" wrap="square" lIns="91425" tIns="91425" rIns="91425" bIns="91425" anchor="t" anchorCtr="0">
+            <a:noAutofit/>
+          </a:bodyPr>
           <a:lstStyle>
-            <a:lvl1pPr marL="0" indent="0">
-              <a:buNone/>
-              <a:defRPr sz="2800">
+            <a:lvl1pPr lvl="0" rtl="0">
+              <a:lnSpc>
+                <a:spcPct val="100000"/>
+              </a:lnSpc>
+              <a:spcBef>
+                <a:spcPts val="0"/>
+              </a:spcBef>
+              <a:spcAft>
+                <a:spcPts val="0"/>
+              </a:spcAft>
+              <a:buSzPts val="1200"/>
+              <a:buNone/>
+              <a:defRPr>
+                <a:latin typeface="Times New Roman" panose="02020603050405020304" pitchFamily="18" charset="0"/>
+                <a:cs typeface="Times New Roman" panose="02020603050405020304" pitchFamily="18" charset="0"/>
+              </a:defRPr>
+            </a:lvl1pPr>
+            <a:lvl2pPr lvl="1" algn="ctr" rtl="0">
+              <a:lnSpc>
+                <a:spcPct val="100000"/>
+              </a:lnSpc>
+              <a:spcBef>
+                <a:spcPts val="0"/>
+              </a:spcBef>
+              <a:spcAft>
+                <a:spcPts val="0"/>
+              </a:spcAft>
+              <a:buSzPts val="1200"/>
+              <a:buNone/>
+              <a:defRPr sz="1600"/>
+            </a:lvl2pPr>
+            <a:lvl3pPr lvl="2" algn="ctr" rtl="0">
+              <a:lnSpc>
+                <a:spcPct val="100000"/>
+              </a:lnSpc>
+              <a:spcBef>
+                <a:spcPts val="0"/>
+              </a:spcBef>
+              <a:spcAft>
+                <a:spcPts val="0"/>
+              </a:spcAft>
+              <a:buSzPts val="1200"/>
+              <a:buNone/>
+              <a:defRPr sz="1600"/>
+            </a:lvl3pPr>
+            <a:lvl4pPr lvl="3" algn="ctr" rtl="0">
+              <a:lnSpc>
+                <a:spcPct val="100000"/>
+              </a:lnSpc>
+              <a:spcBef>
+                <a:spcPts val="0"/>
+              </a:spcBef>
+              <a:spcAft>
+                <a:spcPts val="0"/>
+              </a:spcAft>
+              <a:buSzPts val="1200"/>
+              <a:buNone/>
+              <a:defRPr sz="1600"/>
+            </a:lvl4pPr>
+            <a:lvl5pPr lvl="4" algn="ctr" rtl="0">
+              <a:lnSpc>
+                <a:spcPct val="100000"/>
+              </a:lnSpc>
+              <a:spcBef>
+                <a:spcPts val="0"/>
+              </a:spcBef>
+              <a:spcAft>
+                <a:spcPts val="0"/>
+              </a:spcAft>
+              <a:buSzPts val="1200"/>
+              <a:buNone/>
+              <a:defRPr sz="1600"/>
+            </a:lvl5pPr>
+            <a:lvl6pPr lvl="5" algn="ctr" rtl="0">
+              <a:lnSpc>
+                <a:spcPct val="100000"/>
+              </a:lnSpc>
+              <a:spcBef>
+                <a:spcPts val="0"/>
+              </a:spcBef>
+              <a:spcAft>
+                <a:spcPts val="0"/>
+              </a:spcAft>
+              <a:buSzPts val="1200"/>
+              <a:buNone/>
+              <a:defRPr sz="1600"/>
+            </a:lvl6pPr>
+            <a:lvl7pPr lvl="6" algn="ctr" rtl="0">
+              <a:lnSpc>
+                <a:spcPct val="100000"/>
+              </a:lnSpc>
+              <a:spcBef>
+                <a:spcPts val="0"/>
+              </a:spcBef>
+              <a:spcAft>
+                <a:spcPts val="0"/>
+              </a:spcAft>
+              <a:buSzPts val="1200"/>
+              <a:buNone/>
+              <a:defRPr sz="1600"/>
+            </a:lvl7pPr>
+            <a:lvl8pPr lvl="7" algn="ctr" rtl="0">
+              <a:lnSpc>
+                <a:spcPct val="100000"/>
+              </a:lnSpc>
+              <a:spcBef>
+                <a:spcPts val="0"/>
+              </a:spcBef>
+              <a:spcAft>
+                <a:spcPts val="0"/>
+              </a:spcAft>
+              <a:buSzPts val="1200"/>
+              <a:buNone/>
+              <a:defRPr sz="1600"/>
+            </a:lvl8pPr>
+            <a:lvl9pPr lvl="8" algn="ctr" rtl="0">
+              <a:lnSpc>
+                <a:spcPct val="100000"/>
+              </a:lnSpc>
+              <a:spcBef>
+                <a:spcPts val="0"/>
+              </a:spcBef>
+              <a:spcAft>
+                <a:spcPts val="0"/>
+              </a:spcAft>
+              <a:buSzPts val="1200"/>
+              <a:buNone/>
+              <a:defRPr sz="1600"/>
+            </a:lvl9pPr>
+          </a:lstStyle>
+          <a:p>
+            <a:r>
+              <a:rPr lang="en-US" smtClean="0"/>
+              <a:t>Click to edit Master subtitle style</a:t>
+            </a:r>
+            <a:endParaRPr/>
+          </a:p>
+        </p:txBody>
+      </p:sp>
+      <p:sp>
+        <p:nvSpPr>
+          <p:cNvPr id="49" name="Google Shape;49;p10"/>
+          <p:cNvSpPr txBox="1">
+            <a:spLocks noGrp="1"/>
+          </p:cNvSpPr>
+          <p:nvPr>
+            <p:ph type="title"/>
+          </p:nvPr>
+        </p:nvSpPr>
+        <p:spPr>
+          <a:xfrm>
+            <a:off x="792868" y="474193"/>
+            <a:ext cx="3410800" cy="770400"/>
+          </a:xfrm>
+          <a:prstGeom prst="rect">
+            <a:avLst/>
+          </a:prstGeom>
+        </p:spPr>
+        <p:txBody>
+          <a:bodyPr spcFirstLastPara="1" wrap="square" lIns="91425" tIns="91425" rIns="91425" bIns="91425" anchor="t" anchorCtr="0">
+            <a:noAutofit/>
+          </a:bodyPr>
+          <a:lstStyle>
+            <a:lvl1pPr lvl="0" rtl="0">
+              <a:spcBef>
+                <a:spcPts val="0"/>
+              </a:spcBef>
+              <a:spcAft>
+                <a:spcPts val="0"/>
+              </a:spcAft>
+              <a:buNone/>
+              <a:defRPr sz="4000"/>
+            </a:lvl1pPr>
+            <a:lvl2pPr lvl="1" rtl="0">
+              <a:spcBef>
+                <a:spcPts val="0"/>
+              </a:spcBef>
+              <a:spcAft>
+                <a:spcPts val="0"/>
+              </a:spcAft>
+              <a:buNone/>
+              <a:defRPr sz="4000"/>
+            </a:lvl2pPr>
+            <a:lvl3pPr lvl="2" rtl="0">
+              <a:spcBef>
+                <a:spcPts val="0"/>
+              </a:spcBef>
+              <a:spcAft>
+                <a:spcPts val="0"/>
+              </a:spcAft>
+              <a:buNone/>
+              <a:defRPr sz="4000"/>
+            </a:lvl3pPr>
+            <a:lvl4pPr lvl="3" rtl="0">
+              <a:spcBef>
+                <a:spcPts val="0"/>
+              </a:spcBef>
+              <a:spcAft>
+                <a:spcPts val="0"/>
+              </a:spcAft>
+              <a:buNone/>
+              <a:defRPr sz="4000"/>
+            </a:lvl4pPr>
+            <a:lvl5pPr lvl="4" rtl="0">
+              <a:spcBef>
+                <a:spcPts val="0"/>
+              </a:spcBef>
+              <a:spcAft>
+                <a:spcPts val="0"/>
+              </a:spcAft>
+              <a:buNone/>
+              <a:defRPr sz="4000"/>
+            </a:lvl5pPr>
+            <a:lvl6pPr lvl="5" rtl="0">
+              <a:spcBef>
+                <a:spcPts val="0"/>
+              </a:spcBef>
+              <a:spcAft>
+                <a:spcPts val="0"/>
+              </a:spcAft>
+              <a:buNone/>
+              <a:defRPr sz="4000"/>
+            </a:lvl6pPr>
+            <a:lvl7pPr lvl="6" rtl="0">
+              <a:spcBef>
+                <a:spcPts val="0"/>
+              </a:spcBef>
+              <a:spcAft>
+                <a:spcPts val="0"/>
+              </a:spcAft>
+              <a:buNone/>
+              <a:defRPr sz="4000"/>
+            </a:lvl7pPr>
+            <a:lvl8pPr lvl="7" rtl="0">
+              <a:spcBef>
+                <a:spcPts val="0"/>
+              </a:spcBef>
+              <a:spcAft>
+                <a:spcPts val="0"/>
+              </a:spcAft>
+              <a:buNone/>
+              <a:defRPr sz="4000"/>
+            </a:lvl8pPr>
+            <a:lvl9pPr lvl="8" rtl="0">
+              <a:spcBef>
+                <a:spcPts val="0"/>
+              </a:spcBef>
+              <a:spcAft>
+                <a:spcPts val="0"/>
+              </a:spcAft>
+              <a:buNone/>
+              <a:defRPr sz="4000"/>
+            </a:lvl9pPr>
+          </a:lstStyle>
+          <a:p>
+            <a:r>
+              <a:rPr lang="en-US" smtClean="0"/>
+              <a:t>Click to edit Master title style</a:t>
+            </a:r>
+            <a:endParaRPr/>
+          </a:p>
+        </p:txBody>
+      </p:sp>
+      <p:sp>
+        <p:nvSpPr>
+          <p:cNvPr id="2" name="Rectangle 1"/>
+          <p:cNvSpPr/>
+          <p:nvPr userDrawn="1"/>
+        </p:nvSpPr>
+        <p:spPr>
+          <a:xfrm>
+            <a:off x="0" y="6550223"/>
+            <a:ext cx="2725425" cy="307777"/>
+          </a:xfrm>
+          <a:prstGeom prst="rect">
+            <a:avLst/>
+          </a:prstGeom>
+          <a:solidFill>
+            <a:schemeClr val="tx1">
+              <a:lumMod val="20000"/>
+              <a:lumOff val="80000"/>
+            </a:schemeClr>
+          </a:solidFill>
+        </p:spPr>
+        <p:txBody>
+          <a:bodyPr wrap="none">
+            <a:spAutoFit/>
+          </a:bodyPr>
+          <a:lstStyle/>
+          <a:p>
+            <a:pPr algn="ctr"/>
+            <a:r>
+              <a:rPr lang="en-US" sz="1400" b="0" cap="none" spc="0" smtClean="0">
+                <a:ln w="0"/>
                 <a:solidFill>
                   <a:schemeClr val="tx1">
-                    <a:lumMod val="75000"/>
-                    <a:lumOff val="25000"/>
+                    <a:lumMod val="20000"/>
+                    <a:lumOff val="80000"/>
                   </a:schemeClr>
                 </a:solidFill>
-              </a:defRPr>
-            </a:lvl1pPr>
-          </a:lstStyle>
-          <a:p>
-            <a:pPr lvl="0"/>
-            <a:r>
-              <a:rPr lang="en-US" altLang="ko-KR" smtClean="0"/>
-              <a:t>Edit Master text styles</a:t>
-            </a:r>
+                <a:effectLst>
+                  <a:outerShdw blurRad="38100" dist="25400" dir="5400000" algn="ctr" rotWithShape="0">
+                    <a:srgbClr val="6E747A">
+                      <a:alpha val="43000"/>
+                    </a:srgbClr>
+                  </a:outerShdw>
+                </a:effectLst>
+              </a:rPr>
+              <a:t>Coppyright © Nguyen</a:t>
+            </a:r>
+            <a:r>
+              <a:rPr lang="en-US" sz="1400" b="0" cap="none" spc="0" baseline="0" smtClean="0">
+                <a:ln w="0"/>
+                <a:solidFill>
+                  <a:schemeClr val="tx1">
+                    <a:lumMod val="20000"/>
+                    <a:lumOff val="80000"/>
+                  </a:schemeClr>
+                </a:solidFill>
+                <a:effectLst>
+                  <a:outerShdw blurRad="38100" dist="25400" dir="5400000" algn="ctr" rotWithShape="0">
+                    <a:srgbClr val="6E747A">
+                      <a:alpha val="43000"/>
+                    </a:srgbClr>
+                  </a:outerShdw>
+                </a:effectLst>
+              </a:rPr>
+              <a:t>ThanhHuy</a:t>
+            </a:r>
+            <a:endParaRPr lang="en-US" sz="1400" b="0" cap="none" spc="0">
+              <a:ln w="0"/>
+              <a:solidFill>
+                <a:schemeClr val="tx1">
+                  <a:lumMod val="20000"/>
+                  <a:lumOff val="80000"/>
+                </a:schemeClr>
+              </a:solidFill>
+              <a:effectLst>
+                <a:outerShdw blurRad="38100" dist="25400" dir="5400000" algn="ctr" rotWithShape="0">
+                  <a:srgbClr val="6E747A">
+                    <a:alpha val="43000"/>
+                  </a:srgbClr>
+                </a:outerShdw>
+              </a:effectLst>
+            </a:endParaRPr>
           </a:p>
         </p:txBody>
       </p:sp>
     </p:spTree>
     <p:extLst>
       <p:ext uri="{BB962C8B-B14F-4D97-AF65-F5344CB8AC3E}">
-        <p14:creationId xmlns:p14="http://schemas.microsoft.com/office/powerpoint/2010/main" val="154352293"/>
+        <p14:creationId xmlns:p14="http://schemas.microsoft.com/office/powerpoint/2010/main" val="2127470277"/>
       </p:ext>
     </p:extLst>
   </p:cSld>
@@ -355,14 +1717,14 @@
     <p:bg>
       <p:bgPr>
         <a:solidFill>
-          <a:schemeClr val="bg1"/>
+          <a:schemeClr val="accent1"/>
         </a:solidFill>
         <a:effectLst/>
       </p:bgPr>
     </p:bg>
     <p:spTree>
       <p:nvGrpSpPr>
-        <p:cNvPr id="1" name=""/>
+        <p:cNvPr id="1" name="Shape 5"/>
         <p:cNvGrpSpPr/>
         <p:nvPr/>
       </p:nvGrpSpPr>
@@ -374,17 +1736,527 @@
           <a:chExt cx="0" cy="0"/>
         </a:xfrm>
       </p:grpSpPr>
+      <p:sp>
+        <p:nvSpPr>
+          <p:cNvPr id="6" name="Google Shape;6;p1"/>
+          <p:cNvSpPr txBox="1">
+            <a:spLocks noGrp="1"/>
+          </p:cNvSpPr>
+          <p:nvPr>
+            <p:ph type="title"/>
+          </p:nvPr>
+        </p:nvSpPr>
+        <p:spPr>
+          <a:xfrm>
+            <a:off x="415600" y="593367"/>
+            <a:ext cx="11360800" cy="763600"/>
+          </a:xfrm>
+          <a:prstGeom prst="rect">
+            <a:avLst/>
+          </a:prstGeom>
+          <a:noFill/>
+          <a:ln>
+            <a:noFill/>
+          </a:ln>
+        </p:spPr>
+        <p:txBody>
+          <a:bodyPr spcFirstLastPara="1" wrap="square" lIns="91425" tIns="91425" rIns="91425" bIns="91425" anchor="t" anchorCtr="0">
+            <a:noAutofit/>
+          </a:bodyPr>
+          <a:lstStyle>
+            <a:lvl1pPr lvl="0">
+              <a:spcBef>
+                <a:spcPts val="0"/>
+              </a:spcBef>
+              <a:spcAft>
+                <a:spcPts val="0"/>
+              </a:spcAft>
+              <a:buClr>
+                <a:schemeClr val="dk1"/>
+              </a:buClr>
+              <a:buSzPts val="2400"/>
+              <a:buFont typeface="Marvel"/>
+              <a:buNone/>
+              <a:defRPr sz="2400" b="1">
+                <a:solidFill>
+                  <a:schemeClr val="dk1"/>
+                </a:solidFill>
+                <a:latin typeface="Marvel"/>
+                <a:ea typeface="Marvel"/>
+                <a:cs typeface="Marvel"/>
+                <a:sym typeface="Marvel"/>
+              </a:defRPr>
+            </a:lvl1pPr>
+            <a:lvl2pPr lvl="1">
+              <a:spcBef>
+                <a:spcPts val="0"/>
+              </a:spcBef>
+              <a:spcAft>
+                <a:spcPts val="0"/>
+              </a:spcAft>
+              <a:buClr>
+                <a:schemeClr val="dk1"/>
+              </a:buClr>
+              <a:buSzPts val="2400"/>
+              <a:buFont typeface="Marvel"/>
+              <a:buNone/>
+              <a:defRPr sz="2400" b="1">
+                <a:solidFill>
+                  <a:schemeClr val="dk1"/>
+                </a:solidFill>
+                <a:latin typeface="Marvel"/>
+                <a:ea typeface="Marvel"/>
+                <a:cs typeface="Marvel"/>
+                <a:sym typeface="Marvel"/>
+              </a:defRPr>
+            </a:lvl2pPr>
+            <a:lvl3pPr lvl="2">
+              <a:spcBef>
+                <a:spcPts val="0"/>
+              </a:spcBef>
+              <a:spcAft>
+                <a:spcPts val="0"/>
+              </a:spcAft>
+              <a:buClr>
+                <a:schemeClr val="dk1"/>
+              </a:buClr>
+              <a:buSzPts val="2400"/>
+              <a:buFont typeface="Marvel"/>
+              <a:buNone/>
+              <a:defRPr sz="2400" b="1">
+                <a:solidFill>
+                  <a:schemeClr val="dk1"/>
+                </a:solidFill>
+                <a:latin typeface="Marvel"/>
+                <a:ea typeface="Marvel"/>
+                <a:cs typeface="Marvel"/>
+                <a:sym typeface="Marvel"/>
+              </a:defRPr>
+            </a:lvl3pPr>
+            <a:lvl4pPr lvl="3">
+              <a:spcBef>
+                <a:spcPts val="0"/>
+              </a:spcBef>
+              <a:spcAft>
+                <a:spcPts val="0"/>
+              </a:spcAft>
+              <a:buClr>
+                <a:schemeClr val="dk1"/>
+              </a:buClr>
+              <a:buSzPts val="2400"/>
+              <a:buFont typeface="Marvel"/>
+              <a:buNone/>
+              <a:defRPr sz="2400" b="1">
+                <a:solidFill>
+                  <a:schemeClr val="dk1"/>
+                </a:solidFill>
+                <a:latin typeface="Marvel"/>
+                <a:ea typeface="Marvel"/>
+                <a:cs typeface="Marvel"/>
+                <a:sym typeface="Marvel"/>
+              </a:defRPr>
+            </a:lvl4pPr>
+            <a:lvl5pPr lvl="4">
+              <a:spcBef>
+                <a:spcPts val="0"/>
+              </a:spcBef>
+              <a:spcAft>
+                <a:spcPts val="0"/>
+              </a:spcAft>
+              <a:buClr>
+                <a:schemeClr val="dk1"/>
+              </a:buClr>
+              <a:buSzPts val="2400"/>
+              <a:buFont typeface="Marvel"/>
+              <a:buNone/>
+              <a:defRPr sz="2400" b="1">
+                <a:solidFill>
+                  <a:schemeClr val="dk1"/>
+                </a:solidFill>
+                <a:latin typeface="Marvel"/>
+                <a:ea typeface="Marvel"/>
+                <a:cs typeface="Marvel"/>
+                <a:sym typeface="Marvel"/>
+              </a:defRPr>
+            </a:lvl5pPr>
+            <a:lvl6pPr lvl="5">
+              <a:spcBef>
+                <a:spcPts val="0"/>
+              </a:spcBef>
+              <a:spcAft>
+                <a:spcPts val="0"/>
+              </a:spcAft>
+              <a:buClr>
+                <a:schemeClr val="dk1"/>
+              </a:buClr>
+              <a:buSzPts val="2400"/>
+              <a:buFont typeface="Marvel"/>
+              <a:buNone/>
+              <a:defRPr sz="2400" b="1">
+                <a:solidFill>
+                  <a:schemeClr val="dk1"/>
+                </a:solidFill>
+                <a:latin typeface="Marvel"/>
+                <a:ea typeface="Marvel"/>
+                <a:cs typeface="Marvel"/>
+                <a:sym typeface="Marvel"/>
+              </a:defRPr>
+            </a:lvl6pPr>
+            <a:lvl7pPr lvl="6">
+              <a:spcBef>
+                <a:spcPts val="0"/>
+              </a:spcBef>
+              <a:spcAft>
+                <a:spcPts val="0"/>
+              </a:spcAft>
+              <a:buClr>
+                <a:schemeClr val="dk1"/>
+              </a:buClr>
+              <a:buSzPts val="2400"/>
+              <a:buFont typeface="Marvel"/>
+              <a:buNone/>
+              <a:defRPr sz="2400" b="1">
+                <a:solidFill>
+                  <a:schemeClr val="dk1"/>
+                </a:solidFill>
+                <a:latin typeface="Marvel"/>
+                <a:ea typeface="Marvel"/>
+                <a:cs typeface="Marvel"/>
+                <a:sym typeface="Marvel"/>
+              </a:defRPr>
+            </a:lvl7pPr>
+            <a:lvl8pPr lvl="7">
+              <a:spcBef>
+                <a:spcPts val="0"/>
+              </a:spcBef>
+              <a:spcAft>
+                <a:spcPts val="0"/>
+              </a:spcAft>
+              <a:buClr>
+                <a:schemeClr val="dk1"/>
+              </a:buClr>
+              <a:buSzPts val="2400"/>
+              <a:buFont typeface="Marvel"/>
+              <a:buNone/>
+              <a:defRPr sz="2400" b="1">
+                <a:solidFill>
+                  <a:schemeClr val="dk1"/>
+                </a:solidFill>
+                <a:latin typeface="Marvel"/>
+                <a:ea typeface="Marvel"/>
+                <a:cs typeface="Marvel"/>
+                <a:sym typeface="Marvel"/>
+              </a:defRPr>
+            </a:lvl8pPr>
+            <a:lvl9pPr lvl="8">
+              <a:spcBef>
+                <a:spcPts val="0"/>
+              </a:spcBef>
+              <a:spcAft>
+                <a:spcPts val="0"/>
+              </a:spcAft>
+              <a:buClr>
+                <a:schemeClr val="dk1"/>
+              </a:buClr>
+              <a:buSzPts val="2400"/>
+              <a:buFont typeface="Marvel"/>
+              <a:buNone/>
+              <a:defRPr sz="2400" b="1">
+                <a:solidFill>
+                  <a:schemeClr val="dk1"/>
+                </a:solidFill>
+                <a:latin typeface="Marvel"/>
+                <a:ea typeface="Marvel"/>
+                <a:cs typeface="Marvel"/>
+                <a:sym typeface="Marvel"/>
+              </a:defRPr>
+            </a:lvl9pPr>
+          </a:lstStyle>
+          <a:p>
+            <a:endParaRPr/>
+          </a:p>
+        </p:txBody>
+      </p:sp>
+      <p:sp>
+        <p:nvSpPr>
+          <p:cNvPr id="7" name="Google Shape;7;p1"/>
+          <p:cNvSpPr txBox="1">
+            <a:spLocks noGrp="1"/>
+          </p:cNvSpPr>
+          <p:nvPr>
+            <p:ph type="body" idx="1"/>
+          </p:nvPr>
+        </p:nvSpPr>
+        <p:spPr>
+          <a:xfrm>
+            <a:off x="415600" y="1536633"/>
+            <a:ext cx="11360800" cy="4555200"/>
+          </a:xfrm>
+          <a:prstGeom prst="rect">
+            <a:avLst/>
+          </a:prstGeom>
+          <a:noFill/>
+          <a:ln>
+            <a:noFill/>
+          </a:ln>
+        </p:spPr>
+        <p:txBody>
+          <a:bodyPr spcFirstLastPara="1" wrap="square" lIns="91425" tIns="91425" rIns="91425" bIns="91425" anchor="t" anchorCtr="0">
+            <a:noAutofit/>
+          </a:bodyPr>
+          <a:lstStyle>
+            <a:lvl1pPr marL="457200" lvl="0" indent="-342900">
+              <a:lnSpc>
+                <a:spcPct val="115000"/>
+              </a:lnSpc>
+              <a:spcBef>
+                <a:spcPts val="0"/>
+              </a:spcBef>
+              <a:spcAft>
+                <a:spcPts val="0"/>
+              </a:spcAft>
+              <a:buClr>
+                <a:schemeClr val="dk1"/>
+              </a:buClr>
+              <a:buSzPts val="1800"/>
+              <a:buFont typeface="Assistant ExtraLight"/>
+              <a:buChar char="●"/>
+              <a:defRPr sz="1800">
+                <a:solidFill>
+                  <a:schemeClr val="dk1"/>
+                </a:solidFill>
+                <a:latin typeface="Assistant ExtraLight"/>
+                <a:ea typeface="Assistant ExtraLight"/>
+                <a:cs typeface="Assistant ExtraLight"/>
+                <a:sym typeface="Assistant ExtraLight"/>
+              </a:defRPr>
+            </a:lvl1pPr>
+            <a:lvl2pPr marL="914400" lvl="1" indent="-317500">
+              <a:lnSpc>
+                <a:spcPct val="115000"/>
+              </a:lnSpc>
+              <a:spcBef>
+                <a:spcPts val="1600"/>
+              </a:spcBef>
+              <a:spcAft>
+                <a:spcPts val="0"/>
+              </a:spcAft>
+              <a:buClr>
+                <a:schemeClr val="dk1"/>
+              </a:buClr>
+              <a:buSzPts val="1400"/>
+              <a:buFont typeface="Assistant ExtraLight"/>
+              <a:buChar char="○"/>
+              <a:defRPr>
+                <a:solidFill>
+                  <a:schemeClr val="dk1"/>
+                </a:solidFill>
+                <a:latin typeface="Assistant ExtraLight"/>
+                <a:ea typeface="Assistant ExtraLight"/>
+                <a:cs typeface="Assistant ExtraLight"/>
+                <a:sym typeface="Assistant ExtraLight"/>
+              </a:defRPr>
+            </a:lvl2pPr>
+            <a:lvl3pPr marL="1371600" lvl="2" indent="-304800">
+              <a:lnSpc>
+                <a:spcPct val="115000"/>
+              </a:lnSpc>
+              <a:spcBef>
+                <a:spcPts val="1600"/>
+              </a:spcBef>
+              <a:spcAft>
+                <a:spcPts val="0"/>
+              </a:spcAft>
+              <a:buClr>
+                <a:schemeClr val="dk1"/>
+              </a:buClr>
+              <a:buSzPts val="1200"/>
+              <a:buFont typeface="Assistant ExtraLight"/>
+              <a:buChar char="■"/>
+              <a:defRPr sz="1200">
+                <a:solidFill>
+                  <a:schemeClr val="dk1"/>
+                </a:solidFill>
+                <a:latin typeface="Assistant ExtraLight"/>
+                <a:ea typeface="Assistant ExtraLight"/>
+                <a:cs typeface="Assistant ExtraLight"/>
+                <a:sym typeface="Assistant ExtraLight"/>
+              </a:defRPr>
+            </a:lvl3pPr>
+            <a:lvl4pPr marL="1828800" lvl="3" indent="-304800">
+              <a:lnSpc>
+                <a:spcPct val="115000"/>
+              </a:lnSpc>
+              <a:spcBef>
+                <a:spcPts val="1600"/>
+              </a:spcBef>
+              <a:spcAft>
+                <a:spcPts val="0"/>
+              </a:spcAft>
+              <a:buClr>
+                <a:schemeClr val="dk1"/>
+              </a:buClr>
+              <a:buSzPts val="1200"/>
+              <a:buFont typeface="Assistant ExtraLight"/>
+              <a:buChar char="●"/>
+              <a:defRPr sz="1200">
+                <a:solidFill>
+                  <a:schemeClr val="dk1"/>
+                </a:solidFill>
+                <a:latin typeface="Assistant ExtraLight"/>
+                <a:ea typeface="Assistant ExtraLight"/>
+                <a:cs typeface="Assistant ExtraLight"/>
+                <a:sym typeface="Assistant ExtraLight"/>
+              </a:defRPr>
+            </a:lvl4pPr>
+            <a:lvl5pPr marL="2286000" lvl="4" indent="-304800">
+              <a:lnSpc>
+                <a:spcPct val="115000"/>
+              </a:lnSpc>
+              <a:spcBef>
+                <a:spcPts val="1600"/>
+              </a:spcBef>
+              <a:spcAft>
+                <a:spcPts val="0"/>
+              </a:spcAft>
+              <a:buClr>
+                <a:schemeClr val="dk1"/>
+              </a:buClr>
+              <a:buSzPts val="1200"/>
+              <a:buFont typeface="Assistant ExtraLight"/>
+              <a:buChar char="○"/>
+              <a:defRPr sz="1200">
+                <a:solidFill>
+                  <a:schemeClr val="dk1"/>
+                </a:solidFill>
+                <a:latin typeface="Assistant ExtraLight"/>
+                <a:ea typeface="Assistant ExtraLight"/>
+                <a:cs typeface="Assistant ExtraLight"/>
+                <a:sym typeface="Assistant ExtraLight"/>
+              </a:defRPr>
+            </a:lvl5pPr>
+            <a:lvl6pPr marL="2743200" lvl="5" indent="-304800">
+              <a:lnSpc>
+                <a:spcPct val="115000"/>
+              </a:lnSpc>
+              <a:spcBef>
+                <a:spcPts val="1600"/>
+              </a:spcBef>
+              <a:spcAft>
+                <a:spcPts val="0"/>
+              </a:spcAft>
+              <a:buClr>
+                <a:schemeClr val="dk1"/>
+              </a:buClr>
+              <a:buSzPts val="1200"/>
+              <a:buFont typeface="Assistant ExtraLight"/>
+              <a:buChar char="■"/>
+              <a:defRPr sz="1200">
+                <a:solidFill>
+                  <a:schemeClr val="dk1"/>
+                </a:solidFill>
+                <a:latin typeface="Assistant ExtraLight"/>
+                <a:ea typeface="Assistant ExtraLight"/>
+                <a:cs typeface="Assistant ExtraLight"/>
+                <a:sym typeface="Assistant ExtraLight"/>
+              </a:defRPr>
+            </a:lvl6pPr>
+            <a:lvl7pPr marL="3200400" lvl="6" indent="-304800">
+              <a:lnSpc>
+                <a:spcPct val="115000"/>
+              </a:lnSpc>
+              <a:spcBef>
+                <a:spcPts val="1600"/>
+              </a:spcBef>
+              <a:spcAft>
+                <a:spcPts val="0"/>
+              </a:spcAft>
+              <a:buClr>
+                <a:schemeClr val="dk1"/>
+              </a:buClr>
+              <a:buSzPts val="1200"/>
+              <a:buFont typeface="Assistant ExtraLight"/>
+              <a:buChar char="●"/>
+              <a:defRPr sz="1200">
+                <a:solidFill>
+                  <a:schemeClr val="dk1"/>
+                </a:solidFill>
+                <a:latin typeface="Assistant ExtraLight"/>
+                <a:ea typeface="Assistant ExtraLight"/>
+                <a:cs typeface="Assistant ExtraLight"/>
+                <a:sym typeface="Assistant ExtraLight"/>
+              </a:defRPr>
+            </a:lvl7pPr>
+            <a:lvl8pPr marL="3657600" lvl="7" indent="-304800">
+              <a:lnSpc>
+                <a:spcPct val="115000"/>
+              </a:lnSpc>
+              <a:spcBef>
+                <a:spcPts val="1600"/>
+              </a:spcBef>
+              <a:spcAft>
+                <a:spcPts val="0"/>
+              </a:spcAft>
+              <a:buClr>
+                <a:schemeClr val="dk1"/>
+              </a:buClr>
+              <a:buSzPts val="1200"/>
+              <a:buFont typeface="Assistant ExtraLight"/>
+              <a:buChar char="○"/>
+              <a:defRPr sz="1200">
+                <a:solidFill>
+                  <a:schemeClr val="dk1"/>
+                </a:solidFill>
+                <a:latin typeface="Assistant ExtraLight"/>
+                <a:ea typeface="Assistant ExtraLight"/>
+                <a:cs typeface="Assistant ExtraLight"/>
+                <a:sym typeface="Assistant ExtraLight"/>
+              </a:defRPr>
+            </a:lvl8pPr>
+            <a:lvl9pPr marL="4114800" lvl="8" indent="-304800">
+              <a:lnSpc>
+                <a:spcPct val="115000"/>
+              </a:lnSpc>
+              <a:spcBef>
+                <a:spcPts val="1600"/>
+              </a:spcBef>
+              <a:spcAft>
+                <a:spcPts val="1600"/>
+              </a:spcAft>
+              <a:buClr>
+                <a:schemeClr val="dk1"/>
+              </a:buClr>
+              <a:buSzPts val="1200"/>
+              <a:buFont typeface="Assistant ExtraLight"/>
+              <a:buChar char="■"/>
+              <a:defRPr sz="1200">
+                <a:solidFill>
+                  <a:schemeClr val="dk1"/>
+                </a:solidFill>
+                <a:latin typeface="Assistant ExtraLight"/>
+                <a:ea typeface="Assistant ExtraLight"/>
+                <a:cs typeface="Assistant ExtraLight"/>
+                <a:sym typeface="Assistant ExtraLight"/>
+              </a:defRPr>
+            </a:lvl9pPr>
+          </a:lstStyle>
+          <a:p>
+            <a:endParaRPr/>
+          </a:p>
+        </p:txBody>
+      </p:sp>
     </p:spTree>
     <p:extLst>
       <p:ext uri="{BB962C8B-B14F-4D97-AF65-F5344CB8AC3E}">
-        <p14:creationId xmlns:p14="http://schemas.microsoft.com/office/powerpoint/2010/main" val="3833403633"/>
+        <p14:creationId xmlns:p14="http://schemas.microsoft.com/office/powerpoint/2010/main" val="1748572054"/>
       </p:ext>
     </p:extLst>
   </p:cSld>
-  <p:clrMap bg1="lt1" tx1="dk1" bg2="lt2" tx2="dk2" accent1="accent1" accent2="accent2" accent3="accent3" accent4="accent4" accent5="accent5" accent6="accent6" hlink="hlink" folHlink="folHlink"/>
+  <p:clrMap bg1="lt1" tx1="dk1" bg2="dk2" tx2="lt2" accent1="accent1" accent2="accent2" accent3="accent3" accent4="accent4" accent5="accent5" accent6="accent6" hlink="hlink" folHlink="folHlink"/>
   <p:sldLayoutIdLst>
-    <p:sldLayoutId id="2147483661" r:id="rId1"/>
-    <p:sldLayoutId id="2147483662" r:id="rId2"/>
+    <p:sldLayoutId id="2147483676" r:id="rId1"/>
+    <p:sldLayoutId id="2147483681" r:id="rId2"/>
+    <p:sldLayoutId id="2147483684" r:id="rId3"/>
   </p:sldLayoutIdLst>
   <p:timing>
     <p:tnLst>
@@ -395,250 +2267,689 @@
   </p:timing>
   <p:txStyles>
     <p:titleStyle>
-      <a:lvl1pPr algn="l" defTabSz="914400" rtl="0" eaLnBrk="1" latinLnBrk="1" hangingPunct="1">
+      <a:defPPr marR="0" lvl="0" algn="l" rtl="0">
+        <a:lnSpc>
+          <a:spcPct val="100000"/>
+        </a:lnSpc>
         <a:spcBef>
-          <a:spcPct val="0"/>
+          <a:spcPts val="0"/>
         </a:spcBef>
-        <a:buNone/>
-        <a:defRPr sz="4000" b="1" kern="1200">
+        <a:spcAft>
+          <a:spcPts val="0"/>
+        </a:spcAft>
+      </a:defPPr>
+      <a:lvl1pPr marR="0" lvl="0" algn="l" rtl="0" eaLnBrk="1" hangingPunct="1">
+        <a:lnSpc>
+          <a:spcPct val="100000"/>
+        </a:lnSpc>
+        <a:spcBef>
+          <a:spcPts val="0"/>
+        </a:spcBef>
+        <a:spcAft>
+          <a:spcPts val="0"/>
+        </a:spcAft>
+        <a:buClr>
+          <a:srgbClr val="000000"/>
+        </a:buClr>
+        <a:buFont typeface="Arial"/>
+        <a:defRPr sz="1867" b="0" i="0" u="none" strike="noStrike" cap="none">
           <a:solidFill>
-            <a:schemeClr val="tx1"/>
+            <a:srgbClr val="000000"/>
           </a:solidFill>
-          <a:latin typeface="Arial" pitchFamily="34" charset="0"/>
-          <a:ea typeface="+mj-ea"/>
-          <a:cs typeface="Arial" pitchFamily="34" charset="0"/>
+          <a:latin typeface="Arial"/>
+          <a:ea typeface="Arial"/>
+          <a:cs typeface="Arial"/>
+          <a:sym typeface="Arial"/>
         </a:defRPr>
       </a:lvl1pPr>
+      <a:lvl2pPr marR="0" lvl="1" algn="l" rtl="0" eaLnBrk="1" hangingPunct="1">
+        <a:lnSpc>
+          <a:spcPct val="100000"/>
+        </a:lnSpc>
+        <a:spcBef>
+          <a:spcPts val="0"/>
+        </a:spcBef>
+        <a:spcAft>
+          <a:spcPts val="0"/>
+        </a:spcAft>
+        <a:buClr>
+          <a:srgbClr val="000000"/>
+        </a:buClr>
+        <a:buFont typeface="Arial"/>
+        <a:defRPr sz="1867" b="0" i="0" u="none" strike="noStrike" cap="none">
+          <a:solidFill>
+            <a:srgbClr val="000000"/>
+          </a:solidFill>
+          <a:latin typeface="Arial"/>
+          <a:ea typeface="Arial"/>
+          <a:cs typeface="Arial"/>
+          <a:sym typeface="Arial"/>
+        </a:defRPr>
+      </a:lvl2pPr>
+      <a:lvl3pPr marR="0" lvl="2" algn="l" rtl="0" eaLnBrk="1" hangingPunct="1">
+        <a:lnSpc>
+          <a:spcPct val="100000"/>
+        </a:lnSpc>
+        <a:spcBef>
+          <a:spcPts val="0"/>
+        </a:spcBef>
+        <a:spcAft>
+          <a:spcPts val="0"/>
+        </a:spcAft>
+        <a:buClr>
+          <a:srgbClr val="000000"/>
+        </a:buClr>
+        <a:buFont typeface="Arial"/>
+        <a:defRPr sz="1867" b="0" i="0" u="none" strike="noStrike" cap="none">
+          <a:solidFill>
+            <a:srgbClr val="000000"/>
+          </a:solidFill>
+          <a:latin typeface="Arial"/>
+          <a:ea typeface="Arial"/>
+          <a:cs typeface="Arial"/>
+          <a:sym typeface="Arial"/>
+        </a:defRPr>
+      </a:lvl3pPr>
+      <a:lvl4pPr marR="0" lvl="3" algn="l" rtl="0" eaLnBrk="1" hangingPunct="1">
+        <a:lnSpc>
+          <a:spcPct val="100000"/>
+        </a:lnSpc>
+        <a:spcBef>
+          <a:spcPts val="0"/>
+        </a:spcBef>
+        <a:spcAft>
+          <a:spcPts val="0"/>
+        </a:spcAft>
+        <a:buClr>
+          <a:srgbClr val="000000"/>
+        </a:buClr>
+        <a:buFont typeface="Arial"/>
+        <a:defRPr sz="1867" b="0" i="0" u="none" strike="noStrike" cap="none">
+          <a:solidFill>
+            <a:srgbClr val="000000"/>
+          </a:solidFill>
+          <a:latin typeface="Arial"/>
+          <a:ea typeface="Arial"/>
+          <a:cs typeface="Arial"/>
+          <a:sym typeface="Arial"/>
+        </a:defRPr>
+      </a:lvl4pPr>
+      <a:lvl5pPr marR="0" lvl="4" algn="l" rtl="0" eaLnBrk="1" hangingPunct="1">
+        <a:lnSpc>
+          <a:spcPct val="100000"/>
+        </a:lnSpc>
+        <a:spcBef>
+          <a:spcPts val="0"/>
+        </a:spcBef>
+        <a:spcAft>
+          <a:spcPts val="0"/>
+        </a:spcAft>
+        <a:buClr>
+          <a:srgbClr val="000000"/>
+        </a:buClr>
+        <a:buFont typeface="Arial"/>
+        <a:defRPr sz="1867" b="0" i="0" u="none" strike="noStrike" cap="none">
+          <a:solidFill>
+            <a:srgbClr val="000000"/>
+          </a:solidFill>
+          <a:latin typeface="Arial"/>
+          <a:ea typeface="Arial"/>
+          <a:cs typeface="Arial"/>
+          <a:sym typeface="Arial"/>
+        </a:defRPr>
+      </a:lvl5pPr>
+      <a:lvl6pPr marR="0" lvl="5" algn="l" rtl="0" eaLnBrk="1" hangingPunct="1">
+        <a:lnSpc>
+          <a:spcPct val="100000"/>
+        </a:lnSpc>
+        <a:spcBef>
+          <a:spcPts val="0"/>
+        </a:spcBef>
+        <a:spcAft>
+          <a:spcPts val="0"/>
+        </a:spcAft>
+        <a:buClr>
+          <a:srgbClr val="000000"/>
+        </a:buClr>
+        <a:buFont typeface="Arial"/>
+        <a:defRPr sz="1867" b="0" i="0" u="none" strike="noStrike" cap="none">
+          <a:solidFill>
+            <a:srgbClr val="000000"/>
+          </a:solidFill>
+          <a:latin typeface="Arial"/>
+          <a:ea typeface="Arial"/>
+          <a:cs typeface="Arial"/>
+          <a:sym typeface="Arial"/>
+        </a:defRPr>
+      </a:lvl6pPr>
+      <a:lvl7pPr marR="0" lvl="6" algn="l" rtl="0" eaLnBrk="1" hangingPunct="1">
+        <a:lnSpc>
+          <a:spcPct val="100000"/>
+        </a:lnSpc>
+        <a:spcBef>
+          <a:spcPts val="0"/>
+        </a:spcBef>
+        <a:spcAft>
+          <a:spcPts val="0"/>
+        </a:spcAft>
+        <a:buClr>
+          <a:srgbClr val="000000"/>
+        </a:buClr>
+        <a:buFont typeface="Arial"/>
+        <a:defRPr sz="1867" b="0" i="0" u="none" strike="noStrike" cap="none">
+          <a:solidFill>
+            <a:srgbClr val="000000"/>
+          </a:solidFill>
+          <a:latin typeface="Arial"/>
+          <a:ea typeface="Arial"/>
+          <a:cs typeface="Arial"/>
+          <a:sym typeface="Arial"/>
+        </a:defRPr>
+      </a:lvl7pPr>
+      <a:lvl8pPr marR="0" lvl="7" algn="l" rtl="0" eaLnBrk="1" hangingPunct="1">
+        <a:lnSpc>
+          <a:spcPct val="100000"/>
+        </a:lnSpc>
+        <a:spcBef>
+          <a:spcPts val="0"/>
+        </a:spcBef>
+        <a:spcAft>
+          <a:spcPts val="0"/>
+        </a:spcAft>
+        <a:buClr>
+          <a:srgbClr val="000000"/>
+        </a:buClr>
+        <a:buFont typeface="Arial"/>
+        <a:defRPr sz="1867" b="0" i="0" u="none" strike="noStrike" cap="none">
+          <a:solidFill>
+            <a:srgbClr val="000000"/>
+          </a:solidFill>
+          <a:latin typeface="Arial"/>
+          <a:ea typeface="Arial"/>
+          <a:cs typeface="Arial"/>
+          <a:sym typeface="Arial"/>
+        </a:defRPr>
+      </a:lvl8pPr>
+      <a:lvl9pPr marR="0" lvl="8" algn="l" rtl="0" eaLnBrk="1" hangingPunct="1">
+        <a:lnSpc>
+          <a:spcPct val="100000"/>
+        </a:lnSpc>
+        <a:spcBef>
+          <a:spcPts val="0"/>
+        </a:spcBef>
+        <a:spcAft>
+          <a:spcPts val="0"/>
+        </a:spcAft>
+        <a:buClr>
+          <a:srgbClr val="000000"/>
+        </a:buClr>
+        <a:buFont typeface="Arial"/>
+        <a:defRPr sz="1867" b="0" i="0" u="none" strike="noStrike" cap="none">
+          <a:solidFill>
+            <a:srgbClr val="000000"/>
+          </a:solidFill>
+          <a:latin typeface="Arial"/>
+          <a:ea typeface="Arial"/>
+          <a:cs typeface="Arial"/>
+          <a:sym typeface="Arial"/>
+        </a:defRPr>
+      </a:lvl9pPr>
     </p:titleStyle>
     <p:bodyStyle>
-      <a:lvl1pPr marL="342900" indent="-342900" algn="l" defTabSz="914400" rtl="0" eaLnBrk="1" latinLnBrk="1" hangingPunct="1">
+      <a:defPPr marR="0" lvl="0" algn="l" rtl="0">
+        <a:lnSpc>
+          <a:spcPct val="100000"/>
+        </a:lnSpc>
         <a:spcBef>
-          <a:spcPct val="20000"/>
+          <a:spcPts val="0"/>
         </a:spcBef>
-        <a:buFont typeface="Arial" pitchFamily="34" charset="0"/>
-        <a:buChar char="•"/>
-        <a:defRPr sz="3200" kern="1200">
+        <a:spcAft>
+          <a:spcPts val="0"/>
+        </a:spcAft>
+      </a:defPPr>
+      <a:lvl1pPr marR="0" lvl="0" algn="l" rtl="0" eaLnBrk="1" hangingPunct="1">
+        <a:lnSpc>
+          <a:spcPct val="100000"/>
+        </a:lnSpc>
+        <a:spcBef>
+          <a:spcPts val="0"/>
+        </a:spcBef>
+        <a:spcAft>
+          <a:spcPts val="0"/>
+        </a:spcAft>
+        <a:buClr>
+          <a:srgbClr val="000000"/>
+        </a:buClr>
+        <a:buFont typeface="Arial"/>
+        <a:defRPr sz="1867" b="0" i="0" u="none" strike="noStrike" cap="none">
           <a:solidFill>
-            <a:schemeClr val="tx1"/>
+            <a:srgbClr val="000000"/>
           </a:solidFill>
-          <a:latin typeface="+mn-lt"/>
-          <a:ea typeface="+mn-ea"/>
-          <a:cs typeface="+mn-cs"/>
+          <a:latin typeface="Arial"/>
+          <a:ea typeface="Arial"/>
+          <a:cs typeface="Arial"/>
+          <a:sym typeface="Arial"/>
         </a:defRPr>
       </a:lvl1pPr>
-      <a:lvl2pPr marL="742950" indent="-285750" algn="l" defTabSz="914400" rtl="0" eaLnBrk="1" latinLnBrk="1" hangingPunct="1">
+      <a:lvl2pPr marR="0" lvl="1" algn="l" rtl="0" eaLnBrk="1" hangingPunct="1">
+        <a:lnSpc>
+          <a:spcPct val="100000"/>
+        </a:lnSpc>
         <a:spcBef>
-          <a:spcPct val="20000"/>
+          <a:spcPts val="0"/>
         </a:spcBef>
-        <a:buFont typeface="Arial" pitchFamily="34" charset="0"/>
-        <a:buChar char="–"/>
-        <a:defRPr sz="2800" kern="1200">
+        <a:spcAft>
+          <a:spcPts val="0"/>
+        </a:spcAft>
+        <a:buClr>
+          <a:srgbClr val="000000"/>
+        </a:buClr>
+        <a:buFont typeface="Arial"/>
+        <a:defRPr sz="1867" b="0" i="0" u="none" strike="noStrike" cap="none">
           <a:solidFill>
-            <a:schemeClr val="tx1"/>
+            <a:srgbClr val="000000"/>
           </a:solidFill>
-          <a:latin typeface="+mn-lt"/>
-          <a:ea typeface="+mn-ea"/>
-          <a:cs typeface="+mn-cs"/>
+          <a:latin typeface="Arial"/>
+          <a:ea typeface="Arial"/>
+          <a:cs typeface="Arial"/>
+          <a:sym typeface="Arial"/>
         </a:defRPr>
       </a:lvl2pPr>
-      <a:lvl3pPr marL="1143000" indent="-228600" algn="l" defTabSz="914400" rtl="0" eaLnBrk="1" latinLnBrk="1" hangingPunct="1">
+      <a:lvl3pPr marR="0" lvl="2" algn="l" rtl="0" eaLnBrk="1" hangingPunct="1">
+        <a:lnSpc>
+          <a:spcPct val="100000"/>
+        </a:lnSpc>
         <a:spcBef>
-          <a:spcPct val="20000"/>
+          <a:spcPts val="0"/>
         </a:spcBef>
-        <a:buFont typeface="Arial" pitchFamily="34" charset="0"/>
-        <a:buChar char="•"/>
-        <a:defRPr sz="2400" kern="1200">
+        <a:spcAft>
+          <a:spcPts val="0"/>
+        </a:spcAft>
+        <a:buClr>
+          <a:srgbClr val="000000"/>
+        </a:buClr>
+        <a:buFont typeface="Arial"/>
+        <a:defRPr sz="1867" b="0" i="0" u="none" strike="noStrike" cap="none">
           <a:solidFill>
-            <a:schemeClr val="tx1"/>
+            <a:srgbClr val="000000"/>
           </a:solidFill>
-          <a:latin typeface="+mn-lt"/>
-          <a:ea typeface="+mn-ea"/>
-          <a:cs typeface="+mn-cs"/>
+          <a:latin typeface="Arial"/>
+          <a:ea typeface="Arial"/>
+          <a:cs typeface="Arial"/>
+          <a:sym typeface="Arial"/>
         </a:defRPr>
       </a:lvl3pPr>
-      <a:lvl4pPr marL="1600200" indent="-228600" algn="l" defTabSz="914400" rtl="0" eaLnBrk="1" latinLnBrk="1" hangingPunct="1">
+      <a:lvl4pPr marR="0" lvl="3" algn="l" rtl="0" eaLnBrk="1" hangingPunct="1">
+        <a:lnSpc>
+          <a:spcPct val="100000"/>
+        </a:lnSpc>
         <a:spcBef>
-          <a:spcPct val="20000"/>
+          <a:spcPts val="0"/>
         </a:spcBef>
-        <a:buFont typeface="Arial" pitchFamily="34" charset="0"/>
-        <a:buChar char="–"/>
-        <a:defRPr sz="2000" kern="1200">
+        <a:spcAft>
+          <a:spcPts val="0"/>
+        </a:spcAft>
+        <a:buClr>
+          <a:srgbClr val="000000"/>
+        </a:buClr>
+        <a:buFont typeface="Arial"/>
+        <a:defRPr sz="1867" b="0" i="0" u="none" strike="noStrike" cap="none">
           <a:solidFill>
-            <a:schemeClr val="tx1"/>
+            <a:srgbClr val="000000"/>
           </a:solidFill>
-          <a:latin typeface="+mn-lt"/>
-          <a:ea typeface="+mn-ea"/>
-          <a:cs typeface="+mn-cs"/>
+          <a:latin typeface="Arial"/>
+          <a:ea typeface="Arial"/>
+          <a:cs typeface="Arial"/>
+          <a:sym typeface="Arial"/>
         </a:defRPr>
       </a:lvl4pPr>
-      <a:lvl5pPr marL="2057400" indent="-228600" algn="l" defTabSz="914400" rtl="0" eaLnBrk="1" latinLnBrk="1" hangingPunct="1">
+      <a:lvl5pPr marR="0" lvl="4" algn="l" rtl="0" eaLnBrk="1" hangingPunct="1">
+        <a:lnSpc>
+          <a:spcPct val="100000"/>
+        </a:lnSpc>
         <a:spcBef>
-          <a:spcPct val="20000"/>
+          <a:spcPts val="0"/>
         </a:spcBef>
-        <a:buFont typeface="Arial" pitchFamily="34" charset="0"/>
-        <a:buChar char="»"/>
-        <a:defRPr sz="2000" kern="1200">
+        <a:spcAft>
+          <a:spcPts val="0"/>
+        </a:spcAft>
+        <a:buClr>
+          <a:srgbClr val="000000"/>
+        </a:buClr>
+        <a:buFont typeface="Arial"/>
+        <a:defRPr sz="1867" b="0" i="0" u="none" strike="noStrike" cap="none">
           <a:solidFill>
-            <a:schemeClr val="tx1"/>
+            <a:srgbClr val="000000"/>
           </a:solidFill>
-          <a:latin typeface="+mn-lt"/>
-          <a:ea typeface="+mn-ea"/>
-          <a:cs typeface="+mn-cs"/>
+          <a:latin typeface="Arial"/>
+          <a:ea typeface="Arial"/>
+          <a:cs typeface="Arial"/>
+          <a:sym typeface="Arial"/>
         </a:defRPr>
       </a:lvl5pPr>
-      <a:lvl6pPr marL="2514600" indent="-228600" algn="l" defTabSz="914400" rtl="0" eaLnBrk="1" latinLnBrk="1" hangingPunct="1">
+      <a:lvl6pPr marR="0" lvl="5" algn="l" rtl="0" eaLnBrk="1" hangingPunct="1">
+        <a:lnSpc>
+          <a:spcPct val="100000"/>
+        </a:lnSpc>
         <a:spcBef>
-          <a:spcPct val="20000"/>
+          <a:spcPts val="0"/>
         </a:spcBef>
-        <a:buFont typeface="Arial" pitchFamily="34" charset="0"/>
-        <a:buChar char="•"/>
-        <a:defRPr sz="2000" kern="1200">
+        <a:spcAft>
+          <a:spcPts val="0"/>
+        </a:spcAft>
+        <a:buClr>
+          <a:srgbClr val="000000"/>
+        </a:buClr>
+        <a:buFont typeface="Arial"/>
+        <a:defRPr sz="1867" b="0" i="0" u="none" strike="noStrike" cap="none">
           <a:solidFill>
-            <a:schemeClr val="tx1"/>
+            <a:srgbClr val="000000"/>
           </a:solidFill>
-          <a:latin typeface="+mn-lt"/>
-          <a:ea typeface="+mn-ea"/>
-          <a:cs typeface="+mn-cs"/>
+          <a:latin typeface="Arial"/>
+          <a:ea typeface="Arial"/>
+          <a:cs typeface="Arial"/>
+          <a:sym typeface="Arial"/>
         </a:defRPr>
       </a:lvl6pPr>
-      <a:lvl7pPr marL="2971800" indent="-228600" algn="l" defTabSz="914400" rtl="0" eaLnBrk="1" latinLnBrk="1" hangingPunct="1">
+      <a:lvl7pPr marR="0" lvl="6" algn="l" rtl="0" eaLnBrk="1" hangingPunct="1">
+        <a:lnSpc>
+          <a:spcPct val="100000"/>
+        </a:lnSpc>
         <a:spcBef>
-          <a:spcPct val="20000"/>
+          <a:spcPts val="0"/>
         </a:spcBef>
-        <a:buFont typeface="Arial" pitchFamily="34" charset="0"/>
-        <a:buChar char="•"/>
-        <a:defRPr sz="2000" kern="1200">
+        <a:spcAft>
+          <a:spcPts val="0"/>
+        </a:spcAft>
+        <a:buClr>
+          <a:srgbClr val="000000"/>
+        </a:buClr>
+        <a:buFont typeface="Arial"/>
+        <a:defRPr sz="1867" b="0" i="0" u="none" strike="noStrike" cap="none">
           <a:solidFill>
-            <a:schemeClr val="tx1"/>
+            <a:srgbClr val="000000"/>
           </a:solidFill>
-          <a:latin typeface="+mn-lt"/>
-          <a:ea typeface="+mn-ea"/>
-          <a:cs typeface="+mn-cs"/>
+          <a:latin typeface="Arial"/>
+          <a:ea typeface="Arial"/>
+          <a:cs typeface="Arial"/>
+          <a:sym typeface="Arial"/>
         </a:defRPr>
       </a:lvl7pPr>
-      <a:lvl8pPr marL="3429000" indent="-228600" algn="l" defTabSz="914400" rtl="0" eaLnBrk="1" latinLnBrk="1" hangingPunct="1">
+      <a:lvl8pPr marR="0" lvl="7" algn="l" rtl="0" eaLnBrk="1" hangingPunct="1">
+        <a:lnSpc>
+          <a:spcPct val="100000"/>
+        </a:lnSpc>
         <a:spcBef>
-          <a:spcPct val="20000"/>
+          <a:spcPts val="0"/>
         </a:spcBef>
-        <a:buFont typeface="Arial" pitchFamily="34" charset="0"/>
-        <a:buChar char="•"/>
-        <a:defRPr sz="2000" kern="1200">
+        <a:spcAft>
+          <a:spcPts val="0"/>
+        </a:spcAft>
+        <a:buClr>
+          <a:srgbClr val="000000"/>
+        </a:buClr>
+        <a:buFont typeface="Arial"/>
+        <a:defRPr sz="1867" b="0" i="0" u="none" strike="noStrike" cap="none">
           <a:solidFill>
-            <a:schemeClr val="tx1"/>
+            <a:srgbClr val="000000"/>
           </a:solidFill>
-          <a:latin typeface="+mn-lt"/>
-          <a:ea typeface="+mn-ea"/>
-          <a:cs typeface="+mn-cs"/>
+          <a:latin typeface="Arial"/>
+          <a:ea typeface="Arial"/>
+          <a:cs typeface="Arial"/>
+          <a:sym typeface="Arial"/>
         </a:defRPr>
       </a:lvl8pPr>
-      <a:lvl9pPr marL="3886200" indent="-228600" algn="l" defTabSz="914400" rtl="0" eaLnBrk="1" latinLnBrk="1" hangingPunct="1">
+      <a:lvl9pPr marR="0" lvl="8" algn="l" rtl="0" eaLnBrk="1" hangingPunct="1">
+        <a:lnSpc>
+          <a:spcPct val="100000"/>
+        </a:lnSpc>
         <a:spcBef>
-          <a:spcPct val="20000"/>
+          <a:spcPts val="0"/>
         </a:spcBef>
-        <a:buFont typeface="Arial" pitchFamily="34" charset="0"/>
-        <a:buChar char="•"/>
-        <a:defRPr sz="2000" kern="1200">
+        <a:spcAft>
+          <a:spcPts val="0"/>
+        </a:spcAft>
+        <a:buClr>
+          <a:srgbClr val="000000"/>
+        </a:buClr>
+        <a:buFont typeface="Arial"/>
+        <a:defRPr sz="1867" b="0" i="0" u="none" strike="noStrike" cap="none">
           <a:solidFill>
-            <a:schemeClr val="tx1"/>
+            <a:srgbClr val="000000"/>
           </a:solidFill>
-          <a:latin typeface="+mn-lt"/>
-          <a:ea typeface="+mn-ea"/>
-          <a:cs typeface="+mn-cs"/>
+          <a:latin typeface="Arial"/>
+          <a:ea typeface="Arial"/>
+          <a:cs typeface="Arial"/>
+          <a:sym typeface="Arial"/>
         </a:defRPr>
       </a:lvl9pPr>
     </p:bodyStyle>
     <p:otherStyle>
-      <a:defPPr>
-        <a:defRPr lang="ko-KR"/>
+      <a:defPPr marR="0" lvl="0" algn="l" rtl="0">
+        <a:lnSpc>
+          <a:spcPct val="100000"/>
+        </a:lnSpc>
+        <a:spcBef>
+          <a:spcPts val="0"/>
+        </a:spcBef>
+        <a:spcAft>
+          <a:spcPts val="0"/>
+        </a:spcAft>
       </a:defPPr>
-      <a:lvl1pPr marL="0" algn="l" defTabSz="914400" rtl="0" eaLnBrk="1" latinLnBrk="1" hangingPunct="1">
-        <a:defRPr sz="1800" kern="1200">
+      <a:lvl1pPr marR="0" lvl="0" algn="l" rtl="0" eaLnBrk="1" hangingPunct="1">
+        <a:lnSpc>
+          <a:spcPct val="100000"/>
+        </a:lnSpc>
+        <a:spcBef>
+          <a:spcPts val="0"/>
+        </a:spcBef>
+        <a:spcAft>
+          <a:spcPts val="0"/>
+        </a:spcAft>
+        <a:buClr>
+          <a:srgbClr val="000000"/>
+        </a:buClr>
+        <a:buFont typeface="Arial"/>
+        <a:defRPr sz="1867" b="0" i="0" u="none" strike="noStrike" cap="none">
           <a:solidFill>
-            <a:schemeClr val="tx1"/>
+            <a:srgbClr val="000000"/>
           </a:solidFill>
-          <a:latin typeface="+mn-lt"/>
-          <a:ea typeface="+mn-ea"/>
-          <a:cs typeface="+mn-cs"/>
+          <a:latin typeface="Arial"/>
+          <a:ea typeface="Arial"/>
+          <a:cs typeface="Arial"/>
+          <a:sym typeface="Arial"/>
         </a:defRPr>
       </a:lvl1pPr>
-      <a:lvl2pPr marL="457200" algn="l" defTabSz="914400" rtl="0" eaLnBrk="1" latinLnBrk="1" hangingPunct="1">
-        <a:defRPr sz="1800" kern="1200">
+      <a:lvl2pPr marR="0" lvl="1" algn="l" rtl="0" eaLnBrk="1" hangingPunct="1">
+        <a:lnSpc>
+          <a:spcPct val="100000"/>
+        </a:lnSpc>
+        <a:spcBef>
+          <a:spcPts val="0"/>
+        </a:spcBef>
+        <a:spcAft>
+          <a:spcPts val="0"/>
+        </a:spcAft>
+        <a:buClr>
+          <a:srgbClr val="000000"/>
+        </a:buClr>
+        <a:buFont typeface="Arial"/>
+        <a:defRPr sz="1867" b="0" i="0" u="none" strike="noStrike" cap="none">
           <a:solidFill>
-            <a:schemeClr val="tx1"/>
+            <a:srgbClr val="000000"/>
           </a:solidFill>
-          <a:latin typeface="+mn-lt"/>
-          <a:ea typeface="+mn-ea"/>
-          <a:cs typeface="+mn-cs"/>
+          <a:latin typeface="Arial"/>
+          <a:ea typeface="Arial"/>
+          <a:cs typeface="Arial"/>
+          <a:sym typeface="Arial"/>
         </a:defRPr>
       </a:lvl2pPr>
-      <a:lvl3pPr marL="914400" algn="l" defTabSz="914400" rtl="0" eaLnBrk="1" latinLnBrk="1" hangingPunct="1">
-        <a:defRPr sz="1800" kern="1200">
+      <a:lvl3pPr marR="0" lvl="2" algn="l" rtl="0" eaLnBrk="1" hangingPunct="1">
+        <a:lnSpc>
+          <a:spcPct val="100000"/>
+        </a:lnSpc>
+        <a:spcBef>
+          <a:spcPts val="0"/>
+        </a:spcBef>
+        <a:spcAft>
+          <a:spcPts val="0"/>
+        </a:spcAft>
+        <a:buClr>
+          <a:srgbClr val="000000"/>
+        </a:buClr>
+        <a:buFont typeface="Arial"/>
+        <a:defRPr sz="1867" b="0" i="0" u="none" strike="noStrike" cap="none">
           <a:solidFill>
-            <a:schemeClr val="tx1"/>
+            <a:srgbClr val="000000"/>
           </a:solidFill>
-          <a:latin typeface="+mn-lt"/>
-          <a:ea typeface="+mn-ea"/>
-          <a:cs typeface="+mn-cs"/>
+          <a:latin typeface="Arial"/>
+          <a:ea typeface="Arial"/>
+          <a:cs typeface="Arial"/>
+          <a:sym typeface="Arial"/>
         </a:defRPr>
       </a:lvl3pPr>
-      <a:lvl4pPr marL="1371600" algn="l" defTabSz="914400" rtl="0" eaLnBrk="1" latinLnBrk="1" hangingPunct="1">
-        <a:defRPr sz="1800" kern="1200">
+      <a:lvl4pPr marR="0" lvl="3" algn="l" rtl="0" eaLnBrk="1" hangingPunct="1">
+        <a:lnSpc>
+          <a:spcPct val="100000"/>
+        </a:lnSpc>
+        <a:spcBef>
+          <a:spcPts val="0"/>
+        </a:spcBef>
+        <a:spcAft>
+          <a:spcPts val="0"/>
+        </a:spcAft>
+        <a:buClr>
+          <a:srgbClr val="000000"/>
+        </a:buClr>
+        <a:buFont typeface="Arial"/>
+        <a:defRPr sz="1867" b="0" i="0" u="none" strike="noStrike" cap="none">
           <a:solidFill>
-            <a:schemeClr val="tx1"/>
+            <a:srgbClr val="000000"/>
           </a:solidFill>
-          <a:latin typeface="+mn-lt"/>
-          <a:ea typeface="+mn-ea"/>
-          <a:cs typeface="+mn-cs"/>
+          <a:latin typeface="Arial"/>
+          <a:ea typeface="Arial"/>
+          <a:cs typeface="Arial"/>
+          <a:sym typeface="Arial"/>
         </a:defRPr>
       </a:lvl4pPr>
-      <a:lvl5pPr marL="1828800" algn="l" defTabSz="914400" rtl="0" eaLnBrk="1" latinLnBrk="1" hangingPunct="1">
-        <a:defRPr sz="1800" kern="1200">
+      <a:lvl5pPr marR="0" lvl="4" algn="l" rtl="0" eaLnBrk="1" hangingPunct="1">
+        <a:lnSpc>
+          <a:spcPct val="100000"/>
+        </a:lnSpc>
+        <a:spcBef>
+          <a:spcPts val="0"/>
+        </a:spcBef>
+        <a:spcAft>
+          <a:spcPts val="0"/>
+        </a:spcAft>
+        <a:buClr>
+          <a:srgbClr val="000000"/>
+        </a:buClr>
+        <a:buFont typeface="Arial"/>
+        <a:defRPr sz="1867" b="0" i="0" u="none" strike="noStrike" cap="none">
           <a:solidFill>
-            <a:schemeClr val="tx1"/>
+            <a:srgbClr val="000000"/>
           </a:solidFill>
-          <a:latin typeface="+mn-lt"/>
-          <a:ea typeface="+mn-ea"/>
-          <a:cs typeface="+mn-cs"/>
+          <a:latin typeface="Arial"/>
+          <a:ea typeface="Arial"/>
+          <a:cs typeface="Arial"/>
+          <a:sym typeface="Arial"/>
         </a:defRPr>
       </a:lvl5pPr>
-      <a:lvl6pPr marL="2286000" algn="l" defTabSz="914400" rtl="0" eaLnBrk="1" latinLnBrk="1" hangingPunct="1">
-        <a:defRPr sz="1800" kern="1200">
+      <a:lvl6pPr marR="0" lvl="5" algn="l" rtl="0" eaLnBrk="1" hangingPunct="1">
+        <a:lnSpc>
+          <a:spcPct val="100000"/>
+        </a:lnSpc>
+        <a:spcBef>
+          <a:spcPts val="0"/>
+        </a:spcBef>
+        <a:spcAft>
+          <a:spcPts val="0"/>
+        </a:spcAft>
+        <a:buClr>
+          <a:srgbClr val="000000"/>
+        </a:buClr>
+        <a:buFont typeface="Arial"/>
+        <a:defRPr sz="1867" b="0" i="0" u="none" strike="noStrike" cap="none">
           <a:solidFill>
-            <a:schemeClr val="tx1"/>
+            <a:srgbClr val="000000"/>
           </a:solidFill>
-          <a:latin typeface="+mn-lt"/>
-          <a:ea typeface="+mn-ea"/>
-          <a:cs typeface="+mn-cs"/>
+          <a:latin typeface="Arial"/>
+          <a:ea typeface="Arial"/>
+          <a:cs typeface="Arial"/>
+          <a:sym typeface="Arial"/>
         </a:defRPr>
       </a:lvl6pPr>
-      <a:lvl7pPr marL="2743200" algn="l" defTabSz="914400" rtl="0" eaLnBrk="1" latinLnBrk="1" hangingPunct="1">
-        <a:defRPr sz="1800" kern="1200">
+      <a:lvl7pPr marR="0" lvl="6" algn="l" rtl="0" eaLnBrk="1" hangingPunct="1">
+        <a:lnSpc>
+          <a:spcPct val="100000"/>
+        </a:lnSpc>
+        <a:spcBef>
+          <a:spcPts val="0"/>
+        </a:spcBef>
+        <a:spcAft>
+          <a:spcPts val="0"/>
+        </a:spcAft>
+        <a:buClr>
+          <a:srgbClr val="000000"/>
+        </a:buClr>
+        <a:buFont typeface="Arial"/>
+        <a:defRPr sz="1867" b="0" i="0" u="none" strike="noStrike" cap="none">
           <a:solidFill>
-            <a:schemeClr val="tx1"/>
+            <a:srgbClr val="000000"/>
           </a:solidFill>
-          <a:latin typeface="+mn-lt"/>
-          <a:ea typeface="+mn-ea"/>
-          <a:cs typeface="+mn-cs"/>
+          <a:latin typeface="Arial"/>
+          <a:ea typeface="Arial"/>
+          <a:cs typeface="Arial"/>
+          <a:sym typeface="Arial"/>
         </a:defRPr>
       </a:lvl7pPr>
-      <a:lvl8pPr marL="3200400" algn="l" defTabSz="914400" rtl="0" eaLnBrk="1" latinLnBrk="1" hangingPunct="1">
-        <a:defRPr sz="1800" kern="1200">
+      <a:lvl8pPr marR="0" lvl="7" algn="l" rtl="0" eaLnBrk="1" hangingPunct="1">
+        <a:lnSpc>
+          <a:spcPct val="100000"/>
+        </a:lnSpc>
+        <a:spcBef>
+          <a:spcPts val="0"/>
+        </a:spcBef>
+        <a:spcAft>
+          <a:spcPts val="0"/>
+        </a:spcAft>
+        <a:buClr>
+          <a:srgbClr val="000000"/>
+        </a:buClr>
+        <a:buFont typeface="Arial"/>
+        <a:defRPr sz="1867" b="0" i="0" u="none" strike="noStrike" cap="none">
           <a:solidFill>
-            <a:schemeClr val="tx1"/>
+            <a:srgbClr val="000000"/>
           </a:solidFill>
-          <a:latin typeface="+mn-lt"/>
-          <a:ea typeface="+mn-ea"/>
-          <a:cs typeface="+mn-cs"/>
+          <a:latin typeface="Arial"/>
+          <a:ea typeface="Arial"/>
+          <a:cs typeface="Arial"/>
+          <a:sym typeface="Arial"/>
         </a:defRPr>
       </a:lvl8pPr>
-      <a:lvl9pPr marL="3657600" algn="l" defTabSz="914400" rtl="0" eaLnBrk="1" latinLnBrk="1" hangingPunct="1">
-        <a:defRPr sz="1800" kern="1200">
+      <a:lvl9pPr marR="0" lvl="8" algn="l" rtl="0" eaLnBrk="1" hangingPunct="1">
+        <a:lnSpc>
+          <a:spcPct val="100000"/>
+        </a:lnSpc>
+        <a:spcBef>
+          <a:spcPts val="0"/>
+        </a:spcBef>
+        <a:spcAft>
+          <a:spcPts val="0"/>
+        </a:spcAft>
+        <a:buClr>
+          <a:srgbClr val="000000"/>
+        </a:buClr>
+        <a:buFont typeface="Arial"/>
+        <a:defRPr sz="1867" b="0" i="0" u="none" strike="noStrike" cap="none">
           <a:solidFill>
-            <a:schemeClr val="tx1"/>
+            <a:srgbClr val="000000"/>
           </a:solidFill>
-          <a:latin typeface="+mn-lt"/>
-          <a:ea typeface="+mn-ea"/>
-          <a:cs typeface="+mn-cs"/>
+          <a:latin typeface="Arial"/>
+          <a:ea typeface="Arial"/>
+          <a:cs typeface="Arial"/>
+          <a:sym typeface="Arial"/>
         </a:defRPr>
       </a:lvl9pPr>
     </p:otherStyle>
@@ -665,84 +2976,149 @@
       </p:grpSpPr>
       <p:sp>
         <p:nvSpPr>
-          <p:cNvPr id="3" name="Rectangle 2"/>
-          <p:cNvSpPr/>
-          <p:nvPr/>
+          <p:cNvPr id="2" name="Title 1"/>
+          <p:cNvSpPr>
+            <a:spLocks noGrp="1"/>
+          </p:cNvSpPr>
+          <p:nvPr>
+            <p:ph type="ctrTitle"/>
+          </p:nvPr>
         </p:nvSpPr>
-        <p:spPr>
-          <a:xfrm>
-            <a:off x="4789816" y="4564782"/>
-            <a:ext cx="6546539" cy="923330"/>
-          </a:xfrm>
-          <a:prstGeom prst="rect">
-            <a:avLst/>
-          </a:prstGeom>
-          <a:solidFill>
-            <a:schemeClr val="accent3">
-              <a:lumMod val="60000"/>
-              <a:lumOff val="40000"/>
-            </a:schemeClr>
-          </a:solidFill>
-        </p:spPr>
-        <p:style>
-          <a:lnRef idx="2">
-            <a:schemeClr val="accent2"/>
-          </a:lnRef>
-          <a:fillRef idx="1">
-            <a:schemeClr val="lt1"/>
-          </a:fillRef>
-          <a:effectRef idx="0">
-            <a:schemeClr val="accent2"/>
-          </a:effectRef>
-          <a:fontRef idx="minor">
-            <a:schemeClr val="dk1"/>
-          </a:fontRef>
-        </p:style>
+        <p:spPr/>
         <p:txBody>
-          <a:bodyPr wrap="square" lIns="91440" tIns="45720" rIns="91440" bIns="45720">
-            <a:spAutoFit/>
-          </a:bodyPr>
+          <a:bodyPr/>
           <a:lstStyle/>
           <a:p>
-            <a:pPr algn="ctr"/>
-            <a:r>
-              <a:rPr lang="en-US" sz="5400" b="1" dirty="0" smtClean="0">
-                <a:ln w="22225">
-                  <a:solidFill>
-                    <a:schemeClr val="accent2"/>
-                  </a:solidFill>
-                  <a:prstDash val="solid"/>
-                </a:ln>
-                <a:solidFill>
-                  <a:schemeClr val="accent2">
-                    <a:lumMod val="40000"/>
-                    <a:lumOff val="60000"/>
-                  </a:schemeClr>
-                </a:solidFill>
-              </a:rPr>
-              <a:t>THIẾT KẾ WEB</a:t>
-            </a:r>
-            <a:endParaRPr lang="en-US" sz="5400" b="1" dirty="0">
-              <a:ln w="22225">
-                <a:solidFill>
-                  <a:schemeClr val="accent2"/>
-                </a:solidFill>
-                <a:prstDash val="solid"/>
-              </a:ln>
-              <a:solidFill>
-                <a:schemeClr val="accent2">
-                  <a:lumMod val="40000"/>
-                  <a:lumOff val="60000"/>
-                </a:schemeClr>
-              </a:solidFill>
-            </a:endParaRPr>
+            <a:r>
+              <a:rPr lang="en-US" smtClean="0"/>
+              <a:t>THIẾT KẾ WEB Căn Bản</a:t>
+            </a:r>
+            <a:endParaRPr lang="en-US"/>
+          </a:p>
+        </p:txBody>
+      </p:sp>
+      <p:sp>
+        <p:nvSpPr>
+          <p:cNvPr id="3" name="Subtitle 2"/>
+          <p:cNvSpPr>
+            <a:spLocks noGrp="1"/>
+          </p:cNvSpPr>
+          <p:nvPr>
+            <p:ph type="subTitle" idx="1"/>
+          </p:nvPr>
+        </p:nvSpPr>
+        <p:spPr/>
+        <p:txBody>
+          <a:bodyPr/>
+          <a:lstStyle/>
+          <a:p>
+            <a:endParaRPr lang="en-US"/>
           </a:p>
         </p:txBody>
       </p:sp>
     </p:spTree>
     <p:extLst>
       <p:ext uri="{BB962C8B-B14F-4D97-AF65-F5344CB8AC3E}">
-        <p14:creationId xmlns:p14="http://schemas.microsoft.com/office/powerpoint/2010/main" val="557374452"/>
+        <p14:creationId xmlns:p14="http://schemas.microsoft.com/office/powerpoint/2010/main" val="2073881772"/>
+      </p:ext>
+    </p:extLst>
+  </p:cSld>
+  <p:clrMapOvr>
+    <a:masterClrMapping/>
+  </p:clrMapOvr>
+  <p:timing>
+    <p:tnLst>
+      <p:par>
+        <p:cTn id="1" dur="indefinite" restart="never" nodeType="tmRoot"/>
+      </p:par>
+    </p:tnLst>
+  </p:timing>
+</p:sld>
+</file>
+
+<file path=ppt/slides/slide10.xml><?xml version="1.0" encoding="utf-8"?>
+<p:sld xmlns:a="http://schemas.openxmlformats.org/drawingml/2006/main" xmlns:r="http://schemas.openxmlformats.org/officeDocument/2006/relationships" xmlns:p="http://schemas.openxmlformats.org/presentationml/2006/main">
+  <p:cSld>
+    <p:spTree>
+      <p:nvGrpSpPr>
+        <p:cNvPr id="1" name=""/>
+        <p:cNvGrpSpPr/>
+        <p:nvPr/>
+      </p:nvGrpSpPr>
+      <p:grpSpPr>
+        <a:xfrm>
+          <a:off x="0" y="0"/>
+          <a:ext cx="0" cy="0"/>
+          <a:chOff x="0" y="0"/>
+          <a:chExt cx="0" cy="0"/>
+        </a:xfrm>
+      </p:grpSpPr>
+      <p:sp>
+        <p:nvSpPr>
+          <p:cNvPr id="2" name="Subtitle 1"/>
+          <p:cNvSpPr>
+            <a:spLocks noGrp="1"/>
+          </p:cNvSpPr>
+          <p:nvPr>
+            <p:ph type="subTitle" idx="1"/>
+          </p:nvPr>
+        </p:nvSpPr>
+        <p:spPr/>
+        <p:txBody>
+          <a:bodyPr/>
+          <a:lstStyle/>
+          <a:p>
+            <a:pPr marL="114300" indent="0">
+              <a:buNone/>
+            </a:pPr>
+            <a:r>
+              <a:rPr lang="en-US" smtClean="0"/>
+              <a:t>HTML </a:t>
+            </a:r>
+            <a:r>
+              <a:rPr lang="en-US"/>
+              <a:t>(Hyper Text Markup Language - Ngôn ngữ đánh</a:t>
+            </a:r>
+          </a:p>
+          <a:p>
+            <a:pPr marL="571500" indent="-457200">
+              <a:buFont typeface="Arial" panose="020B0604020202020204" pitchFamily="34" charset="0"/>
+              <a:buChar char="•"/>
+            </a:pPr>
+            <a:r>
+              <a:rPr lang="en-US"/>
+              <a:t>dấu siêu văn bản)</a:t>
+            </a:r>
+          </a:p>
+        </p:txBody>
+      </p:sp>
+      <p:sp>
+        <p:nvSpPr>
+          <p:cNvPr id="3" name="Title 2"/>
+          <p:cNvSpPr>
+            <a:spLocks noGrp="1"/>
+          </p:cNvSpPr>
+          <p:nvPr>
+            <p:ph type="title"/>
+          </p:nvPr>
+        </p:nvSpPr>
+        <p:spPr/>
+        <p:txBody>
+          <a:bodyPr/>
+          <a:lstStyle/>
+          <a:p>
+            <a:r>
+              <a:rPr lang="en-US" smtClean="0"/>
+              <a:t>Giới Thiệu</a:t>
+            </a:r>
+            <a:endParaRPr lang="en-US"/>
+          </a:p>
+        </p:txBody>
+      </p:sp>
+    </p:spTree>
+    <p:extLst>
+      <p:ext uri="{BB962C8B-B14F-4D97-AF65-F5344CB8AC3E}">
+        <p14:creationId xmlns:p14="http://schemas.microsoft.com/office/powerpoint/2010/main" val="3855079893"/>
       </p:ext>
     </p:extLst>
   </p:cSld>
@@ -778,7 +3154,80 @@
       </p:grpSpPr>
       <p:sp>
         <p:nvSpPr>
-          <p:cNvPr id="2" name="Title 1"/>
+          <p:cNvPr id="2" name="Subtitle 1"/>
+          <p:cNvSpPr>
+            <a:spLocks noGrp="1"/>
+          </p:cNvSpPr>
+          <p:nvPr>
+            <p:ph type="subTitle" idx="1"/>
+          </p:nvPr>
+        </p:nvSpPr>
+        <p:spPr/>
+        <p:txBody>
+          <a:bodyPr/>
+          <a:lstStyle/>
+          <a:p>
+            <a:pPr>
+              <a:buFontTx/>
+              <a:buChar char="-"/>
+            </a:pPr>
+            <a:endParaRPr lang="en-US" smtClean="0"/>
+          </a:p>
+          <a:p>
+            <a:pPr>
+              <a:buFontTx/>
+              <a:buChar char="-"/>
+            </a:pPr>
+            <a:r>
+              <a:rPr lang="en-US" smtClean="0"/>
+              <a:t>Có kiến thức cơ bản về thiết kế website , là nền tảng cho môn Công nghệ web</a:t>
+            </a:r>
+          </a:p>
+          <a:p>
+            <a:pPr marL="114300" indent="0">
+              <a:buNone/>
+            </a:pPr>
+            <a:endParaRPr lang="en-US" smtClean="0"/>
+          </a:p>
+          <a:p>
+            <a:pPr>
+              <a:buFontTx/>
+              <a:buChar char="-"/>
+            </a:pPr>
+            <a:r>
+              <a:rPr lang="en-US" smtClean="0"/>
+              <a:t>Tự thiết kế riêng cho mình một trang website tĩnh</a:t>
+            </a:r>
+          </a:p>
+          <a:p>
+            <a:pPr>
+              <a:buFontTx/>
+              <a:buChar char="-"/>
+            </a:pPr>
+            <a:endParaRPr lang="en-US"/>
+          </a:p>
+          <a:p>
+            <a:pPr>
+              <a:buFontTx/>
+              <a:buChar char="-"/>
+            </a:pPr>
+            <a:r>
+              <a:rPr lang="en-US" smtClean="0"/>
+              <a:t> Thời gian kết thúc dự kiến 13 buổi</a:t>
+            </a:r>
+          </a:p>
+          <a:p>
+            <a:pPr>
+              <a:buFontTx/>
+              <a:buChar char="-"/>
+            </a:pPr>
+            <a:endParaRPr lang="en-US"/>
+          </a:p>
+        </p:txBody>
+      </p:sp>
+      <p:sp>
+        <p:nvSpPr>
+          <p:cNvPr id="3" name="Title 2"/>
           <p:cNvSpPr>
             <a:spLocks noGrp="1"/>
           </p:cNvSpPr>
@@ -791,18 +3240,59 @@
           <a:bodyPr/>
           <a:lstStyle/>
           <a:p>
+            <a:r>
+              <a:rPr lang="en-US" smtClean="0"/>
+              <a:t>Mục Tiêu Môn Học</a:t>
+            </a:r>
             <a:endParaRPr lang="en-US"/>
           </a:p>
         </p:txBody>
       </p:sp>
+    </p:spTree>
+    <p:extLst>
+      <p:ext uri="{BB962C8B-B14F-4D97-AF65-F5344CB8AC3E}">
+        <p14:creationId xmlns:p14="http://schemas.microsoft.com/office/powerpoint/2010/main" val="4246367342"/>
+      </p:ext>
+    </p:extLst>
+  </p:cSld>
+  <p:clrMapOvr>
+    <a:masterClrMapping/>
+  </p:clrMapOvr>
+  <p:timing>
+    <p:tnLst>
+      <p:par>
+        <p:cTn id="1" dur="indefinite" restart="never" nodeType="tmRoot"/>
+      </p:par>
+    </p:tnLst>
+  </p:timing>
+</p:sld>
+</file>
+
+<file path=ppt/slides/slide3.xml><?xml version="1.0" encoding="utf-8"?>
+<p:sld xmlns:a="http://schemas.openxmlformats.org/drawingml/2006/main" xmlns:r="http://schemas.openxmlformats.org/officeDocument/2006/relationships" xmlns:p="http://schemas.openxmlformats.org/presentationml/2006/main">
+  <p:cSld>
+    <p:spTree>
+      <p:nvGrpSpPr>
+        <p:cNvPr id="1" name=""/>
+        <p:cNvGrpSpPr/>
+        <p:nvPr/>
+      </p:nvGrpSpPr>
+      <p:grpSpPr>
+        <a:xfrm>
+          <a:off x="0" y="0"/>
+          <a:ext cx="0" cy="0"/>
+          <a:chOff x="0" y="0"/>
+          <a:chExt cx="0" cy="0"/>
+        </a:xfrm>
+      </p:grpSpPr>
       <p:sp>
         <p:nvSpPr>
-          <p:cNvPr id="3" name="Content Placeholder 2"/>
+          <p:cNvPr id="2" name="Subtitle 1"/>
           <p:cNvSpPr>
             <a:spLocks noGrp="1"/>
           </p:cNvSpPr>
           <p:nvPr>
-            <p:ph idx="1"/>
+            <p:ph type="subTitle" idx="1"/>
           </p:nvPr>
         </p:nvSpPr>
         <p:spPr/>
@@ -810,22 +3300,61 @@
           <a:bodyPr/>
           <a:lstStyle/>
           <a:p>
-            <a:r>
-              <a:rPr lang="en-US" dirty="0" smtClean="0"/>
-              <a:t>HTML</a:t>
-            </a:r>
-            <a:endParaRPr lang="en-US" dirty="0"/>
+            <a:pPr marL="114300" indent="0">
+              <a:buNone/>
+            </a:pPr>
+            <a:r>
+              <a:rPr lang="en-US" smtClean="0"/>
+              <a:t>Phần 1 – Giới thiệu &amp; Cài đặt phần mềm sử dụng</a:t>
+            </a:r>
+          </a:p>
+          <a:p>
+            <a:pPr marL="114300" indent="0">
+              <a:buNone/>
+            </a:pPr>
+            <a:r>
+              <a:rPr lang="en-US" smtClean="0"/>
+              <a:t>Phần 2 – Làm quen với HTML</a:t>
+            </a:r>
+          </a:p>
+          <a:p>
+            <a:pPr marL="114300" indent="0">
+              <a:buNone/>
+            </a:pPr>
+            <a:r>
+              <a:rPr lang="en-US" smtClean="0"/>
+              <a:t>Phần 3 – Làm quen với CSS</a:t>
+            </a:r>
+          </a:p>
+          <a:p>
+            <a:pPr marL="114300" indent="0">
+              <a:buNone/>
+            </a:pPr>
+            <a:r>
+              <a:rPr lang="en-US" smtClean="0"/>
+              <a:t>Phần 4 – Làm quen với Javascript</a:t>
+            </a:r>
+          </a:p>
+          <a:p>
+            <a:pPr marL="114300" indent="0">
+              <a:buNone/>
+            </a:pPr>
+            <a:r>
+              <a:rPr lang="en-US" smtClean="0"/>
+              <a:t>Phần 5 – Tiểu luận</a:t>
+            </a:r>
+            <a:endParaRPr lang="en-US"/>
           </a:p>
         </p:txBody>
       </p:sp>
       <p:sp>
         <p:nvSpPr>
-          <p:cNvPr id="4" name="Content Placeholder 3"/>
+          <p:cNvPr id="3" name="Title 2"/>
           <p:cNvSpPr>
             <a:spLocks noGrp="1"/>
           </p:cNvSpPr>
           <p:nvPr>
-            <p:ph idx="10"/>
+            <p:ph type="title"/>
           </p:nvPr>
         </p:nvSpPr>
         <p:spPr/>
@@ -833,30 +3362,968 @@
           <a:bodyPr/>
           <a:lstStyle/>
           <a:p>
-            <a:r>
-              <a:rPr lang="en-US" dirty="0" smtClean="0"/>
-              <a:t> 1) HTML </a:t>
-            </a:r>
-            <a:r>
-              <a:rPr lang="en-US" dirty="0" err="1" smtClean="0"/>
-              <a:t>là</a:t>
-            </a:r>
-            <a:r>
-              <a:rPr lang="en-US" dirty="0" smtClean="0"/>
-              <a:t> </a:t>
-            </a:r>
-            <a:r>
-              <a:rPr lang="en-US" dirty="0" err="1" smtClean="0"/>
-              <a:t>gì</a:t>
-            </a:r>
-            <a:endParaRPr lang="en-US" dirty="0"/>
+            <a:pPr fontAlgn="base"/>
+            <a:r>
+              <a:rPr lang="en-US" b="0"/>
+              <a:t>NỘI DUNG HỌC</a:t>
+            </a:r>
           </a:p>
         </p:txBody>
       </p:sp>
     </p:spTree>
     <p:extLst>
       <p:ext uri="{BB962C8B-B14F-4D97-AF65-F5344CB8AC3E}">
-        <p14:creationId xmlns:p14="http://schemas.microsoft.com/office/powerpoint/2010/main" val="3966557539"/>
+        <p14:creationId xmlns:p14="http://schemas.microsoft.com/office/powerpoint/2010/main" val="1570671457"/>
+      </p:ext>
+    </p:extLst>
+  </p:cSld>
+  <p:clrMapOvr>
+    <a:masterClrMapping/>
+  </p:clrMapOvr>
+  <p:timing>
+    <p:tnLst>
+      <p:par>
+        <p:cTn id="1" dur="indefinite" restart="never" nodeType="tmRoot"/>
+      </p:par>
+    </p:tnLst>
+  </p:timing>
+</p:sld>
+</file>
+
+<file path=ppt/slides/slide4.xml><?xml version="1.0" encoding="utf-8"?>
+<p:sld xmlns:a="http://schemas.openxmlformats.org/drawingml/2006/main" xmlns:r="http://schemas.openxmlformats.org/officeDocument/2006/relationships" xmlns:p="http://schemas.openxmlformats.org/presentationml/2006/main">
+  <p:cSld>
+    <p:spTree>
+      <p:nvGrpSpPr>
+        <p:cNvPr id="1" name=""/>
+        <p:cNvGrpSpPr/>
+        <p:nvPr/>
+      </p:nvGrpSpPr>
+      <p:grpSpPr>
+        <a:xfrm>
+          <a:off x="0" y="0"/>
+          <a:ext cx="0" cy="0"/>
+          <a:chOff x="0" y="0"/>
+          <a:chExt cx="0" cy="0"/>
+        </a:xfrm>
+      </p:grpSpPr>
+      <p:sp>
+        <p:nvSpPr>
+          <p:cNvPr id="2" name="Subtitle 1"/>
+          <p:cNvSpPr>
+            <a:spLocks noGrp="1"/>
+          </p:cNvSpPr>
+          <p:nvPr>
+            <p:ph type="subTitle" idx="1"/>
+          </p:nvPr>
+        </p:nvSpPr>
+        <p:spPr/>
+        <p:txBody>
+          <a:bodyPr/>
+          <a:lstStyle/>
+          <a:p>
+            <a:r>
+              <a:rPr lang="en-US" smtClean="0">
+                <a:hlinkClick r:id="rId2"/>
+              </a:rPr>
+              <a:t>https://www.w3schools.com/</a:t>
+            </a:r>
+            <a:r>
+              <a:rPr lang="en-US" smtClean="0"/>
+              <a:t> </a:t>
+            </a:r>
+          </a:p>
+          <a:p>
+            <a:r>
+              <a:rPr lang="en-US">
+                <a:hlinkClick r:id="rId3"/>
+              </a:rPr>
+              <a:t>https</a:t>
+            </a:r>
+            <a:r>
+              <a:rPr lang="en-US">
+                <a:hlinkClick r:id="rId3"/>
+              </a:rPr>
+              <a:t>://</a:t>
+            </a:r>
+            <a:r>
+              <a:rPr lang="en-US" smtClean="0">
+                <a:hlinkClick r:id="rId3"/>
+              </a:rPr>
+              <a:t>xuanthulab.net/khai-quat-ve-html.html</a:t>
+            </a:r>
+            <a:endParaRPr lang="en-US" smtClean="0"/>
+          </a:p>
+          <a:p>
+            <a:r>
+              <a:rPr lang="en-US">
+                <a:hlinkClick r:id="rId4"/>
+              </a:rPr>
+              <a:t>https</a:t>
+            </a:r>
+            <a:r>
+              <a:rPr lang="en-US">
+                <a:hlinkClick r:id="rId4"/>
+              </a:rPr>
+              <a:t>://</a:t>
+            </a:r>
+            <a:r>
+              <a:rPr lang="en-US" smtClean="0">
+                <a:hlinkClick r:id="rId4"/>
+              </a:rPr>
+              <a:t>xuanthulab.net/css-la-gi-cach-nhung-ma-css-vao-html.html</a:t>
+            </a:r>
+            <a:endParaRPr lang="en-US" smtClean="0"/>
+          </a:p>
+          <a:p>
+            <a:r>
+              <a:rPr lang="en-US" smtClean="0">
+                <a:hlinkClick r:id="rId5"/>
+              </a:rPr>
+              <a:t>http://hiepsiit.com/detail/html/ngon-ngu-html</a:t>
+            </a:r>
+            <a:endParaRPr lang="en-US">
+              <a:hlinkClick r:id="rId5"/>
+            </a:endParaRPr>
+          </a:p>
+          <a:p>
+            <a:r>
+              <a:rPr lang="en-US" smtClean="0">
+                <a:hlinkClick r:id="rId6"/>
+              </a:rPr>
+              <a:t>http://hiepsiit.com/detail/html/ngonngucss</a:t>
+            </a:r>
+            <a:endParaRPr lang="en-US" smtClean="0"/>
+          </a:p>
+          <a:p>
+            <a:r>
+              <a:rPr lang="en-US" smtClean="0">
+                <a:hlinkClick r:id="rId7"/>
+              </a:rPr>
+              <a:t>https://www.facebook.com/groups/1065116420221723/</a:t>
+            </a:r>
+            <a:endParaRPr lang="en-US" smtClean="0"/>
+          </a:p>
+          <a:p>
+            <a:r>
+              <a:rPr lang="en-US" smtClean="0">
+                <a:hlinkClick r:id="rId8"/>
+              </a:rPr>
+              <a:t>https://www.facebook.com/groups/832920466869765/</a:t>
+            </a:r>
+            <a:endParaRPr lang="en-US"/>
+          </a:p>
+        </p:txBody>
+      </p:sp>
+      <p:sp>
+        <p:nvSpPr>
+          <p:cNvPr id="3" name="Title 2"/>
+          <p:cNvSpPr>
+            <a:spLocks noGrp="1"/>
+          </p:cNvSpPr>
+          <p:nvPr>
+            <p:ph type="title"/>
+          </p:nvPr>
+        </p:nvSpPr>
+        <p:spPr/>
+        <p:txBody>
+          <a:bodyPr/>
+          <a:lstStyle/>
+          <a:p>
+            <a:r>
+              <a:rPr lang="en-US" smtClean="0"/>
+              <a:t>Tài Liệu Tham Khảo</a:t>
+            </a:r>
+            <a:endParaRPr lang="en-US"/>
+          </a:p>
+        </p:txBody>
+      </p:sp>
+    </p:spTree>
+    <p:extLst>
+      <p:ext uri="{BB962C8B-B14F-4D97-AF65-F5344CB8AC3E}">
+        <p14:creationId xmlns:p14="http://schemas.microsoft.com/office/powerpoint/2010/main" val="1953735601"/>
+      </p:ext>
+    </p:extLst>
+  </p:cSld>
+  <p:clrMapOvr>
+    <a:masterClrMapping/>
+  </p:clrMapOvr>
+  <p:timing>
+    <p:tnLst>
+      <p:par>
+        <p:cTn id="1" dur="indefinite" restart="never" nodeType="tmRoot"/>
+      </p:par>
+    </p:tnLst>
+  </p:timing>
+</p:sld>
+</file>
+
+<file path=ppt/slides/slide5.xml><?xml version="1.0" encoding="utf-8"?>
+<p:sld xmlns:a="http://schemas.openxmlformats.org/drawingml/2006/main" xmlns:r="http://schemas.openxmlformats.org/officeDocument/2006/relationships" xmlns:p="http://schemas.openxmlformats.org/presentationml/2006/main">
+  <p:cSld>
+    <p:spTree>
+      <p:nvGrpSpPr>
+        <p:cNvPr id="1" name=""/>
+        <p:cNvGrpSpPr/>
+        <p:nvPr/>
+      </p:nvGrpSpPr>
+      <p:grpSpPr>
+        <a:xfrm>
+          <a:off x="0" y="0"/>
+          <a:ext cx="0" cy="0"/>
+          <a:chOff x="0" y="0"/>
+          <a:chExt cx="0" cy="0"/>
+        </a:xfrm>
+      </p:grpSpPr>
+      <p:sp>
+        <p:nvSpPr>
+          <p:cNvPr id="2" name="Subtitle 1"/>
+          <p:cNvSpPr>
+            <a:spLocks noGrp="1"/>
+          </p:cNvSpPr>
+          <p:nvPr>
+            <p:ph type="subTitle" idx="1"/>
+          </p:nvPr>
+        </p:nvSpPr>
+        <p:spPr/>
+        <p:txBody>
+          <a:bodyPr/>
+          <a:lstStyle/>
+          <a:p>
+            <a:pPr marL="114300" indent="0">
+              <a:buNone/>
+            </a:pPr>
+            <a:r>
+              <a:rPr lang="en-US" smtClean="0"/>
+              <a:t>Trang web là gì?</a:t>
+            </a:r>
+          </a:p>
+          <a:p>
+            <a:pPr marL="114300" indent="0">
+              <a:buNone/>
+            </a:pPr>
+            <a:r>
+              <a:rPr lang="en-US"/>
+              <a:t> </a:t>
+            </a:r>
+            <a:r>
+              <a:rPr lang="en-US" smtClean="0"/>
+              <a:t>   - </a:t>
+            </a:r>
+            <a:r>
+              <a:rPr lang="vi-VN"/>
+              <a:t>Một trang web là một tập tin chứa </a:t>
+            </a:r>
+            <a:r>
+              <a:rPr lang="vi-VN"/>
+              <a:t>thông </a:t>
+            </a:r>
+            <a:r>
+              <a:rPr lang="vi-VN" smtClean="0"/>
+              <a:t>tin</a:t>
+            </a:r>
+            <a:r>
+              <a:rPr lang="en-US" smtClean="0"/>
+              <a:t> (văn bản, hình ảnh, âm thanh, video,…)</a:t>
+            </a:r>
+            <a:r>
+              <a:rPr lang="vi-VN" smtClean="0"/>
+              <a:t> </a:t>
+            </a:r>
+            <a:r>
+              <a:rPr lang="vi-VN"/>
+              <a:t>được hiển thị cho người </a:t>
+            </a:r>
+            <a:r>
+              <a:rPr lang="vi-VN"/>
+              <a:t>sử </a:t>
+            </a:r>
+            <a:r>
+              <a:rPr lang="vi-VN" smtClean="0"/>
+              <a:t>dụng</a:t>
+            </a:r>
+            <a:r>
+              <a:rPr lang="en-US" smtClean="0"/>
+              <a:t> xem và tương tác</a:t>
+            </a:r>
+          </a:p>
+          <a:p>
+            <a:pPr marL="114300" indent="0">
+              <a:buNone/>
+            </a:pPr>
+            <a:endParaRPr lang="en-US"/>
+          </a:p>
+          <a:p>
+            <a:pPr marL="114300" indent="0">
+              <a:buNone/>
+            </a:pPr>
+            <a:r>
+              <a:rPr lang="en-US" smtClean="0"/>
+              <a:t>   - VD: </a:t>
+            </a:r>
+            <a:r>
+              <a:rPr lang="en-US" smtClean="0">
+                <a:hlinkClick r:id="rId2"/>
+              </a:rPr>
+              <a:t>https://www.youtube.com/</a:t>
+            </a:r>
+            <a:r>
+              <a:rPr lang="en-US" smtClean="0"/>
+              <a:t>   </a:t>
+            </a:r>
+          </a:p>
+          <a:p>
+            <a:pPr marL="114300" indent="0">
+              <a:buNone/>
+            </a:pPr>
+            <a:r>
+              <a:rPr lang="en-US"/>
+              <a:t> </a:t>
+            </a:r>
+            <a:r>
+              <a:rPr lang="en-US" smtClean="0"/>
+              <a:t>           </a:t>
+            </a:r>
+            <a:r>
+              <a:rPr lang="en-US" smtClean="0">
+                <a:hlinkClick r:id="rId3"/>
+              </a:rPr>
+              <a:t>https://tuoitre.vn/</a:t>
+            </a:r>
+            <a:endParaRPr lang="en-US" smtClean="0"/>
+          </a:p>
+          <a:p>
+            <a:pPr marL="114300" indent="0">
+              <a:buNone/>
+            </a:pPr>
+            <a:r>
+              <a:rPr lang="en-US"/>
+              <a:t> </a:t>
+            </a:r>
+            <a:r>
+              <a:rPr lang="en-US" smtClean="0"/>
+              <a:t>           </a:t>
+            </a:r>
+            <a:r>
+              <a:rPr lang="en-US" smtClean="0">
+                <a:hlinkClick r:id="rId4"/>
+              </a:rPr>
+              <a:t>https://zalo.me/pc </a:t>
+            </a:r>
+            <a:endParaRPr lang="en-US"/>
+          </a:p>
+        </p:txBody>
+      </p:sp>
+      <p:sp>
+        <p:nvSpPr>
+          <p:cNvPr id="3" name="Title 2"/>
+          <p:cNvSpPr>
+            <a:spLocks noGrp="1"/>
+          </p:cNvSpPr>
+          <p:nvPr>
+            <p:ph type="title"/>
+          </p:nvPr>
+        </p:nvSpPr>
+        <p:spPr/>
+        <p:txBody>
+          <a:bodyPr/>
+          <a:lstStyle/>
+          <a:p>
+            <a:r>
+              <a:rPr lang="en-US" smtClean="0"/>
+              <a:t>Giới Thiệu </a:t>
+            </a:r>
+            <a:endParaRPr lang="en-US"/>
+          </a:p>
+        </p:txBody>
+      </p:sp>
+    </p:spTree>
+    <p:extLst>
+      <p:ext uri="{BB962C8B-B14F-4D97-AF65-F5344CB8AC3E}">
+        <p14:creationId xmlns:p14="http://schemas.microsoft.com/office/powerpoint/2010/main" val="1094652403"/>
+      </p:ext>
+    </p:extLst>
+  </p:cSld>
+  <p:clrMapOvr>
+    <a:masterClrMapping/>
+  </p:clrMapOvr>
+  <p:timing>
+    <p:tnLst>
+      <p:par>
+        <p:cTn id="1" dur="indefinite" restart="never" nodeType="tmRoot"/>
+      </p:par>
+    </p:tnLst>
+  </p:timing>
+</p:sld>
+</file>
+
+<file path=ppt/slides/slide6.xml><?xml version="1.0" encoding="utf-8"?>
+<p:sld xmlns:a="http://schemas.openxmlformats.org/drawingml/2006/main" xmlns:r="http://schemas.openxmlformats.org/officeDocument/2006/relationships" xmlns:p="http://schemas.openxmlformats.org/presentationml/2006/main">
+  <p:cSld>
+    <p:spTree>
+      <p:nvGrpSpPr>
+        <p:cNvPr id="1" name=""/>
+        <p:cNvGrpSpPr/>
+        <p:nvPr/>
+      </p:nvGrpSpPr>
+      <p:grpSpPr>
+        <a:xfrm>
+          <a:off x="0" y="0"/>
+          <a:ext cx="0" cy="0"/>
+          <a:chOff x="0" y="0"/>
+          <a:chExt cx="0" cy="0"/>
+        </a:xfrm>
+      </p:grpSpPr>
+      <p:sp>
+        <p:nvSpPr>
+          <p:cNvPr id="2" name="Subtitle 1"/>
+          <p:cNvSpPr>
+            <a:spLocks noGrp="1"/>
+          </p:cNvSpPr>
+          <p:nvPr>
+            <p:ph type="subTitle" idx="1"/>
+          </p:nvPr>
+        </p:nvSpPr>
+        <p:spPr/>
+        <p:txBody>
+          <a:bodyPr/>
+          <a:lstStyle/>
+          <a:p>
+            <a:endParaRPr lang="en-US"/>
+          </a:p>
+        </p:txBody>
+      </p:sp>
+      <p:sp>
+        <p:nvSpPr>
+          <p:cNvPr id="3" name="Title 2"/>
+          <p:cNvSpPr>
+            <a:spLocks noGrp="1"/>
+          </p:cNvSpPr>
+          <p:nvPr>
+            <p:ph type="title"/>
+          </p:nvPr>
+        </p:nvSpPr>
+        <p:spPr/>
+        <p:txBody>
+          <a:bodyPr/>
+          <a:lstStyle/>
+          <a:p>
+            <a:r>
+              <a:rPr lang="en-US" smtClean="0"/>
+              <a:t>Giới Thiệu</a:t>
+            </a:r>
+            <a:endParaRPr lang="en-US"/>
+          </a:p>
+        </p:txBody>
+      </p:sp>
+      <p:pic>
+        <p:nvPicPr>
+          <p:cNvPr id="4" name="Picture 3"/>
+          <p:cNvPicPr>
+            <a:picLocks noChangeAspect="1"/>
+          </p:cNvPicPr>
+          <p:nvPr/>
+        </p:nvPicPr>
+        <p:blipFill>
+          <a:blip r:embed="rId2">
+            <a:extLst>
+              <a:ext uri="{28A0092B-C50C-407E-A947-70E740481C1C}">
+                <a14:useLocalDpi xmlns:a14="http://schemas.microsoft.com/office/drawing/2010/main" val="0"/>
+              </a:ext>
+            </a:extLst>
+          </a:blip>
+          <a:stretch>
+            <a:fillRect/>
+          </a:stretch>
+        </p:blipFill>
+        <p:spPr>
+          <a:xfrm>
+            <a:off x="119161" y="1315388"/>
+            <a:ext cx="6039268" cy="4806946"/>
+          </a:xfrm>
+          <a:prstGeom prst="rect">
+            <a:avLst/>
+          </a:prstGeom>
+        </p:spPr>
+      </p:pic>
+      <p:pic>
+        <p:nvPicPr>
+          <p:cNvPr id="6" name="Picture 5"/>
+          <p:cNvPicPr>
+            <a:picLocks noChangeAspect="1"/>
+          </p:cNvPicPr>
+          <p:nvPr/>
+        </p:nvPicPr>
+        <p:blipFill>
+          <a:blip r:embed="rId3">
+            <a:extLst>
+              <a:ext uri="{28A0092B-C50C-407E-A947-70E740481C1C}">
+                <a14:useLocalDpi xmlns:a14="http://schemas.microsoft.com/office/drawing/2010/main" val="0"/>
+              </a:ext>
+            </a:extLst>
+          </a:blip>
+          <a:stretch>
+            <a:fillRect/>
+          </a:stretch>
+        </p:blipFill>
+        <p:spPr>
+          <a:xfrm>
+            <a:off x="4457615" y="-182587"/>
+            <a:ext cx="7575917" cy="4955178"/>
+          </a:xfrm>
+          <a:prstGeom prst="rect">
+            <a:avLst/>
+          </a:prstGeom>
+          <a:ln>
+            <a:noFill/>
+          </a:ln>
+          <a:effectLst>
+            <a:softEdge rad="112500"/>
+          </a:effectLst>
+        </p:spPr>
+      </p:pic>
+      <p:pic>
+        <p:nvPicPr>
+          <p:cNvPr id="5" name="Picture 4"/>
+          <p:cNvPicPr>
+            <a:picLocks noChangeAspect="1"/>
+          </p:cNvPicPr>
+          <p:nvPr/>
+        </p:nvPicPr>
+        <p:blipFill>
+          <a:blip r:embed="rId4">
+            <a:extLst>
+              <a:ext uri="{28A0092B-C50C-407E-A947-70E740481C1C}">
+                <a14:useLocalDpi xmlns:a14="http://schemas.microsoft.com/office/drawing/2010/main" val="0"/>
+              </a:ext>
+            </a:extLst>
+          </a:blip>
+          <a:stretch>
+            <a:fillRect/>
+          </a:stretch>
+        </p:blipFill>
+        <p:spPr>
+          <a:xfrm>
+            <a:off x="1971789" y="2085355"/>
+            <a:ext cx="7484252" cy="4772645"/>
+          </a:xfrm>
+          <a:prstGeom prst="rect">
+            <a:avLst/>
+          </a:prstGeom>
+        </p:spPr>
+      </p:pic>
+    </p:spTree>
+    <p:extLst>
+      <p:ext uri="{BB962C8B-B14F-4D97-AF65-F5344CB8AC3E}">
+        <p14:creationId xmlns:p14="http://schemas.microsoft.com/office/powerpoint/2010/main" val="2275412497"/>
+      </p:ext>
+    </p:extLst>
+  </p:cSld>
+  <p:clrMapOvr>
+    <a:masterClrMapping/>
+  </p:clrMapOvr>
+  <p:timing>
+    <p:tnLst>
+      <p:par>
+        <p:cTn id="1" dur="indefinite" restart="never" nodeType="tmRoot"/>
+      </p:par>
+    </p:tnLst>
+  </p:timing>
+</p:sld>
+</file>
+
+<file path=ppt/slides/slide7.xml><?xml version="1.0" encoding="utf-8"?>
+<p:sld xmlns:a="http://schemas.openxmlformats.org/drawingml/2006/main" xmlns:r="http://schemas.openxmlformats.org/officeDocument/2006/relationships" xmlns:p="http://schemas.openxmlformats.org/presentationml/2006/main">
+  <p:cSld>
+    <p:spTree>
+      <p:nvGrpSpPr>
+        <p:cNvPr id="1" name=""/>
+        <p:cNvGrpSpPr/>
+        <p:nvPr/>
+      </p:nvGrpSpPr>
+      <p:grpSpPr>
+        <a:xfrm>
+          <a:off x="0" y="0"/>
+          <a:ext cx="0" cy="0"/>
+          <a:chOff x="0" y="0"/>
+          <a:chExt cx="0" cy="0"/>
+        </a:xfrm>
+      </p:grpSpPr>
+      <p:sp>
+        <p:nvSpPr>
+          <p:cNvPr id="2" name="Subtitle 1"/>
+          <p:cNvSpPr>
+            <a:spLocks noGrp="1"/>
+          </p:cNvSpPr>
+          <p:nvPr>
+            <p:ph type="subTitle" idx="1"/>
+          </p:nvPr>
+        </p:nvSpPr>
+        <p:spPr>
+          <a:xfrm flipH="1">
+            <a:off x="160971" y="2377200"/>
+            <a:ext cx="10272000" cy="4480800"/>
+          </a:xfrm>
+        </p:spPr>
+        <p:txBody>
+          <a:bodyPr/>
+          <a:lstStyle/>
+          <a:p>
+            <a:pPr marL="114300" indent="0">
+              <a:buNone/>
+            </a:pPr>
+            <a:r>
+              <a:rPr lang="en-US" smtClean="0"/>
+              <a:t>    - Visual Studio Code  (</a:t>
+            </a:r>
+            <a:r>
+              <a:rPr lang="en-US" smtClean="0">
+                <a:hlinkClick r:id="rId2"/>
+              </a:rPr>
+              <a:t>https://code.visualstudio.com/</a:t>
+            </a:r>
+            <a:r>
+              <a:rPr lang="en-US" smtClean="0"/>
+              <a:t>)</a:t>
+            </a:r>
+            <a:endParaRPr lang="en-US"/>
+          </a:p>
+        </p:txBody>
+      </p:sp>
+      <p:sp>
+        <p:nvSpPr>
+          <p:cNvPr id="3" name="Title 2"/>
+          <p:cNvSpPr>
+            <a:spLocks noGrp="1"/>
+          </p:cNvSpPr>
+          <p:nvPr>
+            <p:ph type="title"/>
+          </p:nvPr>
+        </p:nvSpPr>
+        <p:spPr/>
+        <p:txBody>
+          <a:bodyPr/>
+          <a:lstStyle/>
+          <a:p>
+            <a:r>
+              <a:rPr lang="en-US" smtClean="0"/>
+              <a:t>Phầm Mềm Sử Dụng </a:t>
+            </a:r>
+            <a:endParaRPr lang="en-US"/>
+          </a:p>
+        </p:txBody>
+      </p:sp>
+      <p:pic>
+        <p:nvPicPr>
+          <p:cNvPr id="4" name="Picture 3"/>
+          <p:cNvPicPr>
+            <a:picLocks noChangeAspect="1"/>
+          </p:cNvPicPr>
+          <p:nvPr/>
+        </p:nvPicPr>
+        <p:blipFill>
+          <a:blip r:embed="rId3"/>
+          <a:stretch>
+            <a:fillRect/>
+          </a:stretch>
+        </p:blipFill>
+        <p:spPr>
+          <a:xfrm>
+            <a:off x="8604173" y="3456577"/>
+            <a:ext cx="2798283" cy="2786623"/>
+          </a:xfrm>
+          <a:prstGeom prst="rect">
+            <a:avLst/>
+          </a:prstGeom>
+        </p:spPr>
+      </p:pic>
+    </p:spTree>
+    <p:extLst>
+      <p:ext uri="{BB962C8B-B14F-4D97-AF65-F5344CB8AC3E}">
+        <p14:creationId xmlns:p14="http://schemas.microsoft.com/office/powerpoint/2010/main" val="1267169417"/>
+      </p:ext>
+    </p:extLst>
+  </p:cSld>
+  <p:clrMapOvr>
+    <a:masterClrMapping/>
+  </p:clrMapOvr>
+  <p:timing>
+    <p:tnLst>
+      <p:par>
+        <p:cTn id="1" dur="indefinite" restart="never" nodeType="tmRoot"/>
+      </p:par>
+    </p:tnLst>
+  </p:timing>
+</p:sld>
+</file>
+
+<file path=ppt/slides/slide8.xml><?xml version="1.0" encoding="utf-8"?>
+<p:sld xmlns:a="http://schemas.openxmlformats.org/drawingml/2006/main" xmlns:r="http://schemas.openxmlformats.org/officeDocument/2006/relationships" xmlns:p="http://schemas.openxmlformats.org/presentationml/2006/main">
+  <p:cSld>
+    <p:spTree>
+      <p:nvGrpSpPr>
+        <p:cNvPr id="1" name=""/>
+        <p:cNvGrpSpPr/>
+        <p:nvPr/>
+      </p:nvGrpSpPr>
+      <p:grpSpPr>
+        <a:xfrm>
+          <a:off x="0" y="0"/>
+          <a:ext cx="0" cy="0"/>
+          <a:chOff x="0" y="0"/>
+          <a:chExt cx="0" cy="0"/>
+        </a:xfrm>
+      </p:grpSpPr>
+      <p:sp>
+        <p:nvSpPr>
+          <p:cNvPr id="2" name="Subtitle 1"/>
+          <p:cNvSpPr>
+            <a:spLocks noGrp="1"/>
+          </p:cNvSpPr>
+          <p:nvPr>
+            <p:ph type="subTitle" idx="1"/>
+          </p:nvPr>
+        </p:nvSpPr>
+        <p:spPr/>
+        <p:txBody>
+          <a:bodyPr/>
+          <a:lstStyle/>
+          <a:p>
+            <a:pPr marL="114300" indent="0">
+              <a:buNone/>
+            </a:pPr>
+            <a:r>
+              <a:rPr lang="en-US"/>
+              <a:t> </a:t>
+            </a:r>
+            <a:r>
+              <a:rPr lang="en-US" smtClean="0"/>
+              <a:t>- Video đính kèm</a:t>
+            </a:r>
+          </a:p>
+          <a:p>
+            <a:pPr marL="114300" indent="0">
+              <a:buNone/>
+            </a:pPr>
+            <a:r>
+              <a:rPr lang="en-US" smtClean="0">
+                <a:hlinkClick r:id="rId2"/>
+              </a:rPr>
+              <a:t>https://drive.google.com/file/d/17mks1km0KrIqpw7I2poIyqBuWuQFMAdS/view?usp=sharing</a:t>
+            </a:r>
+            <a:endParaRPr lang="en-US" smtClean="0"/>
+          </a:p>
+        </p:txBody>
+      </p:sp>
+      <p:sp>
+        <p:nvSpPr>
+          <p:cNvPr id="3" name="Title 2"/>
+          <p:cNvSpPr>
+            <a:spLocks noGrp="1"/>
+          </p:cNvSpPr>
+          <p:nvPr>
+            <p:ph type="title"/>
+          </p:nvPr>
+        </p:nvSpPr>
+        <p:spPr>
+          <a:xfrm>
+            <a:off x="792875" y="474188"/>
+            <a:ext cx="4704541" cy="1682400"/>
+          </a:xfrm>
+        </p:spPr>
+        <p:txBody>
+          <a:bodyPr/>
+          <a:lstStyle/>
+          <a:p>
+            <a:r>
+              <a:rPr lang="en-US" smtClean="0"/>
+              <a:t>Cách Cài Đặt Visual Studio Code</a:t>
+            </a:r>
+            <a:endParaRPr lang="en-US"/>
+          </a:p>
+        </p:txBody>
+      </p:sp>
+    </p:spTree>
+    <p:extLst>
+      <p:ext uri="{BB962C8B-B14F-4D97-AF65-F5344CB8AC3E}">
+        <p14:creationId xmlns:p14="http://schemas.microsoft.com/office/powerpoint/2010/main" val="102180741"/>
+      </p:ext>
+    </p:extLst>
+  </p:cSld>
+  <p:clrMapOvr>
+    <a:masterClrMapping/>
+  </p:clrMapOvr>
+  <p:timing>
+    <p:tnLst>
+      <p:par>
+        <p:cTn id="1" dur="indefinite" restart="never" nodeType="tmRoot"/>
+      </p:par>
+    </p:tnLst>
+  </p:timing>
+</p:sld>
+</file>
+
+<file path=ppt/slides/slide9.xml><?xml version="1.0" encoding="utf-8"?>
+<p:sld xmlns:a="http://schemas.openxmlformats.org/drawingml/2006/main" xmlns:r="http://schemas.openxmlformats.org/officeDocument/2006/relationships" xmlns:p="http://schemas.openxmlformats.org/presentationml/2006/main">
+  <p:cSld>
+    <p:spTree>
+      <p:nvGrpSpPr>
+        <p:cNvPr id="1" name=""/>
+        <p:cNvGrpSpPr/>
+        <p:nvPr/>
+      </p:nvGrpSpPr>
+      <p:grpSpPr>
+        <a:xfrm>
+          <a:off x="0" y="0"/>
+          <a:ext cx="0" cy="0"/>
+          <a:chOff x="0" y="0"/>
+          <a:chExt cx="0" cy="0"/>
+        </a:xfrm>
+      </p:grpSpPr>
+      <p:sp>
+        <p:nvSpPr>
+          <p:cNvPr id="2" name="Subtitle 1"/>
+          <p:cNvSpPr>
+            <a:spLocks noGrp="1"/>
+          </p:cNvSpPr>
+          <p:nvPr>
+            <p:ph type="subTitle" idx="1"/>
+          </p:nvPr>
+        </p:nvSpPr>
+        <p:spPr/>
+        <p:txBody>
+          <a:bodyPr/>
+          <a:lstStyle/>
+          <a:p>
+            <a:endParaRPr lang="en-US"/>
+          </a:p>
+        </p:txBody>
+      </p:sp>
+      <p:sp>
+        <p:nvSpPr>
+          <p:cNvPr id="3" name="Title 2"/>
+          <p:cNvSpPr>
+            <a:spLocks noGrp="1"/>
+          </p:cNvSpPr>
+          <p:nvPr>
+            <p:ph type="title"/>
+          </p:nvPr>
+        </p:nvSpPr>
+        <p:spPr>
+          <a:xfrm>
+            <a:off x="792876" y="474188"/>
+            <a:ext cx="4219800" cy="1682400"/>
+          </a:xfrm>
+        </p:spPr>
+        <p:txBody>
+          <a:bodyPr/>
+          <a:lstStyle/>
+          <a:p>
+            <a:r>
+              <a:rPr lang="en-US"/>
+              <a:t>Làm quen với HTML</a:t>
+            </a:r>
+            <a:br>
+              <a:rPr lang="en-US"/>
+            </a:br>
+            <a:endParaRPr lang="en-US"/>
+          </a:p>
+        </p:txBody>
+      </p:sp>
+      <p:pic>
+        <p:nvPicPr>
+          <p:cNvPr id="4" name="Picture 3"/>
+          <p:cNvPicPr>
+            <a:picLocks noChangeAspect="1"/>
+          </p:cNvPicPr>
+          <p:nvPr/>
+        </p:nvPicPr>
+        <p:blipFill>
+          <a:blip r:embed="rId2">
+            <a:extLst>
+              <a:ext uri="{28A0092B-C50C-407E-A947-70E740481C1C}">
+                <a14:useLocalDpi xmlns:a14="http://schemas.microsoft.com/office/drawing/2010/main" val="0"/>
+              </a:ext>
+            </a:extLst>
+          </a:blip>
+          <a:stretch>
+            <a:fillRect/>
+          </a:stretch>
+        </p:blipFill>
+        <p:spPr>
+          <a:xfrm>
+            <a:off x="-597974" y="1820990"/>
+            <a:ext cx="9752381" cy="3247619"/>
+          </a:xfrm>
+          <a:prstGeom prst="rect">
+            <a:avLst/>
+          </a:prstGeom>
+        </p:spPr>
+      </p:pic>
+      <p:pic>
+        <p:nvPicPr>
+          <p:cNvPr id="5" name="Picture 4"/>
+          <p:cNvPicPr>
+            <a:picLocks noChangeAspect="1"/>
+          </p:cNvPicPr>
+          <p:nvPr/>
+        </p:nvPicPr>
+        <p:blipFill>
+          <a:blip r:embed="rId3">
+            <a:extLst>
+              <a:ext uri="{28A0092B-C50C-407E-A947-70E740481C1C}">
+                <a14:useLocalDpi xmlns:a14="http://schemas.microsoft.com/office/drawing/2010/main" val="0"/>
+              </a:ext>
+            </a:extLst>
+          </a:blip>
+          <a:stretch>
+            <a:fillRect/>
+          </a:stretch>
+        </p:blipFill>
+        <p:spPr>
+          <a:xfrm>
+            <a:off x="4260401" y="243825"/>
+            <a:ext cx="2143125" cy="2143125"/>
+          </a:xfrm>
+          <a:prstGeom prst="rect">
+            <a:avLst/>
+          </a:prstGeom>
+        </p:spPr>
+      </p:pic>
+      <p:pic>
+        <p:nvPicPr>
+          <p:cNvPr id="6" name="Picture 5"/>
+          <p:cNvPicPr>
+            <a:picLocks noChangeAspect="1"/>
+          </p:cNvPicPr>
+          <p:nvPr/>
+        </p:nvPicPr>
+        <p:blipFill>
+          <a:blip r:embed="rId4">
+            <a:extLst>
+              <a:ext uri="{28A0092B-C50C-407E-A947-70E740481C1C}">
+                <a14:useLocalDpi xmlns:a14="http://schemas.microsoft.com/office/drawing/2010/main" val="0"/>
+              </a:ext>
+            </a:extLst>
+          </a:blip>
+          <a:stretch>
+            <a:fillRect/>
+          </a:stretch>
+        </p:blipFill>
+        <p:spPr>
+          <a:xfrm>
+            <a:off x="6403526" y="239062"/>
+            <a:ext cx="7629525" cy="4295775"/>
+          </a:xfrm>
+          <a:prstGeom prst="rect">
+            <a:avLst/>
+          </a:prstGeom>
+        </p:spPr>
+      </p:pic>
+    </p:spTree>
+    <p:extLst>
+      <p:ext uri="{BB962C8B-B14F-4D97-AF65-F5344CB8AC3E}">
+        <p14:creationId xmlns:p14="http://schemas.microsoft.com/office/powerpoint/2010/main" val="3419618628"/>
       </p:ext>
     </p:extLst>
   </p:cSld>
@@ -874,62 +4341,62 @@
 </file>
 
 <file path=ppt/theme/theme1.xml><?xml version="1.0" encoding="utf-8"?>
-<a:theme xmlns:a="http://schemas.openxmlformats.org/drawingml/2006/main" name="Set-of-Abstract-Color-PowerPoint-Templates-Standard">
+<a:theme xmlns:a="http://schemas.openxmlformats.org/drawingml/2006/main" name="Pregnancy Breakthrough by Slidesgo">
   <a:themeElements>
-    <a:clrScheme name="Office">
+    <a:clrScheme name="Simple Light">
       <a:dk1>
-        <a:sysClr val="windowText" lastClr="000000"/>
+        <a:srgbClr val="434343"/>
       </a:dk1>
       <a:lt1>
-        <a:sysClr val="window" lastClr="FFFFFF"/>
+        <a:srgbClr val="F2F2F2"/>
       </a:lt1>
       <a:dk2>
-        <a:srgbClr val="1F497D"/>
+        <a:srgbClr val="595959"/>
       </a:dk2>
       <a:lt2>
-        <a:srgbClr val="EEECE1"/>
+        <a:srgbClr val="EE8C94"/>
       </a:lt2>
       <a:accent1>
-        <a:srgbClr val="4F81BD"/>
+        <a:srgbClr val="F2F2F2"/>
       </a:accent1>
       <a:accent2>
-        <a:srgbClr val="C0504D"/>
+        <a:srgbClr val="EE8C94"/>
       </a:accent2>
       <a:accent3>
-        <a:srgbClr val="9BBB59"/>
+        <a:srgbClr val="AED7E8"/>
       </a:accent3>
       <a:accent4>
-        <a:srgbClr val="8064A2"/>
+        <a:srgbClr val="F2D9CF"/>
       </a:accent4>
       <a:accent5>
-        <a:srgbClr val="4BACC6"/>
+        <a:srgbClr val="EE8C94"/>
       </a:accent5>
       <a:accent6>
-        <a:srgbClr val="F79646"/>
+        <a:srgbClr val="AED7E8"/>
       </a:accent6>
       <a:hlink>
-        <a:srgbClr val="0000FF"/>
+        <a:srgbClr val="434343"/>
       </a:hlink>
       <a:folHlink>
-        <a:srgbClr val="800080"/>
+        <a:srgbClr val="0097A7"/>
       </a:folHlink>
     </a:clrScheme>
-    <a:fontScheme name="Arial">
+    <a:fontScheme name="Office">
       <a:majorFont>
-        <a:latin typeface="Arial" panose="020B0604020202020204"/>
+        <a:latin typeface="Arial"/>
         <a:ea typeface=""/>
         <a:cs typeface=""/>
         <a:font script="Jpan" typeface="ＭＳ Ｐゴシック"/>
-        <a:font script="Hang" typeface="굴림"/>
-        <a:font script="Hans" typeface="黑体"/>
-        <a:font script="Hant" typeface="微軟正黑體"/>
-        <a:font script="Arab" typeface="Arial"/>
-        <a:font script="Hebr" typeface="Arial"/>
-        <a:font script="Thai" typeface="Cordia New"/>
+        <a:font script="Hang" typeface="맑은 고딕"/>
+        <a:font script="Hans" typeface="宋体"/>
+        <a:font script="Hant" typeface="新細明體"/>
+        <a:font script="Arab" typeface="Times New Roman"/>
+        <a:font script="Hebr" typeface="Times New Roman"/>
+        <a:font script="Thai" typeface="Angsana New"/>
         <a:font script="Ethi" typeface="Nyala"/>
         <a:font script="Beng" typeface="Vrinda"/>
         <a:font script="Gujr" typeface="Shruti"/>
-        <a:font script="Khmr" typeface="DaunPenh"/>
+        <a:font script="Khmr" typeface="MoolBoran"/>
         <a:font script="Knda" typeface="Tunga"/>
         <a:font script="Guru" typeface="Raavi"/>
         <a:font script="Cans" typeface="Euphemia"/>
@@ -946,18 +4413,18 @@
         <a:font script="Laoo" typeface="DokChampa"/>
         <a:font script="Sinh" typeface="Iskoola Pota"/>
         <a:font script="Mong" typeface="Mongolian Baiti"/>
-        <a:font script="Viet" typeface="Arial"/>
+        <a:font script="Viet" typeface="Times New Roman"/>
         <a:font script="Uigh" typeface="Microsoft Uighur"/>
         <a:font script="Geor" typeface="Sylfaen"/>
       </a:majorFont>
       <a:minorFont>
-        <a:latin typeface="Arial" panose="020B0604020202020204"/>
+        <a:latin typeface="Arial"/>
         <a:ea typeface=""/>
         <a:cs typeface=""/>
         <a:font script="Jpan" typeface="ＭＳ Ｐゴシック"/>
-        <a:font script="Hang" typeface="굴림"/>
-        <a:font script="Hans" typeface="黑体"/>
-        <a:font script="Hant" typeface="微軟正黑體"/>
+        <a:font script="Hang" typeface="맑은 고딕"/>
+        <a:font script="Hans" typeface="宋体"/>
+        <a:font script="Hant" typeface="新細明體"/>
         <a:font script="Arab" typeface="Arial"/>
         <a:font script="Hebr" typeface="Arial"/>
         <a:font script="Thai" typeface="Cordia New"/>
@@ -1018,20 +4485,16 @@
           <a:gsLst>
             <a:gs pos="0">
               <a:schemeClr val="phClr">
-                <a:shade val="51000"/>
-                <a:satMod val="130000"/>
-              </a:schemeClr>
-            </a:gs>
-            <a:gs pos="80000">
-              <a:schemeClr val="phClr">
-                <a:shade val="93000"/>
+                <a:tint val="100000"/>
+                <a:shade val="100000"/>
                 <a:satMod val="130000"/>
               </a:schemeClr>
             </a:gs>
             <a:gs pos="100000">
               <a:schemeClr val="phClr">
-                <a:shade val="94000"/>
-                <a:satMod val="135000"/>
+                <a:tint val="50000"/>
+                <a:shade val="100000"/>
+                <a:satMod val="350000"/>
               </a:schemeClr>
             </a:gs>
           </a:gsLst>

--- a/LapTrinhWeb.pptx
+++ b/LapTrinhWeb.pptx
@@ -4,6 +4,12 @@
   <p:sldMasterIdLst>
     <p:sldMasterId id="2147483675" r:id="rId1"/>
   </p:sldMasterIdLst>
+  <p:notesMasterIdLst>
+    <p:notesMasterId r:id="rId14"/>
+  </p:notesMasterIdLst>
+  <p:handoutMasterIdLst>
+    <p:handoutMasterId r:id="rId15"/>
+  </p:handoutMasterIdLst>
   <p:sldIdLst>
     <p:sldId id="256" r:id="rId2"/>
     <p:sldId id="257" r:id="rId3"/>
@@ -15,6 +21,8 @@
     <p:sldId id="259" r:id="rId9"/>
     <p:sldId id="263" r:id="rId10"/>
     <p:sldId id="264" r:id="rId11"/>
+    <p:sldId id="266" r:id="rId12"/>
+    <p:sldId id="267" r:id="rId13"/>
   </p:sldIdLst>
   <p:sldSz cx="12192000" cy="6858000"/>
   <p:notesSz cx="6858000" cy="9144000"/>
@@ -132,6 +140,8 @@
           <p14:sldIdLst>
             <p14:sldId id="263"/>
             <p14:sldId id="264"/>
+            <p14:sldId id="266"/>
+            <p14:sldId id="267"/>
           </p14:sldIdLst>
         </p14:section>
       </p14:sectionLst>
@@ -139,8 +149,1040 @@
     <p:ext uri="{EFAFB233-063F-42B5-8137-9DF3F51BA10A}">
       <p15:sldGuideLst xmlns:p15="http://schemas.microsoft.com/office/powerpoint/2012/main"/>
     </p:ext>
+    <p:ext uri="{2D200454-40CA-4A62-9FC3-DE9A4176ACB9}">
+      <p15:notesGuideLst xmlns:p15="http://schemas.microsoft.com/office/powerpoint/2012/main"/>
+    </p:ext>
   </p:extLst>
 </p:presentation>
+</file>
+
+<file path=ppt/handoutMasters/handoutMaster1.xml><?xml version="1.0" encoding="utf-8"?>
+<p:handoutMaster xmlns:a="http://schemas.openxmlformats.org/drawingml/2006/main" xmlns:r="http://schemas.openxmlformats.org/officeDocument/2006/relationships" xmlns:p="http://schemas.openxmlformats.org/presentationml/2006/main">
+  <p:cSld>
+    <p:bg>
+      <p:bgRef idx="1001">
+        <a:schemeClr val="bg1"/>
+      </p:bgRef>
+    </p:bg>
+    <p:spTree>
+      <p:nvGrpSpPr>
+        <p:cNvPr id="1" name=""/>
+        <p:cNvGrpSpPr/>
+        <p:nvPr/>
+      </p:nvGrpSpPr>
+      <p:grpSpPr>
+        <a:xfrm>
+          <a:off x="0" y="0"/>
+          <a:ext cx="0" cy="0"/>
+          <a:chOff x="0" y="0"/>
+          <a:chExt cx="0" cy="0"/>
+        </a:xfrm>
+      </p:grpSpPr>
+      <p:sp>
+        <p:nvSpPr>
+          <p:cNvPr id="2" name="Header Placeholder 1"/>
+          <p:cNvSpPr>
+            <a:spLocks noGrp="1"/>
+          </p:cNvSpPr>
+          <p:nvPr>
+            <p:ph type="hdr" sz="quarter"/>
+          </p:nvPr>
+        </p:nvSpPr>
+        <p:spPr>
+          <a:xfrm>
+            <a:off x="0" y="0"/>
+            <a:ext cx="2971800" cy="458788"/>
+          </a:xfrm>
+          <a:prstGeom prst="rect">
+            <a:avLst/>
+          </a:prstGeom>
+        </p:spPr>
+        <p:txBody>
+          <a:bodyPr vert="horz" lIns="91440" tIns="45720" rIns="91440" bIns="45720" rtlCol="0"/>
+          <a:lstStyle>
+            <a:lvl1pPr algn="l">
+              <a:defRPr sz="1200"/>
+            </a:lvl1pPr>
+          </a:lstStyle>
+          <a:p>
+            <a:endParaRPr lang="en-US"/>
+          </a:p>
+        </p:txBody>
+      </p:sp>
+      <p:sp>
+        <p:nvSpPr>
+          <p:cNvPr id="3" name="Date Placeholder 2"/>
+          <p:cNvSpPr>
+            <a:spLocks noGrp="1"/>
+          </p:cNvSpPr>
+          <p:nvPr>
+            <p:ph type="dt" sz="quarter" idx="1"/>
+          </p:nvPr>
+        </p:nvSpPr>
+        <p:spPr>
+          <a:xfrm>
+            <a:off x="3884613" y="0"/>
+            <a:ext cx="2971800" cy="458788"/>
+          </a:xfrm>
+          <a:prstGeom prst="rect">
+            <a:avLst/>
+          </a:prstGeom>
+        </p:spPr>
+        <p:txBody>
+          <a:bodyPr vert="horz" lIns="91440" tIns="45720" rIns="91440" bIns="45720" rtlCol="0"/>
+          <a:lstStyle>
+            <a:lvl1pPr algn="r">
+              <a:defRPr sz="1200"/>
+            </a:lvl1pPr>
+          </a:lstStyle>
+          <a:p>
+            <a:fld id="{342BB216-3FFC-4E73-8813-D25D27091A24}" type="datetimeFigureOut">
+              <a:rPr lang="en-US" smtClean="0"/>
+              <a:t>4/21/2021</a:t>
+            </a:fld>
+            <a:endParaRPr lang="en-US"/>
+          </a:p>
+        </p:txBody>
+      </p:sp>
+      <p:sp>
+        <p:nvSpPr>
+          <p:cNvPr id="4" name="Footer Placeholder 3"/>
+          <p:cNvSpPr>
+            <a:spLocks noGrp="1"/>
+          </p:cNvSpPr>
+          <p:nvPr>
+            <p:ph type="ftr" sz="quarter" idx="2"/>
+          </p:nvPr>
+        </p:nvSpPr>
+        <p:spPr>
+          <a:xfrm>
+            <a:off x="0" y="8685213"/>
+            <a:ext cx="2971800" cy="458787"/>
+          </a:xfrm>
+          <a:prstGeom prst="rect">
+            <a:avLst/>
+          </a:prstGeom>
+        </p:spPr>
+        <p:txBody>
+          <a:bodyPr vert="horz" lIns="91440" tIns="45720" rIns="91440" bIns="45720" rtlCol="0" anchor="b"/>
+          <a:lstStyle>
+            <a:lvl1pPr algn="l">
+              <a:defRPr sz="1200"/>
+            </a:lvl1pPr>
+          </a:lstStyle>
+          <a:p>
+            <a:r>
+              <a:rPr lang="en-US" smtClean="0"/>
+              <a:t>Siêu văn bản là văn bản có hình ảnh, âm thanh, video</a:t>
+            </a:r>
+            <a:endParaRPr lang="en-US"/>
+          </a:p>
+        </p:txBody>
+      </p:sp>
+      <p:sp>
+        <p:nvSpPr>
+          <p:cNvPr id="5" name="Slide Number Placeholder 4"/>
+          <p:cNvSpPr>
+            <a:spLocks noGrp="1"/>
+          </p:cNvSpPr>
+          <p:nvPr>
+            <p:ph type="sldNum" sz="quarter" idx="3"/>
+          </p:nvPr>
+        </p:nvSpPr>
+        <p:spPr>
+          <a:xfrm>
+            <a:off x="3884613" y="8685213"/>
+            <a:ext cx="2971800" cy="458787"/>
+          </a:xfrm>
+          <a:prstGeom prst="rect">
+            <a:avLst/>
+          </a:prstGeom>
+        </p:spPr>
+        <p:txBody>
+          <a:bodyPr vert="horz" lIns="91440" tIns="45720" rIns="91440" bIns="45720" rtlCol="0" anchor="b"/>
+          <a:lstStyle>
+            <a:lvl1pPr algn="r">
+              <a:defRPr sz="1200"/>
+            </a:lvl1pPr>
+          </a:lstStyle>
+          <a:p>
+            <a:fld id="{52F9ACBD-A1A3-43DB-A149-0AF89A30FB48}" type="slidenum">
+              <a:rPr lang="en-US" smtClean="0"/>
+              <a:t>‹#›</a:t>
+            </a:fld>
+            <a:endParaRPr lang="en-US"/>
+          </a:p>
+        </p:txBody>
+      </p:sp>
+    </p:spTree>
+    <p:extLst>
+      <p:ext uri="{BB962C8B-B14F-4D97-AF65-F5344CB8AC3E}">
+        <p14:creationId xmlns:p14="http://schemas.microsoft.com/office/powerpoint/2010/main" val="4101272247"/>
+      </p:ext>
+    </p:extLst>
+  </p:cSld>
+  <p:clrMap bg1="lt1" tx1="dk1" bg2="lt2" tx2="dk2" accent1="accent1" accent2="accent2" accent3="accent3" accent4="accent4" accent5="accent5" accent6="accent6" hlink="hlink" folHlink="folHlink"/>
+  <p:hf sldNum="0" hdr="0" dt="0"/>
+</p:handoutMaster>
+</file>
+
+<file path=ppt/notesMasters/notesMaster1.xml><?xml version="1.0" encoding="utf-8"?>
+<p:notesMaster xmlns:a="http://schemas.openxmlformats.org/drawingml/2006/main" xmlns:r="http://schemas.openxmlformats.org/officeDocument/2006/relationships" xmlns:p="http://schemas.openxmlformats.org/presentationml/2006/main">
+  <p:cSld>
+    <p:bg>
+      <p:bgRef idx="1001">
+        <a:schemeClr val="bg1"/>
+      </p:bgRef>
+    </p:bg>
+    <p:spTree>
+      <p:nvGrpSpPr>
+        <p:cNvPr id="1" name=""/>
+        <p:cNvGrpSpPr/>
+        <p:nvPr/>
+      </p:nvGrpSpPr>
+      <p:grpSpPr>
+        <a:xfrm>
+          <a:off x="0" y="0"/>
+          <a:ext cx="0" cy="0"/>
+          <a:chOff x="0" y="0"/>
+          <a:chExt cx="0" cy="0"/>
+        </a:xfrm>
+      </p:grpSpPr>
+      <p:sp>
+        <p:nvSpPr>
+          <p:cNvPr id="2" name="Header Placeholder 1"/>
+          <p:cNvSpPr>
+            <a:spLocks noGrp="1"/>
+          </p:cNvSpPr>
+          <p:nvPr>
+            <p:ph type="hdr" sz="quarter"/>
+          </p:nvPr>
+        </p:nvSpPr>
+        <p:spPr>
+          <a:xfrm>
+            <a:off x="0" y="0"/>
+            <a:ext cx="2971800" cy="458788"/>
+          </a:xfrm>
+          <a:prstGeom prst="rect">
+            <a:avLst/>
+          </a:prstGeom>
+        </p:spPr>
+        <p:txBody>
+          <a:bodyPr vert="horz" lIns="91440" tIns="45720" rIns="91440" bIns="45720" rtlCol="0"/>
+          <a:lstStyle>
+            <a:lvl1pPr algn="l">
+              <a:defRPr sz="1200"/>
+            </a:lvl1pPr>
+          </a:lstStyle>
+          <a:p>
+            <a:endParaRPr lang="en-US"/>
+          </a:p>
+        </p:txBody>
+      </p:sp>
+      <p:sp>
+        <p:nvSpPr>
+          <p:cNvPr id="3" name="Date Placeholder 2"/>
+          <p:cNvSpPr>
+            <a:spLocks noGrp="1"/>
+          </p:cNvSpPr>
+          <p:nvPr>
+            <p:ph type="dt" idx="1"/>
+          </p:nvPr>
+        </p:nvSpPr>
+        <p:spPr>
+          <a:xfrm>
+            <a:off x="3884613" y="0"/>
+            <a:ext cx="2971800" cy="458788"/>
+          </a:xfrm>
+          <a:prstGeom prst="rect">
+            <a:avLst/>
+          </a:prstGeom>
+        </p:spPr>
+        <p:txBody>
+          <a:bodyPr vert="horz" lIns="91440" tIns="45720" rIns="91440" bIns="45720" rtlCol="0"/>
+          <a:lstStyle>
+            <a:lvl1pPr algn="r">
+              <a:defRPr sz="1200"/>
+            </a:lvl1pPr>
+          </a:lstStyle>
+          <a:p>
+            <a:fld id="{689F31DE-B09B-4AB3-B94D-B44E3319C584}" type="datetimeFigureOut">
+              <a:rPr lang="en-US" smtClean="0"/>
+              <a:t>4/21/2021</a:t>
+            </a:fld>
+            <a:endParaRPr lang="en-US"/>
+          </a:p>
+        </p:txBody>
+      </p:sp>
+      <p:sp>
+        <p:nvSpPr>
+          <p:cNvPr id="4" name="Slide Image Placeholder 3"/>
+          <p:cNvSpPr>
+            <a:spLocks noGrp="1" noRot="1" noChangeAspect="1"/>
+          </p:cNvSpPr>
+          <p:nvPr>
+            <p:ph type="sldImg" idx="2"/>
+          </p:nvPr>
+        </p:nvSpPr>
+        <p:spPr>
+          <a:xfrm>
+            <a:off x="685800" y="1143000"/>
+            <a:ext cx="5486400" cy="3086100"/>
+          </a:xfrm>
+          <a:prstGeom prst="rect">
+            <a:avLst/>
+          </a:prstGeom>
+          <a:noFill/>
+          <a:ln w="12700">
+            <a:solidFill>
+              <a:prstClr val="black"/>
+            </a:solidFill>
+          </a:ln>
+        </p:spPr>
+        <p:txBody>
+          <a:bodyPr vert="horz" lIns="91440" tIns="45720" rIns="91440" bIns="45720" rtlCol="0" anchor="ctr"/>
+          <a:lstStyle/>
+          <a:p>
+            <a:endParaRPr lang="en-US"/>
+          </a:p>
+        </p:txBody>
+      </p:sp>
+      <p:sp>
+        <p:nvSpPr>
+          <p:cNvPr id="5" name="Notes Placeholder 4"/>
+          <p:cNvSpPr>
+            <a:spLocks noGrp="1"/>
+          </p:cNvSpPr>
+          <p:nvPr>
+            <p:ph type="body" sz="quarter" idx="3"/>
+          </p:nvPr>
+        </p:nvSpPr>
+        <p:spPr>
+          <a:xfrm>
+            <a:off x="685800" y="4400550"/>
+            <a:ext cx="5486400" cy="3600450"/>
+          </a:xfrm>
+          <a:prstGeom prst="rect">
+            <a:avLst/>
+          </a:prstGeom>
+        </p:spPr>
+        <p:txBody>
+          <a:bodyPr vert="horz" lIns="91440" tIns="45720" rIns="91440" bIns="45720" rtlCol="0"/>
+          <a:lstStyle/>
+          <a:p>
+            <a:pPr lvl="0"/>
+            <a:r>
+              <a:rPr lang="en-US" smtClean="0"/>
+              <a:t>Edit Master text styles</a:t>
+            </a:r>
+          </a:p>
+          <a:p>
+            <a:pPr lvl="1"/>
+            <a:r>
+              <a:rPr lang="en-US" smtClean="0"/>
+              <a:t>Second level</a:t>
+            </a:r>
+          </a:p>
+          <a:p>
+            <a:pPr lvl="2"/>
+            <a:r>
+              <a:rPr lang="en-US" smtClean="0"/>
+              <a:t>Third level</a:t>
+            </a:r>
+          </a:p>
+          <a:p>
+            <a:pPr lvl="3"/>
+            <a:r>
+              <a:rPr lang="en-US" smtClean="0"/>
+              <a:t>Fourth level</a:t>
+            </a:r>
+          </a:p>
+          <a:p>
+            <a:pPr lvl="4"/>
+            <a:r>
+              <a:rPr lang="en-US" smtClean="0"/>
+              <a:t>Fifth level</a:t>
+            </a:r>
+            <a:endParaRPr lang="en-US"/>
+          </a:p>
+        </p:txBody>
+      </p:sp>
+      <p:sp>
+        <p:nvSpPr>
+          <p:cNvPr id="6" name="Footer Placeholder 5"/>
+          <p:cNvSpPr>
+            <a:spLocks noGrp="1"/>
+          </p:cNvSpPr>
+          <p:nvPr>
+            <p:ph type="ftr" sz="quarter" idx="4"/>
+          </p:nvPr>
+        </p:nvSpPr>
+        <p:spPr>
+          <a:xfrm>
+            <a:off x="0" y="8685213"/>
+            <a:ext cx="2971800" cy="458787"/>
+          </a:xfrm>
+          <a:prstGeom prst="rect">
+            <a:avLst/>
+          </a:prstGeom>
+        </p:spPr>
+        <p:txBody>
+          <a:bodyPr vert="horz" lIns="91440" tIns="45720" rIns="91440" bIns="45720" rtlCol="0" anchor="b"/>
+          <a:lstStyle>
+            <a:lvl1pPr algn="l">
+              <a:defRPr sz="1200"/>
+            </a:lvl1pPr>
+          </a:lstStyle>
+          <a:p>
+            <a:r>
+              <a:rPr lang="en-US" smtClean="0"/>
+              <a:t>Siêu văn bản là văn bản có hình ảnh, âm thanh, video</a:t>
+            </a:r>
+            <a:endParaRPr lang="en-US"/>
+          </a:p>
+        </p:txBody>
+      </p:sp>
+      <p:sp>
+        <p:nvSpPr>
+          <p:cNvPr id="7" name="Slide Number Placeholder 6"/>
+          <p:cNvSpPr>
+            <a:spLocks noGrp="1"/>
+          </p:cNvSpPr>
+          <p:nvPr>
+            <p:ph type="sldNum" sz="quarter" idx="5"/>
+          </p:nvPr>
+        </p:nvSpPr>
+        <p:spPr>
+          <a:xfrm>
+            <a:off x="3884613" y="8685213"/>
+            <a:ext cx="2971800" cy="458787"/>
+          </a:xfrm>
+          <a:prstGeom prst="rect">
+            <a:avLst/>
+          </a:prstGeom>
+        </p:spPr>
+        <p:txBody>
+          <a:bodyPr vert="horz" lIns="91440" tIns="45720" rIns="91440" bIns="45720" rtlCol="0" anchor="b"/>
+          <a:lstStyle>
+            <a:lvl1pPr algn="r">
+              <a:defRPr sz="1200"/>
+            </a:lvl1pPr>
+          </a:lstStyle>
+          <a:p>
+            <a:fld id="{4544A87C-6292-4F97-98F6-2B78E35F3553}" type="slidenum">
+              <a:rPr lang="en-US" smtClean="0"/>
+              <a:t>‹#›</a:t>
+            </a:fld>
+            <a:endParaRPr lang="en-US"/>
+          </a:p>
+        </p:txBody>
+      </p:sp>
+    </p:spTree>
+    <p:extLst>
+      <p:ext uri="{BB962C8B-B14F-4D97-AF65-F5344CB8AC3E}">
+        <p14:creationId xmlns:p14="http://schemas.microsoft.com/office/powerpoint/2010/main" val="708375198"/>
+      </p:ext>
+    </p:extLst>
+  </p:cSld>
+  <p:clrMap bg1="lt1" tx1="dk1" bg2="lt2" tx2="dk2" accent1="accent1" accent2="accent2" accent3="accent3" accent4="accent4" accent5="accent5" accent6="accent6" hlink="hlink" folHlink="folHlink"/>
+  <p:hf sldNum="0" hdr="0" dt="0"/>
+  <p:notesStyle>
+    <a:lvl1pPr marL="0" algn="l" defTabSz="914400" rtl="0" eaLnBrk="1" latinLnBrk="0" hangingPunct="1">
+      <a:defRPr sz="1200" kern="1200">
+        <a:solidFill>
+          <a:schemeClr val="tx1"/>
+        </a:solidFill>
+        <a:latin typeface="+mn-lt"/>
+        <a:ea typeface="+mn-ea"/>
+        <a:cs typeface="+mn-cs"/>
+      </a:defRPr>
+    </a:lvl1pPr>
+    <a:lvl2pPr marL="457200" algn="l" defTabSz="914400" rtl="0" eaLnBrk="1" latinLnBrk="0" hangingPunct="1">
+      <a:defRPr sz="1200" kern="1200">
+        <a:solidFill>
+          <a:schemeClr val="tx1"/>
+        </a:solidFill>
+        <a:latin typeface="+mn-lt"/>
+        <a:ea typeface="+mn-ea"/>
+        <a:cs typeface="+mn-cs"/>
+      </a:defRPr>
+    </a:lvl2pPr>
+    <a:lvl3pPr marL="914400" algn="l" defTabSz="914400" rtl="0" eaLnBrk="1" latinLnBrk="0" hangingPunct="1">
+      <a:defRPr sz="1200" kern="1200">
+        <a:solidFill>
+          <a:schemeClr val="tx1"/>
+        </a:solidFill>
+        <a:latin typeface="+mn-lt"/>
+        <a:ea typeface="+mn-ea"/>
+        <a:cs typeface="+mn-cs"/>
+      </a:defRPr>
+    </a:lvl3pPr>
+    <a:lvl4pPr marL="1371600" algn="l" defTabSz="914400" rtl="0" eaLnBrk="1" latinLnBrk="0" hangingPunct="1">
+      <a:defRPr sz="1200" kern="1200">
+        <a:solidFill>
+          <a:schemeClr val="tx1"/>
+        </a:solidFill>
+        <a:latin typeface="+mn-lt"/>
+        <a:ea typeface="+mn-ea"/>
+        <a:cs typeface="+mn-cs"/>
+      </a:defRPr>
+    </a:lvl4pPr>
+    <a:lvl5pPr marL="1828800" algn="l" defTabSz="914400" rtl="0" eaLnBrk="1" latinLnBrk="0" hangingPunct="1">
+      <a:defRPr sz="1200" kern="1200">
+        <a:solidFill>
+          <a:schemeClr val="tx1"/>
+        </a:solidFill>
+        <a:latin typeface="+mn-lt"/>
+        <a:ea typeface="+mn-ea"/>
+        <a:cs typeface="+mn-cs"/>
+      </a:defRPr>
+    </a:lvl5pPr>
+    <a:lvl6pPr marL="2286000" algn="l" defTabSz="914400" rtl="0" eaLnBrk="1" latinLnBrk="0" hangingPunct="1">
+      <a:defRPr sz="1200" kern="1200">
+        <a:solidFill>
+          <a:schemeClr val="tx1"/>
+        </a:solidFill>
+        <a:latin typeface="+mn-lt"/>
+        <a:ea typeface="+mn-ea"/>
+        <a:cs typeface="+mn-cs"/>
+      </a:defRPr>
+    </a:lvl6pPr>
+    <a:lvl7pPr marL="2743200" algn="l" defTabSz="914400" rtl="0" eaLnBrk="1" latinLnBrk="0" hangingPunct="1">
+      <a:defRPr sz="1200" kern="1200">
+        <a:solidFill>
+          <a:schemeClr val="tx1"/>
+        </a:solidFill>
+        <a:latin typeface="+mn-lt"/>
+        <a:ea typeface="+mn-ea"/>
+        <a:cs typeface="+mn-cs"/>
+      </a:defRPr>
+    </a:lvl7pPr>
+    <a:lvl8pPr marL="3200400" algn="l" defTabSz="914400" rtl="0" eaLnBrk="1" latinLnBrk="0" hangingPunct="1">
+      <a:defRPr sz="1200" kern="1200">
+        <a:solidFill>
+          <a:schemeClr val="tx1"/>
+        </a:solidFill>
+        <a:latin typeface="+mn-lt"/>
+        <a:ea typeface="+mn-ea"/>
+        <a:cs typeface="+mn-cs"/>
+      </a:defRPr>
+    </a:lvl8pPr>
+    <a:lvl9pPr marL="3657600" algn="l" defTabSz="914400" rtl="0" eaLnBrk="1" latinLnBrk="0" hangingPunct="1">
+      <a:defRPr sz="1200" kern="1200">
+        <a:solidFill>
+          <a:schemeClr val="tx1"/>
+        </a:solidFill>
+        <a:latin typeface="+mn-lt"/>
+        <a:ea typeface="+mn-ea"/>
+        <a:cs typeface="+mn-cs"/>
+      </a:defRPr>
+    </a:lvl9pPr>
+  </p:notesStyle>
+</p:notesMaster>
+</file>
+
+<file path=ppt/notesSlides/notesSlide1.xml><?xml version="1.0" encoding="utf-8"?>
+<p:notes xmlns:a="http://schemas.openxmlformats.org/drawingml/2006/main" xmlns:r="http://schemas.openxmlformats.org/officeDocument/2006/relationships" xmlns:p="http://schemas.openxmlformats.org/presentationml/2006/main">
+  <p:cSld>
+    <p:spTree>
+      <p:nvGrpSpPr>
+        <p:cNvPr id="1" name=""/>
+        <p:cNvGrpSpPr/>
+        <p:nvPr/>
+      </p:nvGrpSpPr>
+      <p:grpSpPr>
+        <a:xfrm>
+          <a:off x="0" y="0"/>
+          <a:ext cx="0" cy="0"/>
+          <a:chOff x="0" y="0"/>
+          <a:chExt cx="0" cy="0"/>
+        </a:xfrm>
+      </p:grpSpPr>
+      <p:sp>
+        <p:nvSpPr>
+          <p:cNvPr id="2" name="Slide Image Placeholder 1"/>
+          <p:cNvSpPr>
+            <a:spLocks noGrp="1" noRot="1" noChangeAspect="1"/>
+          </p:cNvSpPr>
+          <p:nvPr>
+            <p:ph type="sldImg"/>
+          </p:nvPr>
+        </p:nvSpPr>
+        <p:spPr/>
+      </p:sp>
+      <p:sp>
+        <p:nvSpPr>
+          <p:cNvPr id="3" name="Notes Placeholder 2"/>
+          <p:cNvSpPr>
+            <a:spLocks noGrp="1"/>
+          </p:cNvSpPr>
+          <p:nvPr>
+            <p:ph type="body" idx="1"/>
+          </p:nvPr>
+        </p:nvSpPr>
+        <p:spPr/>
+        <p:txBody>
+          <a:bodyPr/>
+          <a:lstStyle/>
+          <a:p>
+            <a:endParaRPr lang="en-US"/>
+          </a:p>
+        </p:txBody>
+      </p:sp>
+      <p:sp>
+        <p:nvSpPr>
+          <p:cNvPr id="5" name="Footer Placeholder 4"/>
+          <p:cNvSpPr>
+            <a:spLocks noGrp="1"/>
+          </p:cNvSpPr>
+          <p:nvPr>
+            <p:ph type="ftr" sz="quarter" idx="11"/>
+          </p:nvPr>
+        </p:nvSpPr>
+        <p:spPr/>
+        <p:txBody>
+          <a:bodyPr/>
+          <a:lstStyle/>
+          <a:p>
+            <a:r>
+              <a:rPr lang="en-US" smtClean="0"/>
+              <a:t>Siêu văn bản là văn bản có hình ảnh, âm thanh, video</a:t>
+            </a:r>
+            <a:endParaRPr lang="en-US"/>
+          </a:p>
+        </p:txBody>
+      </p:sp>
+    </p:spTree>
+    <p:extLst>
+      <p:ext uri="{BB962C8B-B14F-4D97-AF65-F5344CB8AC3E}">
+        <p14:creationId xmlns:p14="http://schemas.microsoft.com/office/powerpoint/2010/main" val="2983719423"/>
+      </p:ext>
+    </p:extLst>
+  </p:cSld>
+  <p:clrMapOvr>
+    <a:masterClrMapping/>
+  </p:clrMapOvr>
+</p:notes>
+</file>
+
+<file path=ppt/notesSlides/notesSlide2.xml><?xml version="1.0" encoding="utf-8"?>
+<p:notes xmlns:a="http://schemas.openxmlformats.org/drawingml/2006/main" xmlns:r="http://schemas.openxmlformats.org/officeDocument/2006/relationships" xmlns:p="http://schemas.openxmlformats.org/presentationml/2006/main">
+  <p:cSld>
+    <p:spTree>
+      <p:nvGrpSpPr>
+        <p:cNvPr id="1" name=""/>
+        <p:cNvGrpSpPr/>
+        <p:nvPr/>
+      </p:nvGrpSpPr>
+      <p:grpSpPr>
+        <a:xfrm>
+          <a:off x="0" y="0"/>
+          <a:ext cx="0" cy="0"/>
+          <a:chOff x="0" y="0"/>
+          <a:chExt cx="0" cy="0"/>
+        </a:xfrm>
+      </p:grpSpPr>
+      <p:sp>
+        <p:nvSpPr>
+          <p:cNvPr id="2" name="Slide Image Placeholder 1"/>
+          <p:cNvSpPr>
+            <a:spLocks noGrp="1" noRot="1" noChangeAspect="1"/>
+          </p:cNvSpPr>
+          <p:nvPr>
+            <p:ph type="sldImg"/>
+          </p:nvPr>
+        </p:nvSpPr>
+        <p:spPr/>
+      </p:sp>
+      <p:sp>
+        <p:nvSpPr>
+          <p:cNvPr id="3" name="Notes Placeholder 2"/>
+          <p:cNvSpPr>
+            <a:spLocks noGrp="1"/>
+          </p:cNvSpPr>
+          <p:nvPr>
+            <p:ph type="body" idx="1"/>
+          </p:nvPr>
+        </p:nvSpPr>
+        <p:spPr/>
+        <p:txBody>
+          <a:bodyPr/>
+          <a:lstStyle/>
+          <a:p>
+            <a:endParaRPr lang="en-US"/>
+          </a:p>
+        </p:txBody>
+      </p:sp>
+      <p:sp>
+        <p:nvSpPr>
+          <p:cNvPr id="5" name="Footer Placeholder 4"/>
+          <p:cNvSpPr>
+            <a:spLocks noGrp="1"/>
+          </p:cNvSpPr>
+          <p:nvPr>
+            <p:ph type="ftr" sz="quarter" idx="11"/>
+          </p:nvPr>
+        </p:nvSpPr>
+        <p:spPr/>
+        <p:txBody>
+          <a:bodyPr/>
+          <a:lstStyle/>
+          <a:p>
+            <a:r>
+              <a:rPr lang="en-US" smtClean="0"/>
+              <a:t>Siêu văn bản là văn bản có hình ảnh, âm thanh, video</a:t>
+            </a:r>
+            <a:endParaRPr lang="en-US"/>
+          </a:p>
+        </p:txBody>
+      </p:sp>
+    </p:spTree>
+    <p:extLst>
+      <p:ext uri="{BB962C8B-B14F-4D97-AF65-F5344CB8AC3E}">
+        <p14:creationId xmlns:p14="http://schemas.microsoft.com/office/powerpoint/2010/main" val="1520475484"/>
+      </p:ext>
+    </p:extLst>
+  </p:cSld>
+  <p:clrMapOvr>
+    <a:masterClrMapping/>
+  </p:clrMapOvr>
+</p:notes>
+</file>
+
+<file path=ppt/notesSlides/notesSlide3.xml><?xml version="1.0" encoding="utf-8"?>
+<p:notes xmlns:a="http://schemas.openxmlformats.org/drawingml/2006/main" xmlns:r="http://schemas.openxmlformats.org/officeDocument/2006/relationships" xmlns:p="http://schemas.openxmlformats.org/presentationml/2006/main">
+  <p:cSld>
+    <p:spTree>
+      <p:nvGrpSpPr>
+        <p:cNvPr id="1" name=""/>
+        <p:cNvGrpSpPr/>
+        <p:nvPr/>
+      </p:nvGrpSpPr>
+      <p:grpSpPr>
+        <a:xfrm>
+          <a:off x="0" y="0"/>
+          <a:ext cx="0" cy="0"/>
+          <a:chOff x="0" y="0"/>
+          <a:chExt cx="0" cy="0"/>
+        </a:xfrm>
+      </p:grpSpPr>
+      <p:sp>
+        <p:nvSpPr>
+          <p:cNvPr id="2" name="Slide Image Placeholder 1"/>
+          <p:cNvSpPr>
+            <a:spLocks noGrp="1" noRot="1" noChangeAspect="1"/>
+          </p:cNvSpPr>
+          <p:nvPr>
+            <p:ph type="sldImg"/>
+          </p:nvPr>
+        </p:nvSpPr>
+        <p:spPr/>
+      </p:sp>
+      <p:sp>
+        <p:nvSpPr>
+          <p:cNvPr id="3" name="Notes Placeholder 2"/>
+          <p:cNvSpPr>
+            <a:spLocks noGrp="1"/>
+          </p:cNvSpPr>
+          <p:nvPr>
+            <p:ph type="body" idx="1"/>
+          </p:nvPr>
+        </p:nvSpPr>
+        <p:spPr/>
+        <p:txBody>
+          <a:bodyPr/>
+          <a:lstStyle/>
+          <a:p>
+            <a:endParaRPr lang="en-US"/>
+          </a:p>
+        </p:txBody>
+      </p:sp>
+      <p:sp>
+        <p:nvSpPr>
+          <p:cNvPr id="5" name="Footer Placeholder 4"/>
+          <p:cNvSpPr>
+            <a:spLocks noGrp="1"/>
+          </p:cNvSpPr>
+          <p:nvPr>
+            <p:ph type="ftr" sz="quarter" idx="11"/>
+          </p:nvPr>
+        </p:nvSpPr>
+        <p:spPr/>
+        <p:txBody>
+          <a:bodyPr/>
+          <a:lstStyle/>
+          <a:p>
+            <a:r>
+              <a:rPr lang="en-US" smtClean="0"/>
+              <a:t>Siêu văn bản là văn bản có hình ảnh, âm thanh, video</a:t>
+            </a:r>
+            <a:endParaRPr lang="en-US"/>
+          </a:p>
+        </p:txBody>
+      </p:sp>
+    </p:spTree>
+    <p:extLst>
+      <p:ext uri="{BB962C8B-B14F-4D97-AF65-F5344CB8AC3E}">
+        <p14:creationId xmlns:p14="http://schemas.microsoft.com/office/powerpoint/2010/main" val="325856371"/>
+      </p:ext>
+    </p:extLst>
+  </p:cSld>
+  <p:clrMapOvr>
+    <a:masterClrMapping/>
+  </p:clrMapOvr>
+</p:notes>
+</file>
+
+<file path=ppt/notesSlides/notesSlide4.xml><?xml version="1.0" encoding="utf-8"?>
+<p:notes xmlns:a="http://schemas.openxmlformats.org/drawingml/2006/main" xmlns:r="http://schemas.openxmlformats.org/officeDocument/2006/relationships" xmlns:p="http://schemas.openxmlformats.org/presentationml/2006/main">
+  <p:cSld>
+    <p:spTree>
+      <p:nvGrpSpPr>
+        <p:cNvPr id="1" name=""/>
+        <p:cNvGrpSpPr/>
+        <p:nvPr/>
+      </p:nvGrpSpPr>
+      <p:grpSpPr>
+        <a:xfrm>
+          <a:off x="0" y="0"/>
+          <a:ext cx="0" cy="0"/>
+          <a:chOff x="0" y="0"/>
+          <a:chExt cx="0" cy="0"/>
+        </a:xfrm>
+      </p:grpSpPr>
+      <p:sp>
+        <p:nvSpPr>
+          <p:cNvPr id="2" name="Slide Image Placeholder 1"/>
+          <p:cNvSpPr>
+            <a:spLocks noGrp="1" noRot="1" noChangeAspect="1"/>
+          </p:cNvSpPr>
+          <p:nvPr>
+            <p:ph type="sldImg"/>
+          </p:nvPr>
+        </p:nvSpPr>
+        <p:spPr/>
+      </p:sp>
+      <p:sp>
+        <p:nvSpPr>
+          <p:cNvPr id="3" name="Notes Placeholder 2"/>
+          <p:cNvSpPr>
+            <a:spLocks noGrp="1"/>
+          </p:cNvSpPr>
+          <p:nvPr>
+            <p:ph type="body" idx="1"/>
+          </p:nvPr>
+        </p:nvSpPr>
+        <p:spPr/>
+        <p:txBody>
+          <a:bodyPr/>
+          <a:lstStyle/>
+          <a:p>
+            <a:endParaRPr lang="en-US"/>
+          </a:p>
+        </p:txBody>
+      </p:sp>
+      <p:sp>
+        <p:nvSpPr>
+          <p:cNvPr id="5" name="Footer Placeholder 4"/>
+          <p:cNvSpPr>
+            <a:spLocks noGrp="1"/>
+          </p:cNvSpPr>
+          <p:nvPr>
+            <p:ph type="ftr" sz="quarter" idx="11"/>
+          </p:nvPr>
+        </p:nvSpPr>
+        <p:spPr/>
+        <p:txBody>
+          <a:bodyPr/>
+          <a:lstStyle/>
+          <a:p>
+            <a:r>
+              <a:rPr lang="en-US" smtClean="0"/>
+              <a:t>Siêu văn bản là văn bản có hình ảnh, âm thanh, video</a:t>
+            </a:r>
+            <a:endParaRPr lang="en-US"/>
+          </a:p>
+        </p:txBody>
+      </p:sp>
+    </p:spTree>
+    <p:extLst>
+      <p:ext uri="{BB962C8B-B14F-4D97-AF65-F5344CB8AC3E}">
+        <p14:creationId xmlns:p14="http://schemas.microsoft.com/office/powerpoint/2010/main" val="1481628276"/>
+      </p:ext>
+    </p:extLst>
+  </p:cSld>
+  <p:clrMapOvr>
+    <a:masterClrMapping/>
+  </p:clrMapOvr>
+</p:notes>
+</file>
+
+<file path=ppt/notesSlides/notesSlide5.xml><?xml version="1.0" encoding="utf-8"?>
+<p:notes xmlns:a="http://schemas.openxmlformats.org/drawingml/2006/main" xmlns:r="http://schemas.openxmlformats.org/officeDocument/2006/relationships" xmlns:p="http://schemas.openxmlformats.org/presentationml/2006/main">
+  <p:cSld>
+    <p:spTree>
+      <p:nvGrpSpPr>
+        <p:cNvPr id="1" name=""/>
+        <p:cNvGrpSpPr/>
+        <p:nvPr/>
+      </p:nvGrpSpPr>
+      <p:grpSpPr>
+        <a:xfrm>
+          <a:off x="0" y="0"/>
+          <a:ext cx="0" cy="0"/>
+          <a:chOff x="0" y="0"/>
+          <a:chExt cx="0" cy="0"/>
+        </a:xfrm>
+      </p:grpSpPr>
+      <p:sp>
+        <p:nvSpPr>
+          <p:cNvPr id="2" name="Slide Image Placeholder 1"/>
+          <p:cNvSpPr>
+            <a:spLocks noGrp="1" noRot="1" noChangeAspect="1"/>
+          </p:cNvSpPr>
+          <p:nvPr>
+            <p:ph type="sldImg"/>
+          </p:nvPr>
+        </p:nvSpPr>
+        <p:spPr/>
+      </p:sp>
+      <p:sp>
+        <p:nvSpPr>
+          <p:cNvPr id="3" name="Notes Placeholder 2"/>
+          <p:cNvSpPr>
+            <a:spLocks noGrp="1"/>
+          </p:cNvSpPr>
+          <p:nvPr>
+            <p:ph type="body" idx="1"/>
+          </p:nvPr>
+        </p:nvSpPr>
+        <p:spPr/>
+        <p:txBody>
+          <a:bodyPr/>
+          <a:lstStyle/>
+          <a:p>
+            <a:endParaRPr lang="en-US"/>
+          </a:p>
+        </p:txBody>
+      </p:sp>
+      <p:sp>
+        <p:nvSpPr>
+          <p:cNvPr id="5" name="Footer Placeholder 4"/>
+          <p:cNvSpPr>
+            <a:spLocks noGrp="1"/>
+          </p:cNvSpPr>
+          <p:nvPr>
+            <p:ph type="ftr" sz="quarter" idx="11"/>
+          </p:nvPr>
+        </p:nvSpPr>
+        <p:spPr/>
+        <p:txBody>
+          <a:bodyPr/>
+          <a:lstStyle/>
+          <a:p>
+            <a:r>
+              <a:rPr lang="en-US" smtClean="0"/>
+              <a:t>Siêu văn bản là văn bản có hình ảnh, âm thanh, video</a:t>
+            </a:r>
+            <a:endParaRPr lang="en-US"/>
+          </a:p>
+        </p:txBody>
+      </p:sp>
+    </p:spTree>
+    <p:extLst>
+      <p:ext uri="{BB962C8B-B14F-4D97-AF65-F5344CB8AC3E}">
+        <p14:creationId xmlns:p14="http://schemas.microsoft.com/office/powerpoint/2010/main" val="713764459"/>
+      </p:ext>
+    </p:extLst>
+  </p:cSld>
+  <p:clrMapOvr>
+    <a:masterClrMapping/>
+  </p:clrMapOvr>
+</p:notes>
+</file>
+
+<file path=ppt/notesSlides/notesSlide6.xml><?xml version="1.0" encoding="utf-8"?>
+<p:notes xmlns:a="http://schemas.openxmlformats.org/drawingml/2006/main" xmlns:r="http://schemas.openxmlformats.org/officeDocument/2006/relationships" xmlns:p="http://schemas.openxmlformats.org/presentationml/2006/main">
+  <p:cSld>
+    <p:spTree>
+      <p:nvGrpSpPr>
+        <p:cNvPr id="1" name=""/>
+        <p:cNvGrpSpPr/>
+        <p:nvPr/>
+      </p:nvGrpSpPr>
+      <p:grpSpPr>
+        <a:xfrm>
+          <a:off x="0" y="0"/>
+          <a:ext cx="0" cy="0"/>
+          <a:chOff x="0" y="0"/>
+          <a:chExt cx="0" cy="0"/>
+        </a:xfrm>
+      </p:grpSpPr>
+      <p:sp>
+        <p:nvSpPr>
+          <p:cNvPr id="2" name="Slide Image Placeholder 1"/>
+          <p:cNvSpPr>
+            <a:spLocks noGrp="1" noRot="1" noChangeAspect="1"/>
+          </p:cNvSpPr>
+          <p:nvPr>
+            <p:ph type="sldImg"/>
+          </p:nvPr>
+        </p:nvSpPr>
+        <p:spPr/>
+      </p:sp>
+      <p:sp>
+        <p:nvSpPr>
+          <p:cNvPr id="3" name="Notes Placeholder 2"/>
+          <p:cNvSpPr>
+            <a:spLocks noGrp="1"/>
+          </p:cNvSpPr>
+          <p:nvPr>
+            <p:ph type="body" idx="1"/>
+          </p:nvPr>
+        </p:nvSpPr>
+        <p:spPr/>
+        <p:txBody>
+          <a:bodyPr/>
+          <a:lstStyle/>
+          <a:p>
+            <a:endParaRPr lang="en-US"/>
+          </a:p>
+        </p:txBody>
+      </p:sp>
+      <p:sp>
+        <p:nvSpPr>
+          <p:cNvPr id="5" name="Footer Placeholder 4"/>
+          <p:cNvSpPr>
+            <a:spLocks noGrp="1"/>
+          </p:cNvSpPr>
+          <p:nvPr>
+            <p:ph type="ftr" sz="quarter" idx="11"/>
+          </p:nvPr>
+        </p:nvSpPr>
+        <p:spPr/>
+        <p:txBody>
+          <a:bodyPr/>
+          <a:lstStyle/>
+          <a:p>
+            <a:r>
+              <a:rPr lang="en-US" smtClean="0"/>
+              <a:t>Siêu văn bản là văn bản có hình ảnh, âm thanh, video</a:t>
+            </a:r>
+            <a:endParaRPr lang="en-US"/>
+          </a:p>
+        </p:txBody>
+      </p:sp>
+    </p:spTree>
+    <p:extLst>
+      <p:ext uri="{BB962C8B-B14F-4D97-AF65-F5344CB8AC3E}">
+        <p14:creationId xmlns:p14="http://schemas.microsoft.com/office/powerpoint/2010/main" val="3019904030"/>
+      </p:ext>
+    </p:extLst>
+  </p:cSld>
+  <p:clrMapOvr>
+    <a:masterClrMapping/>
+  </p:clrMapOvr>
+</p:notes>
 </file>
 
 <file path=ppt/slideLayouts/slideLayout1.xml><?xml version="1.0" encoding="utf-8"?>
@@ -879,7 +1921,7 @@
               </a:buClr>
               <a:buSzPts val="1200"/>
               <a:buAutoNum type="arabicPeriod"/>
-              <a:defRPr sz="3200"/>
+              <a:defRPr sz="2400"/>
             </a:lvl1pPr>
             <a:lvl2pPr lvl="1" algn="ctr" rtl="0">
               <a:lnSpc>
@@ -1170,7 +2212,7 @@
         </p:nvSpPr>
         <p:spPr>
           <a:xfrm>
-            <a:off x="0" y="6550223"/>
+            <a:off x="9466575" y="6550223"/>
             <a:ext cx="2725425" cy="307777"/>
           </a:xfrm>
           <a:prstGeom prst="rect">
@@ -1614,7 +2656,7 @@
         </p:nvSpPr>
         <p:spPr>
           <a:xfrm>
-            <a:off x="0" y="6550223"/>
+            <a:off x="9466575" y="6545410"/>
             <a:ext cx="2725425" cy="307777"/>
           </a:xfrm>
           <a:prstGeom prst="rect">
@@ -3068,27 +4110,106 @@
           <a:bodyPr/>
           <a:lstStyle/>
           <a:p>
-            <a:pPr marL="114300" indent="0">
-              <a:buNone/>
-            </a:pPr>
-            <a:r>
-              <a:rPr lang="en-US" smtClean="0"/>
-              <a:t>HTML </a:t>
-            </a:r>
-            <a:r>
-              <a:rPr lang="en-US"/>
-              <a:t>(Hyper Text Markup Language - Ngôn ngữ đánh</a:t>
-            </a:r>
-          </a:p>
-          <a:p>
             <a:pPr marL="571500" indent="-457200">
               <a:buFont typeface="Arial" panose="020B0604020202020204" pitchFamily="34" charset="0"/>
               <a:buChar char="•"/>
             </a:pPr>
             <a:r>
+              <a:rPr lang="en-US" smtClean="0"/>
+              <a:t>- HTML ( </a:t>
+            </a:r>
+            <a:r>
               <a:rPr lang="en-US"/>
-              <a:t>dấu siêu văn bản)</a:t>
-            </a:r>
+              <a:t>HyperText Markup </a:t>
+            </a:r>
+            <a:r>
+              <a:rPr lang="en-US" smtClean="0"/>
+              <a:t>Language) là </a:t>
+            </a:r>
+            <a:r>
+              <a:rPr lang="en-US"/>
+              <a:t>ngôn ngữ đánh dấu siêu văn </a:t>
+            </a:r>
+            <a:r>
+              <a:rPr lang="en-US" smtClean="0"/>
+              <a:t>bản</a:t>
+            </a:r>
+            <a:r>
+              <a:rPr lang="en-US" baseline="54000"/>
+              <a:t>1</a:t>
+            </a:r>
+            <a:r>
+              <a:rPr lang="en-US" smtClean="0"/>
+              <a:t>.</a:t>
+            </a:r>
+          </a:p>
+          <a:p>
+            <a:pPr marL="571500" indent="-457200">
+              <a:buFont typeface="Arial" panose="020B0604020202020204" pitchFamily="34" charset="0"/>
+              <a:buChar char="•"/>
+            </a:pPr>
+            <a:endParaRPr lang="en-US" smtClean="0"/>
+          </a:p>
+          <a:p>
+            <a:pPr marL="571500" indent="-457200">
+              <a:buFont typeface="Arial" panose="020B0604020202020204" pitchFamily="34" charset="0"/>
+              <a:buChar char="•"/>
+            </a:pPr>
+            <a:r>
+              <a:rPr lang="en-US"/>
+              <a:t>- </a:t>
+            </a:r>
+            <a:r>
+              <a:rPr lang="en-US" smtClean="0"/>
+              <a:t>L</a:t>
+            </a:r>
+            <a:r>
+              <a:rPr lang="vi-VN" smtClean="0"/>
+              <a:t>à </a:t>
+            </a:r>
+            <a:r>
+              <a:rPr lang="vi-VN"/>
+              <a:t>một ngôn </a:t>
+            </a:r>
+            <a:r>
+              <a:rPr lang="vi-VN"/>
+              <a:t>ngữ </a:t>
+            </a:r>
+            <a:r>
+              <a:rPr lang="vi-VN" smtClean="0"/>
+              <a:t>được </a:t>
+            </a:r>
+            <a:r>
+              <a:rPr lang="vi-VN"/>
+              <a:t>thiết kế ra để tạo nên các </a:t>
+            </a:r>
+            <a:r>
+              <a:rPr lang="vi-VN"/>
+              <a:t>trang </a:t>
+            </a:r>
+            <a:r>
+              <a:rPr lang="en-US" smtClean="0"/>
+              <a:t>W</a:t>
+            </a:r>
+            <a:r>
+              <a:rPr lang="vi-VN" smtClean="0"/>
+              <a:t>eb</a:t>
+            </a:r>
+            <a:endParaRPr lang="en-US" smtClean="0"/>
+          </a:p>
+          <a:p>
+            <a:pPr marL="571500" indent="-457200">
+              <a:buFont typeface="Arial" panose="020B0604020202020204" pitchFamily="34" charset="0"/>
+              <a:buChar char="•"/>
+            </a:pPr>
+            <a:endParaRPr lang="en-US" smtClean="0"/>
+          </a:p>
+          <a:p>
+            <a:pPr marL="571500" indent="-457200">
+              <a:buFont typeface="Arial" panose="020B0604020202020204" pitchFamily="34" charset="0"/>
+              <a:buChar char="•"/>
+            </a:pPr>
+            <a:endParaRPr lang="en-US"/>
           </a:p>
         </p:txBody>
       </p:sp>
@@ -3102,14 +4223,183 @@
             <p:ph type="title"/>
           </p:nvPr>
         </p:nvSpPr>
+        <p:spPr>
+          <a:xfrm>
+            <a:off x="792876" y="474188"/>
+            <a:ext cx="3834208" cy="1024106"/>
+          </a:xfrm>
+        </p:spPr>
+        <p:txBody>
+          <a:bodyPr/>
+          <a:lstStyle/>
+          <a:p>
+            <a:r>
+              <a:rPr lang="en-US" smtClean="0"/>
+              <a:t>Khái Niệm</a:t>
+            </a:r>
+            <a:endParaRPr lang="en-US"/>
+          </a:p>
+        </p:txBody>
+      </p:sp>
+      <p:sp>
+        <p:nvSpPr>
+          <p:cNvPr id="5" name="TextBox 4"/>
+          <p:cNvSpPr txBox="1"/>
+          <p:nvPr/>
+        </p:nvSpPr>
+        <p:spPr>
+          <a:xfrm>
+            <a:off x="-26316" y="6611779"/>
+            <a:ext cx="3365024" cy="246221"/>
+          </a:xfrm>
+          <a:prstGeom prst="rect">
+            <a:avLst/>
+          </a:prstGeom>
+          <a:noFill/>
+        </p:spPr>
+        <p:txBody>
+          <a:bodyPr wrap="none" rtlCol="0">
+            <a:spAutoFit/>
+          </a:bodyPr>
+          <a:lstStyle/>
+          <a:p>
+            <a:r>
+              <a:rPr lang="en-US" sz="1000"/>
+              <a:t>1. Siêu văn bản là văn bản có hình ảnh, âm thanh, video</a:t>
+            </a:r>
+          </a:p>
+        </p:txBody>
+      </p:sp>
+    </p:spTree>
+    <p:extLst>
+      <p:ext uri="{BB962C8B-B14F-4D97-AF65-F5344CB8AC3E}">
+        <p14:creationId xmlns:p14="http://schemas.microsoft.com/office/powerpoint/2010/main" val="3855079893"/>
+      </p:ext>
+    </p:extLst>
+  </p:cSld>
+  <p:clrMapOvr>
+    <a:masterClrMapping/>
+  </p:clrMapOvr>
+  <p:timing>
+    <p:tnLst>
+      <p:par>
+        <p:cTn id="1" dur="indefinite" restart="never" nodeType="tmRoot"/>
+      </p:par>
+    </p:tnLst>
+  </p:timing>
+</p:sld>
+</file>
+
+<file path=ppt/slides/slide11.xml><?xml version="1.0" encoding="utf-8"?>
+<p:sld xmlns:a="http://schemas.openxmlformats.org/drawingml/2006/main" xmlns:r="http://schemas.openxmlformats.org/officeDocument/2006/relationships" xmlns:p="http://schemas.openxmlformats.org/presentationml/2006/main">
+  <p:cSld>
+    <p:spTree>
+      <p:nvGrpSpPr>
+        <p:cNvPr id="1" name=""/>
+        <p:cNvGrpSpPr/>
+        <p:nvPr/>
+      </p:nvGrpSpPr>
+      <p:grpSpPr>
+        <a:xfrm>
+          <a:off x="0" y="0"/>
+          <a:ext cx="0" cy="0"/>
+          <a:chOff x="0" y="0"/>
+          <a:chExt cx="0" cy="0"/>
+        </a:xfrm>
+      </p:grpSpPr>
+      <p:sp>
+        <p:nvSpPr>
+          <p:cNvPr id="2" name="Subtitle 1"/>
+          <p:cNvSpPr>
+            <a:spLocks noGrp="1"/>
+          </p:cNvSpPr>
+          <p:nvPr>
+            <p:ph type="subTitle" idx="1"/>
+          </p:nvPr>
+        </p:nvSpPr>
         <p:spPr/>
         <p:txBody>
           <a:bodyPr/>
           <a:lstStyle/>
           <a:p>
+            <a:pPr marL="571500" indent="-457200">
+              <a:buFont typeface="Arial" panose="020B0604020202020204" pitchFamily="34" charset="0"/>
+              <a:buChar char="•"/>
+            </a:pPr>
+            <a:r>
+              <a:rPr lang="en-US"/>
+              <a:t>- </a:t>
+            </a:r>
+            <a:r>
+              <a:rPr lang="vi-VN"/>
+              <a:t>Một tài liệu HTML được hình thành bởi các phần tử HTML (HTML Elements) được quy định bằng các cặp thẻ (tag và attributes)</a:t>
+            </a:r>
+            <a:endParaRPr lang="en-US"/>
+          </a:p>
+          <a:p>
+            <a:pPr marL="571500" indent="-457200">
+              <a:buFont typeface="Arial" panose="020B0604020202020204" pitchFamily="34" charset="0"/>
+              <a:buChar char="•"/>
+            </a:pPr>
+            <a:endParaRPr lang="en-US"/>
+          </a:p>
+          <a:p>
+            <a:pPr marL="571500" indent="-457200">
+              <a:buFont typeface="Arial" panose="020B0604020202020204" pitchFamily="34" charset="0"/>
+              <a:buChar char="•"/>
+            </a:pPr>
+            <a:r>
+              <a:rPr lang="en-US"/>
+              <a:t>- </a:t>
+            </a:r>
+            <a:r>
+              <a:rPr lang="vi-VN"/>
+              <a:t>Các cặp thẻ này được bao bọc bởi một dấu ngoặc n</a:t>
+            </a:r>
+            <a:r>
+              <a:rPr lang="en-US"/>
+              <a:t>h</a:t>
+            </a:r>
+            <a:r>
+              <a:rPr lang="vi-VN"/>
+              <a:t>ọn (v</a:t>
+            </a:r>
+            <a:r>
+              <a:rPr lang="en-US"/>
+              <a:t>d:</a:t>
+            </a:r>
+            <a:r>
+              <a:rPr lang="vi-VN"/>
+              <a:t> &lt;html&gt;) và thường là sẽ được khai báo thành một cặp, bao gồm thẻ mở và thẻ đóng</a:t>
+            </a:r>
+            <a:r>
+              <a:rPr lang="en-US"/>
+              <a:t> (vd: &lt;html&gt; … &lt;/html&gt;)</a:t>
+            </a:r>
+          </a:p>
+          <a:p>
+            <a:endParaRPr lang="en-US"/>
+          </a:p>
+        </p:txBody>
+      </p:sp>
+      <p:sp>
+        <p:nvSpPr>
+          <p:cNvPr id="3" name="Title 2"/>
+          <p:cNvSpPr>
+            <a:spLocks noGrp="1"/>
+          </p:cNvSpPr>
+          <p:nvPr>
+            <p:ph type="title"/>
+          </p:nvPr>
+        </p:nvSpPr>
+        <p:spPr/>
+        <p:txBody>
+          <a:bodyPr/>
+          <a:lstStyle/>
+          <a:p>
             <a:r>
               <a:rPr lang="en-US" smtClean="0"/>
-              <a:t>Giới Thiệu</a:t>
+              <a:t>Khái Niệm</a:t>
             </a:r>
             <a:endParaRPr lang="en-US"/>
           </a:p>
@@ -3118,7 +4408,98 @@
     </p:spTree>
     <p:extLst>
       <p:ext uri="{BB962C8B-B14F-4D97-AF65-F5344CB8AC3E}">
-        <p14:creationId xmlns:p14="http://schemas.microsoft.com/office/powerpoint/2010/main" val="3855079893"/>
+        <p14:creationId xmlns:p14="http://schemas.microsoft.com/office/powerpoint/2010/main" val="2261378057"/>
+      </p:ext>
+    </p:extLst>
+  </p:cSld>
+  <p:clrMapOvr>
+    <a:masterClrMapping/>
+  </p:clrMapOvr>
+  <p:timing>
+    <p:tnLst>
+      <p:par>
+        <p:cTn id="1" dur="indefinite" restart="never" nodeType="tmRoot"/>
+      </p:par>
+    </p:tnLst>
+  </p:timing>
+</p:sld>
+</file>
+
+<file path=ppt/slides/slide12.xml><?xml version="1.0" encoding="utf-8"?>
+<p:sld xmlns:a="http://schemas.openxmlformats.org/drawingml/2006/main" xmlns:r="http://schemas.openxmlformats.org/officeDocument/2006/relationships" xmlns:p="http://schemas.openxmlformats.org/presentationml/2006/main">
+  <p:cSld>
+    <p:spTree>
+      <p:nvGrpSpPr>
+        <p:cNvPr id="1" name=""/>
+        <p:cNvGrpSpPr/>
+        <p:nvPr/>
+      </p:nvGrpSpPr>
+      <p:grpSpPr>
+        <a:xfrm>
+          <a:off x="0" y="0"/>
+          <a:ext cx="0" cy="0"/>
+          <a:chOff x="0" y="0"/>
+          <a:chExt cx="0" cy="0"/>
+        </a:xfrm>
+      </p:grpSpPr>
+      <p:pic>
+        <p:nvPicPr>
+          <p:cNvPr id="4" name="Picture 3"/>
+          <p:cNvPicPr>
+            <a:picLocks noChangeAspect="1"/>
+          </p:cNvPicPr>
+          <p:nvPr/>
+        </p:nvPicPr>
+        <p:blipFill>
+          <a:blip r:embed="rId2"/>
+          <a:stretch>
+            <a:fillRect/>
+          </a:stretch>
+        </p:blipFill>
+        <p:spPr>
+          <a:xfrm>
+            <a:off x="661012" y="1691400"/>
+            <a:ext cx="10003316" cy="4797356"/>
+          </a:xfrm>
+          <a:prstGeom prst="rect">
+            <a:avLst/>
+          </a:prstGeom>
+        </p:spPr>
+      </p:pic>
+      <p:sp>
+        <p:nvSpPr>
+          <p:cNvPr id="3" name="Title 2"/>
+          <p:cNvSpPr>
+            <a:spLocks noGrp="1"/>
+          </p:cNvSpPr>
+          <p:nvPr>
+            <p:ph type="title"/>
+          </p:nvPr>
+        </p:nvSpPr>
+        <p:spPr/>
+        <p:txBody>
+          <a:bodyPr/>
+          <a:lstStyle/>
+          <a:p>
+            <a:r>
+              <a:rPr lang="en-US"/>
+              <a:t>Cấu </a:t>
+            </a:r>
+            <a:r>
+              <a:rPr lang="en-US" smtClean="0"/>
+              <a:t>Trúc Trang </a:t>
+            </a:r>
+            <a:r>
+              <a:rPr lang="en-US"/>
+              <a:t>HTML</a:t>
+            </a:r>
+          </a:p>
+        </p:txBody>
+      </p:sp>
+    </p:spTree>
+    <p:extLst>
+      <p:ext uri="{BB962C8B-B14F-4D97-AF65-F5344CB8AC3E}">
+        <p14:creationId xmlns:p14="http://schemas.microsoft.com/office/powerpoint/2010/main" val="1392008054"/>
       </p:ext>
     </p:extLst>
   </p:cSld>
@@ -3438,13 +4819,7 @@
               <a:rPr lang="en-US">
                 <a:hlinkClick r:id="rId3"/>
               </a:rPr>
-              <a:t>https</a:t>
-            </a:r>
-            <a:r>
-              <a:rPr lang="en-US">
-                <a:hlinkClick r:id="rId3"/>
-              </a:rPr>
-              <a:t>://</a:t>
+              <a:t>https://</a:t>
             </a:r>
             <a:r>
               <a:rPr lang="en-US" smtClean="0">
@@ -3459,13 +4834,7 @@
               <a:rPr lang="en-US">
                 <a:hlinkClick r:id="rId4"/>
               </a:rPr>
-              <a:t>https</a:t>
-            </a:r>
-            <a:r>
-              <a:rPr lang="en-US">
-                <a:hlinkClick r:id="rId4"/>
-              </a:rPr>
-              <a:t>://</a:t>
+              <a:t>https://</a:t>
             </a:r>
             <a:r>
               <a:rPr lang="en-US" smtClean="0">
@@ -3612,11 +4981,7 @@
             </a:r>
             <a:r>
               <a:rPr lang="vi-VN"/>
-              <a:t>Một trang web là một tập tin chứa </a:t>
-            </a:r>
-            <a:r>
-              <a:rPr lang="vi-VN"/>
-              <a:t>thông </a:t>
+              <a:t>Một trang web là một tập tin chứa thông </a:t>
             </a:r>
             <a:r>
               <a:rPr lang="vi-VN" smtClean="0"/>
@@ -3632,11 +4997,7 @@
             </a:r>
             <a:r>
               <a:rPr lang="vi-VN"/>
-              <a:t>được hiển thị cho người </a:t>
-            </a:r>
-            <a:r>
-              <a:rPr lang="vi-VN"/>
-              <a:t>sử </a:t>
+              <a:t>được hiển thị cho người sử </a:t>
             </a:r>
             <a:r>
               <a:rPr lang="vi-VN" smtClean="0"/>
@@ -3660,37 +5021,17 @@
             <a:r>
               <a:rPr lang="en-US" smtClean="0"/>
               <a:t>   - VD: </a:t>
-            </a:r>
-            <a:r>
-              <a:rPr lang="en-US" smtClean="0">
-                <a:hlinkClick r:id="rId2"/>
-              </a:rPr>
-              <a:t>https://www.youtube.com/</a:t>
-            </a:r>
-            <a:r>
-              <a:rPr lang="en-US" smtClean="0"/>
-              <a:t>   </a:t>
-            </a:r>
-          </a:p>
-          <a:p>
-            <a:pPr marL="114300" indent="0">
-              <a:buNone/>
-            </a:pPr>
-            <a:r>
-              <a:rPr lang="en-US"/>
-              <a:t> </a:t>
-            </a:r>
-            <a:r>
-              <a:rPr lang="en-US" smtClean="0"/>
-              <a:t>           </a:t>
             </a:r>
             <a:r>
               <a:rPr lang="en-US" smtClean="0">
                 <a:hlinkClick r:id="rId3"/>
               </a:rPr>
-              <a:t>https://tuoitre.vn/</a:t>
-            </a:r>
-            <a:endParaRPr lang="en-US" smtClean="0"/>
+              <a:t>https://www.youtube.com/</a:t>
+            </a:r>
+            <a:r>
+              <a:rPr lang="en-US" smtClean="0"/>
+              <a:t>   </a:t>
+            </a:r>
           </a:p>
           <a:p>
             <a:pPr marL="114300" indent="0">
@@ -3707,6 +5048,26 @@
             <a:r>
               <a:rPr lang="en-US" smtClean="0">
                 <a:hlinkClick r:id="rId4"/>
+              </a:rPr>
+              <a:t>https://tuoitre.vn/</a:t>
+            </a:r>
+            <a:endParaRPr lang="en-US" smtClean="0"/>
+          </a:p>
+          <a:p>
+            <a:pPr marL="114300" indent="0">
+              <a:buNone/>
+            </a:pPr>
+            <a:r>
+              <a:rPr lang="en-US"/>
+              <a:t> </a:t>
+            </a:r>
+            <a:r>
+              <a:rPr lang="en-US" smtClean="0"/>
+              <a:t>           </a:t>
+            </a:r>
+            <a:r>
+              <a:rPr lang="en-US" smtClean="0">
+                <a:hlinkClick r:id="rId5"/>
               </a:rPr>
               <a:t>https://zalo.me/pc </a:t>
             </a:r>
@@ -3825,7 +5186,7 @@
           <p:nvPr/>
         </p:nvPicPr>
         <p:blipFill>
-          <a:blip r:embed="rId2">
+          <a:blip r:embed="rId3">
             <a:extLst>
               <a:ext uri="{28A0092B-C50C-407E-A947-70E740481C1C}">
                 <a14:useLocalDpi xmlns:a14="http://schemas.microsoft.com/office/drawing/2010/main" val="0"/>
@@ -3855,7 +5216,7 @@
           <p:nvPr/>
         </p:nvPicPr>
         <p:blipFill>
-          <a:blip r:embed="rId3">
+          <a:blip r:embed="rId4">
             <a:extLst>
               <a:ext uri="{28A0092B-C50C-407E-A947-70E740481C1C}">
                 <a14:useLocalDpi xmlns:a14="http://schemas.microsoft.com/office/drawing/2010/main" val="0"/>
@@ -3891,7 +5252,7 @@
           <p:nvPr/>
         </p:nvPicPr>
         <p:blipFill>
-          <a:blip r:embed="rId4">
+          <a:blip r:embed="rId5">
             <a:extLst>
               <a:ext uri="{28A0092B-C50C-407E-A947-70E740481C1C}">
                 <a14:useLocalDpi xmlns:a14="http://schemas.microsoft.com/office/drawing/2010/main" val="0"/>
@@ -3978,7 +5339,7 @@
             </a:r>
             <a:r>
               <a:rPr lang="en-US" smtClean="0">
-                <a:hlinkClick r:id="rId2"/>
+                <a:hlinkClick r:id="rId3"/>
               </a:rPr>
               <a:t>https://code.visualstudio.com/</a:t>
             </a:r>
@@ -4022,7 +5383,7 @@
           <p:nvPr/>
         </p:nvPicPr>
         <p:blipFill>
-          <a:blip r:embed="rId3"/>
+          <a:blip r:embed="rId4"/>
           <a:stretch>
             <a:fillRect/>
           </a:stretch>
@@ -4101,18 +5462,6 @@
               <a:t>- Video đính kèm</a:t>
             </a:r>
           </a:p>
-          <a:p>
-            <a:pPr marL="114300" indent="0">
-              <a:buNone/>
-            </a:pPr>
-            <a:r>
-              <a:rPr lang="en-US" smtClean="0">
-                <a:hlinkClick r:id="rId2"/>
-              </a:rPr>
-              <a:t>https://drive.google.com/file/d/17mks1km0KrIqpw7I2poIyqBuWuQFMAdS/view?usp=sharing</a:t>
-            </a:r>
-            <a:endParaRPr lang="en-US" smtClean="0"/>
-          </a:p>
         </p:txBody>
       </p:sp>
       <p:sp>
@@ -4239,7 +5588,7 @@
           <p:nvPr/>
         </p:nvPicPr>
         <p:blipFill>
-          <a:blip r:embed="rId2">
+          <a:blip r:embed="rId3">
             <a:extLst>
               <a:ext uri="{28A0092B-C50C-407E-A947-70E740481C1C}">
                 <a14:useLocalDpi xmlns:a14="http://schemas.microsoft.com/office/drawing/2010/main" val="0"/>
@@ -4269,7 +5618,7 @@
           <p:nvPr/>
         </p:nvPicPr>
         <p:blipFill>
-          <a:blip r:embed="rId3">
+          <a:blip r:embed="rId4">
             <a:extLst>
               <a:ext uri="{28A0092B-C50C-407E-A947-70E740481C1C}">
                 <a14:useLocalDpi xmlns:a14="http://schemas.microsoft.com/office/drawing/2010/main" val="0"/>
@@ -4299,7 +5648,7 @@
           <p:nvPr/>
         </p:nvPicPr>
         <p:blipFill>
-          <a:blip r:embed="rId4">
+          <a:blip r:embed="rId5">
             <a:extLst>
               <a:ext uri="{28A0092B-C50C-407E-A947-70E740481C1C}">
                 <a14:useLocalDpi xmlns:a14="http://schemas.microsoft.com/office/drawing/2010/main" val="0"/>
@@ -4619,4 +5968,526 @@
   <a:objectDefaults/>
   <a:extraClrSchemeLst/>
 </a:theme>
+</file>
+
+<file path=ppt/theme/theme2.xml><?xml version="1.0" encoding="utf-8"?>
+<a:theme xmlns:a="http://schemas.openxmlformats.org/drawingml/2006/main" name="Office Theme">
+  <a:themeElements>
+    <a:clrScheme name="Office">
+      <a:dk1>
+        <a:sysClr val="windowText" lastClr="000000"/>
+      </a:dk1>
+      <a:lt1>
+        <a:sysClr val="window" lastClr="FFFFFF"/>
+      </a:lt1>
+      <a:dk2>
+        <a:srgbClr val="44546A"/>
+      </a:dk2>
+      <a:lt2>
+        <a:srgbClr val="E7E6E6"/>
+      </a:lt2>
+      <a:accent1>
+        <a:srgbClr val="5B9BD5"/>
+      </a:accent1>
+      <a:accent2>
+        <a:srgbClr val="ED7D31"/>
+      </a:accent2>
+      <a:accent3>
+        <a:srgbClr val="A5A5A5"/>
+      </a:accent3>
+      <a:accent4>
+        <a:srgbClr val="FFC000"/>
+      </a:accent4>
+      <a:accent5>
+        <a:srgbClr val="4472C4"/>
+      </a:accent5>
+      <a:accent6>
+        <a:srgbClr val="70AD47"/>
+      </a:accent6>
+      <a:hlink>
+        <a:srgbClr val="0563C1"/>
+      </a:hlink>
+      <a:folHlink>
+        <a:srgbClr val="954F72"/>
+      </a:folHlink>
+    </a:clrScheme>
+    <a:fontScheme name="Office">
+      <a:majorFont>
+        <a:latin typeface="Calibri Light" panose="020F0302020204030204"/>
+        <a:ea typeface=""/>
+        <a:cs typeface=""/>
+        <a:font script="Jpan" typeface="游ゴシック Light"/>
+        <a:font script="Hang" typeface="맑은 고딕"/>
+        <a:font script="Hans" typeface="等线 Light"/>
+        <a:font script="Hant" typeface="新細明體"/>
+        <a:font script="Arab" typeface="Times New Roman"/>
+        <a:font script="Hebr" typeface="Times New Roman"/>
+        <a:font script="Thai" typeface="Angsana New"/>
+        <a:font script="Ethi" typeface="Nyala"/>
+        <a:font script="Beng" typeface="Vrinda"/>
+        <a:font script="Gujr" typeface="Shruti"/>
+        <a:font script="Khmr" typeface="MoolBoran"/>
+        <a:font script="Knda" typeface="Tunga"/>
+        <a:font script="Guru" typeface="Raavi"/>
+        <a:font script="Cans" typeface="Euphemia"/>
+        <a:font script="Cher" typeface="Plantagenet Cherokee"/>
+        <a:font script="Yiii" typeface="Microsoft Yi Baiti"/>
+        <a:font script="Tibt" typeface="Microsoft Himalaya"/>
+        <a:font script="Thaa" typeface="MV Boli"/>
+        <a:font script="Deva" typeface="Mangal"/>
+        <a:font script="Telu" typeface="Gautami"/>
+        <a:font script="Taml" typeface="Latha"/>
+        <a:font script="Syrc" typeface="Estrangelo Edessa"/>
+        <a:font script="Orya" typeface="Kalinga"/>
+        <a:font script="Mlym" typeface="Kartika"/>
+        <a:font script="Laoo" typeface="DokChampa"/>
+        <a:font script="Sinh" typeface="Iskoola Pota"/>
+        <a:font script="Mong" typeface="Mongolian Baiti"/>
+        <a:font script="Viet" typeface="Times New Roman"/>
+        <a:font script="Uigh" typeface="Microsoft Uighur"/>
+        <a:font script="Geor" typeface="Sylfaen"/>
+      </a:majorFont>
+      <a:minorFont>
+        <a:latin typeface="Calibri" panose="020F0502020204030204"/>
+        <a:ea typeface=""/>
+        <a:cs typeface=""/>
+        <a:font script="Jpan" typeface="游ゴシック"/>
+        <a:font script="Hang" typeface="맑은 고딕"/>
+        <a:font script="Hans" typeface="等线"/>
+        <a:font script="Hant" typeface="新細明體"/>
+        <a:font script="Arab" typeface="Arial"/>
+        <a:font script="Hebr" typeface="Arial"/>
+        <a:font script="Thai" typeface="Cordia New"/>
+        <a:font script="Ethi" typeface="Nyala"/>
+        <a:font script="Beng" typeface="Vrinda"/>
+        <a:font script="Gujr" typeface="Shruti"/>
+        <a:font script="Khmr" typeface="DaunPenh"/>
+        <a:font script="Knda" typeface="Tunga"/>
+        <a:font script="Guru" typeface="Raavi"/>
+        <a:font script="Cans" typeface="Euphemia"/>
+        <a:font script="Cher" typeface="Plantagenet Cherokee"/>
+        <a:font script="Yiii" typeface="Microsoft Yi Baiti"/>
+        <a:font script="Tibt" typeface="Microsoft Himalaya"/>
+        <a:font script="Thaa" typeface="MV Boli"/>
+        <a:font script="Deva" typeface="Mangal"/>
+        <a:font script="Telu" typeface="Gautami"/>
+        <a:font script="Taml" typeface="Latha"/>
+        <a:font script="Syrc" typeface="Estrangelo Edessa"/>
+        <a:font script="Orya" typeface="Kalinga"/>
+        <a:font script="Mlym" typeface="Kartika"/>
+        <a:font script="Laoo" typeface="DokChampa"/>
+        <a:font script="Sinh" typeface="Iskoola Pota"/>
+        <a:font script="Mong" typeface="Mongolian Baiti"/>
+        <a:font script="Viet" typeface="Arial"/>
+        <a:font script="Uigh" typeface="Microsoft Uighur"/>
+        <a:font script="Geor" typeface="Sylfaen"/>
+      </a:minorFont>
+    </a:fontScheme>
+    <a:fmtScheme name="Office">
+      <a:fillStyleLst>
+        <a:solidFill>
+          <a:schemeClr val="phClr"/>
+        </a:solidFill>
+        <a:gradFill rotWithShape="1">
+          <a:gsLst>
+            <a:gs pos="0">
+              <a:schemeClr val="phClr">
+                <a:lumMod val="110000"/>
+                <a:satMod val="105000"/>
+                <a:tint val="67000"/>
+              </a:schemeClr>
+            </a:gs>
+            <a:gs pos="50000">
+              <a:schemeClr val="phClr">
+                <a:lumMod val="105000"/>
+                <a:satMod val="103000"/>
+                <a:tint val="73000"/>
+              </a:schemeClr>
+            </a:gs>
+            <a:gs pos="100000">
+              <a:schemeClr val="phClr">
+                <a:lumMod val="105000"/>
+                <a:satMod val="109000"/>
+                <a:tint val="81000"/>
+              </a:schemeClr>
+            </a:gs>
+          </a:gsLst>
+          <a:lin ang="5400000" scaled="0"/>
+        </a:gradFill>
+        <a:gradFill rotWithShape="1">
+          <a:gsLst>
+            <a:gs pos="0">
+              <a:schemeClr val="phClr">
+                <a:satMod val="103000"/>
+                <a:lumMod val="102000"/>
+                <a:tint val="94000"/>
+              </a:schemeClr>
+            </a:gs>
+            <a:gs pos="50000">
+              <a:schemeClr val="phClr">
+                <a:satMod val="110000"/>
+                <a:lumMod val="100000"/>
+                <a:shade val="100000"/>
+              </a:schemeClr>
+            </a:gs>
+            <a:gs pos="100000">
+              <a:schemeClr val="phClr">
+                <a:lumMod val="99000"/>
+                <a:satMod val="120000"/>
+                <a:shade val="78000"/>
+              </a:schemeClr>
+            </a:gs>
+          </a:gsLst>
+          <a:lin ang="5400000" scaled="0"/>
+        </a:gradFill>
+      </a:fillStyleLst>
+      <a:lnStyleLst>
+        <a:ln w="6350" cap="flat" cmpd="sng" algn="ctr">
+          <a:solidFill>
+            <a:schemeClr val="phClr"/>
+          </a:solidFill>
+          <a:prstDash val="solid"/>
+          <a:miter lim="800000"/>
+        </a:ln>
+        <a:ln w="12700" cap="flat" cmpd="sng" algn="ctr">
+          <a:solidFill>
+            <a:schemeClr val="phClr"/>
+          </a:solidFill>
+          <a:prstDash val="solid"/>
+          <a:miter lim="800000"/>
+        </a:ln>
+        <a:ln w="19050" cap="flat" cmpd="sng" algn="ctr">
+          <a:solidFill>
+            <a:schemeClr val="phClr"/>
+          </a:solidFill>
+          <a:prstDash val="solid"/>
+          <a:miter lim="800000"/>
+        </a:ln>
+      </a:lnStyleLst>
+      <a:effectStyleLst>
+        <a:effectStyle>
+          <a:effectLst/>
+        </a:effectStyle>
+        <a:effectStyle>
+          <a:effectLst/>
+        </a:effectStyle>
+        <a:effectStyle>
+          <a:effectLst>
+            <a:outerShdw blurRad="57150" dist="19050" dir="5400000" algn="ctr" rotWithShape="0">
+              <a:srgbClr val="000000">
+                <a:alpha val="63000"/>
+              </a:srgbClr>
+            </a:outerShdw>
+          </a:effectLst>
+        </a:effectStyle>
+      </a:effectStyleLst>
+      <a:bgFillStyleLst>
+        <a:solidFill>
+          <a:schemeClr val="phClr"/>
+        </a:solidFill>
+        <a:solidFill>
+          <a:schemeClr val="phClr">
+            <a:tint val="95000"/>
+            <a:satMod val="170000"/>
+          </a:schemeClr>
+        </a:solidFill>
+        <a:gradFill rotWithShape="1">
+          <a:gsLst>
+            <a:gs pos="0">
+              <a:schemeClr val="phClr">
+                <a:tint val="93000"/>
+                <a:satMod val="150000"/>
+                <a:shade val="98000"/>
+                <a:lumMod val="102000"/>
+              </a:schemeClr>
+            </a:gs>
+            <a:gs pos="50000">
+              <a:schemeClr val="phClr">
+                <a:tint val="98000"/>
+                <a:satMod val="130000"/>
+                <a:shade val="90000"/>
+                <a:lumMod val="103000"/>
+              </a:schemeClr>
+            </a:gs>
+            <a:gs pos="100000">
+              <a:schemeClr val="phClr">
+                <a:shade val="63000"/>
+                <a:satMod val="120000"/>
+              </a:schemeClr>
+            </a:gs>
+          </a:gsLst>
+          <a:lin ang="5400000" scaled="0"/>
+        </a:gradFill>
+      </a:bgFillStyleLst>
+    </a:fmtScheme>
+  </a:themeElements>
+  <a:objectDefaults/>
+  <a:extraClrSchemeLst/>
+  <a:extLst>
+    <a:ext uri="{05A4C25C-085E-4340-85A3-A5531E510DB2}">
+      <thm15:themeFamily xmlns:thm15="http://schemas.microsoft.com/office/thememl/2012/main" name="Office Theme" id="{62F939B6-93AF-4DB8-9C6B-D6C7DFDC589F}" vid="{4A3C46E8-61CC-4603-A589-7422A47A8E4A}"/>
+    </a:ext>
+  </a:extLst>
+</a:theme>
+</file>
+
+<file path=ppt/theme/theme3.xml><?xml version="1.0" encoding="utf-8"?>
+<a:theme xmlns:a="http://schemas.openxmlformats.org/drawingml/2006/main" name="Office Theme">
+  <a:themeElements>
+    <a:clrScheme name="Office">
+      <a:dk1>
+        <a:sysClr val="windowText" lastClr="000000"/>
+      </a:dk1>
+      <a:lt1>
+        <a:sysClr val="window" lastClr="FFFFFF"/>
+      </a:lt1>
+      <a:dk2>
+        <a:srgbClr val="44546A"/>
+      </a:dk2>
+      <a:lt2>
+        <a:srgbClr val="E7E6E6"/>
+      </a:lt2>
+      <a:accent1>
+        <a:srgbClr val="5B9BD5"/>
+      </a:accent1>
+      <a:accent2>
+        <a:srgbClr val="ED7D31"/>
+      </a:accent2>
+      <a:accent3>
+        <a:srgbClr val="A5A5A5"/>
+      </a:accent3>
+      <a:accent4>
+        <a:srgbClr val="FFC000"/>
+      </a:accent4>
+      <a:accent5>
+        <a:srgbClr val="4472C4"/>
+      </a:accent5>
+      <a:accent6>
+        <a:srgbClr val="70AD47"/>
+      </a:accent6>
+      <a:hlink>
+        <a:srgbClr val="0563C1"/>
+      </a:hlink>
+      <a:folHlink>
+        <a:srgbClr val="954F72"/>
+      </a:folHlink>
+    </a:clrScheme>
+    <a:fontScheme name="Office">
+      <a:majorFont>
+        <a:latin typeface="Calibri Light" panose="020F0302020204030204"/>
+        <a:ea typeface=""/>
+        <a:cs typeface=""/>
+        <a:font script="Jpan" typeface="游ゴシック Light"/>
+        <a:font script="Hang" typeface="맑은 고딕"/>
+        <a:font script="Hans" typeface="等线 Light"/>
+        <a:font script="Hant" typeface="新細明體"/>
+        <a:font script="Arab" typeface="Times New Roman"/>
+        <a:font script="Hebr" typeface="Times New Roman"/>
+        <a:font script="Thai" typeface="Angsana New"/>
+        <a:font script="Ethi" typeface="Nyala"/>
+        <a:font script="Beng" typeface="Vrinda"/>
+        <a:font script="Gujr" typeface="Shruti"/>
+        <a:font script="Khmr" typeface="MoolBoran"/>
+        <a:font script="Knda" typeface="Tunga"/>
+        <a:font script="Guru" typeface="Raavi"/>
+        <a:font script="Cans" typeface="Euphemia"/>
+        <a:font script="Cher" typeface="Plantagenet Cherokee"/>
+        <a:font script="Yiii" typeface="Microsoft Yi Baiti"/>
+        <a:font script="Tibt" typeface="Microsoft Himalaya"/>
+        <a:font script="Thaa" typeface="MV Boli"/>
+        <a:font script="Deva" typeface="Mangal"/>
+        <a:font script="Telu" typeface="Gautami"/>
+        <a:font script="Taml" typeface="Latha"/>
+        <a:font script="Syrc" typeface="Estrangelo Edessa"/>
+        <a:font script="Orya" typeface="Kalinga"/>
+        <a:font script="Mlym" typeface="Kartika"/>
+        <a:font script="Laoo" typeface="DokChampa"/>
+        <a:font script="Sinh" typeface="Iskoola Pota"/>
+        <a:font script="Mong" typeface="Mongolian Baiti"/>
+        <a:font script="Viet" typeface="Times New Roman"/>
+        <a:font script="Uigh" typeface="Microsoft Uighur"/>
+        <a:font script="Geor" typeface="Sylfaen"/>
+      </a:majorFont>
+      <a:minorFont>
+        <a:latin typeface="Calibri" panose="020F0502020204030204"/>
+        <a:ea typeface=""/>
+        <a:cs typeface=""/>
+        <a:font script="Jpan" typeface="游ゴシック"/>
+        <a:font script="Hang" typeface="맑은 고딕"/>
+        <a:font script="Hans" typeface="等线"/>
+        <a:font script="Hant" typeface="新細明體"/>
+        <a:font script="Arab" typeface="Arial"/>
+        <a:font script="Hebr" typeface="Arial"/>
+        <a:font script="Thai" typeface="Cordia New"/>
+        <a:font script="Ethi" typeface="Nyala"/>
+        <a:font script="Beng" typeface="Vrinda"/>
+        <a:font script="Gujr" typeface="Shruti"/>
+        <a:font script="Khmr" typeface="DaunPenh"/>
+        <a:font script="Knda" typeface="Tunga"/>
+        <a:font script="Guru" typeface="Raavi"/>
+        <a:font script="Cans" typeface="Euphemia"/>
+        <a:font script="Cher" typeface="Plantagenet Cherokee"/>
+        <a:font script="Yiii" typeface="Microsoft Yi Baiti"/>
+        <a:font script="Tibt" typeface="Microsoft Himalaya"/>
+        <a:font script="Thaa" typeface="MV Boli"/>
+        <a:font script="Deva" typeface="Mangal"/>
+        <a:font script="Telu" typeface="Gautami"/>
+        <a:font script="Taml" typeface="Latha"/>
+        <a:font script="Syrc" typeface="Estrangelo Edessa"/>
+        <a:font script="Orya" typeface="Kalinga"/>
+        <a:font script="Mlym" typeface="Kartika"/>
+        <a:font script="Laoo" typeface="DokChampa"/>
+        <a:font script="Sinh" typeface="Iskoola Pota"/>
+        <a:font script="Mong" typeface="Mongolian Baiti"/>
+        <a:font script="Viet" typeface="Arial"/>
+        <a:font script="Uigh" typeface="Microsoft Uighur"/>
+        <a:font script="Geor" typeface="Sylfaen"/>
+      </a:minorFont>
+    </a:fontScheme>
+    <a:fmtScheme name="Office">
+      <a:fillStyleLst>
+        <a:solidFill>
+          <a:schemeClr val="phClr"/>
+        </a:solidFill>
+        <a:gradFill rotWithShape="1">
+          <a:gsLst>
+            <a:gs pos="0">
+              <a:schemeClr val="phClr">
+                <a:lumMod val="110000"/>
+                <a:satMod val="105000"/>
+                <a:tint val="67000"/>
+              </a:schemeClr>
+            </a:gs>
+            <a:gs pos="50000">
+              <a:schemeClr val="phClr">
+                <a:lumMod val="105000"/>
+                <a:satMod val="103000"/>
+                <a:tint val="73000"/>
+              </a:schemeClr>
+            </a:gs>
+            <a:gs pos="100000">
+              <a:schemeClr val="phClr">
+                <a:lumMod val="105000"/>
+                <a:satMod val="109000"/>
+                <a:tint val="81000"/>
+              </a:schemeClr>
+            </a:gs>
+          </a:gsLst>
+          <a:lin ang="5400000" scaled="0"/>
+        </a:gradFill>
+        <a:gradFill rotWithShape="1">
+          <a:gsLst>
+            <a:gs pos="0">
+              <a:schemeClr val="phClr">
+                <a:satMod val="103000"/>
+                <a:lumMod val="102000"/>
+                <a:tint val="94000"/>
+              </a:schemeClr>
+            </a:gs>
+            <a:gs pos="50000">
+              <a:schemeClr val="phClr">
+                <a:satMod val="110000"/>
+                <a:lumMod val="100000"/>
+                <a:shade val="100000"/>
+              </a:schemeClr>
+            </a:gs>
+            <a:gs pos="100000">
+              <a:schemeClr val="phClr">
+                <a:lumMod val="99000"/>
+                <a:satMod val="120000"/>
+                <a:shade val="78000"/>
+              </a:schemeClr>
+            </a:gs>
+          </a:gsLst>
+          <a:lin ang="5400000" scaled="0"/>
+        </a:gradFill>
+      </a:fillStyleLst>
+      <a:lnStyleLst>
+        <a:ln w="6350" cap="flat" cmpd="sng" algn="ctr">
+          <a:solidFill>
+            <a:schemeClr val="phClr"/>
+          </a:solidFill>
+          <a:prstDash val="solid"/>
+          <a:miter lim="800000"/>
+        </a:ln>
+        <a:ln w="12700" cap="flat" cmpd="sng" algn="ctr">
+          <a:solidFill>
+            <a:schemeClr val="phClr"/>
+          </a:solidFill>
+          <a:prstDash val="solid"/>
+          <a:miter lim="800000"/>
+        </a:ln>
+        <a:ln w="19050" cap="flat" cmpd="sng" algn="ctr">
+          <a:solidFill>
+            <a:schemeClr val="phClr"/>
+          </a:solidFill>
+          <a:prstDash val="solid"/>
+          <a:miter lim="800000"/>
+        </a:ln>
+      </a:lnStyleLst>
+      <a:effectStyleLst>
+        <a:effectStyle>
+          <a:effectLst/>
+        </a:effectStyle>
+        <a:effectStyle>
+          <a:effectLst/>
+        </a:effectStyle>
+        <a:effectStyle>
+          <a:effectLst>
+            <a:outerShdw blurRad="57150" dist="19050" dir="5400000" algn="ctr" rotWithShape="0">
+              <a:srgbClr val="000000">
+                <a:alpha val="63000"/>
+              </a:srgbClr>
+            </a:outerShdw>
+          </a:effectLst>
+        </a:effectStyle>
+      </a:effectStyleLst>
+      <a:bgFillStyleLst>
+        <a:solidFill>
+          <a:schemeClr val="phClr"/>
+        </a:solidFill>
+        <a:solidFill>
+          <a:schemeClr val="phClr">
+            <a:tint val="95000"/>
+            <a:satMod val="170000"/>
+          </a:schemeClr>
+        </a:solidFill>
+        <a:gradFill rotWithShape="1">
+          <a:gsLst>
+            <a:gs pos="0">
+              <a:schemeClr val="phClr">
+                <a:tint val="93000"/>
+                <a:satMod val="150000"/>
+                <a:shade val="98000"/>
+                <a:lumMod val="102000"/>
+              </a:schemeClr>
+            </a:gs>
+            <a:gs pos="50000">
+              <a:schemeClr val="phClr">
+                <a:tint val="98000"/>
+                <a:satMod val="130000"/>
+                <a:shade val="90000"/>
+                <a:lumMod val="103000"/>
+              </a:schemeClr>
+            </a:gs>
+            <a:gs pos="100000">
+              <a:schemeClr val="phClr">
+                <a:shade val="63000"/>
+                <a:satMod val="120000"/>
+              </a:schemeClr>
+            </a:gs>
+          </a:gsLst>
+          <a:lin ang="5400000" scaled="0"/>
+        </a:gradFill>
+      </a:bgFillStyleLst>
+    </a:fmtScheme>
+  </a:themeElements>
+  <a:objectDefaults/>
+  <a:extraClrSchemeLst/>
+  <a:extLst>
+    <a:ext uri="{05A4C25C-085E-4340-85A3-A5531E510DB2}">
+      <thm15:themeFamily xmlns:thm15="http://schemas.microsoft.com/office/thememl/2012/main" name="Office Theme" id="{62F939B6-93AF-4DB8-9C6B-D6C7DFDC589F}" vid="{4A3C46E8-61CC-4603-A589-7422A47A8E4A}"/>
+    </a:ext>
+  </a:extLst>
+</a:theme>
 </file>